--- a/Burst Denoising with Kernel Prediction Networks.pptx
+++ b/Burst Denoising with Kernel Prediction Networks.pptx
@@ -11,8 +11,15 @@
     <p:sldId id="262" r:id="rId5"/>
     <p:sldId id="259" r:id="rId6"/>
     <p:sldId id="260" r:id="rId7"/>
-    <p:sldId id="263" r:id="rId8"/>
-    <p:sldId id="261" r:id="rId9"/>
+    <p:sldId id="264" r:id="rId8"/>
+    <p:sldId id="263" r:id="rId9"/>
+    <p:sldId id="265" r:id="rId10"/>
+    <p:sldId id="267" r:id="rId11"/>
+    <p:sldId id="268" r:id="rId12"/>
+    <p:sldId id="269" r:id="rId13"/>
+    <p:sldId id="270" r:id="rId14"/>
+    <p:sldId id="271" r:id="rId15"/>
+    <p:sldId id="261" r:id="rId16"/>
   </p:sldIdLst>
   <p:sldSz cx="12192000" cy="6858000"/>
   <p:notesSz cx="6858000" cy="9144000"/>
@@ -111,6 +118,11 @@
       </a:defRPr>
     </a:lvl9pPr>
   </p:defaultTextStyle>
+  <p:extLst>
+    <p:ext uri="{EFAFB233-063F-42B5-8137-9DF3F51BA10A}">
+      <p15:sldGuideLst xmlns:p15="http://schemas.microsoft.com/office/powerpoint/2012/main"/>
+    </p:ext>
+  </p:extLst>
 </p:presentation>
 </file>
 
@@ -3413,6 +3425,759 @@
 </p:sld>
 </file>
 
+<file path=ppt/slides/slide10.xml><?xml version="1.0" encoding="utf-8"?>
+<p:sld xmlns:a="http://schemas.openxmlformats.org/drawingml/2006/main" xmlns:r="http://schemas.openxmlformats.org/officeDocument/2006/relationships" xmlns:p="http://schemas.openxmlformats.org/presentationml/2006/main">
+  <p:cSld>
+    <p:spTree>
+      <p:nvGrpSpPr>
+        <p:cNvPr id="1" name=""/>
+        <p:cNvGrpSpPr/>
+        <p:nvPr/>
+      </p:nvGrpSpPr>
+      <p:grpSpPr>
+        <a:xfrm>
+          <a:off x="0" y="0"/>
+          <a:ext cx="0" cy="0"/>
+          <a:chOff x="0" y="0"/>
+          <a:chExt cx="0" cy="0"/>
+        </a:xfrm>
+      </p:grpSpPr>
+      <p:pic>
+        <p:nvPicPr>
+          <p:cNvPr id="4" name="Picture 3">
+            <a:extLst>
+              <a:ext uri="{FF2B5EF4-FFF2-40B4-BE49-F238E27FC236}">
+                <a16:creationId xmlns:a16="http://schemas.microsoft.com/office/drawing/2014/main" id="{EE10CBA3-3E5E-48A6-BC68-464FF464AEDC}"/>
+              </a:ext>
+            </a:extLst>
+          </p:cNvPr>
+          <p:cNvPicPr>
+            <a:picLocks noChangeAspect="1"/>
+          </p:cNvPicPr>
+          <p:nvPr/>
+        </p:nvPicPr>
+        <p:blipFill>
+          <a:blip r:embed="rId2"/>
+          <a:stretch>
+            <a:fillRect/>
+          </a:stretch>
+        </p:blipFill>
+        <p:spPr>
+          <a:xfrm>
+            <a:off x="2188218" y="2197100"/>
+            <a:ext cx="9420225" cy="4295775"/>
+          </a:xfrm>
+          <a:prstGeom prst="rect">
+            <a:avLst/>
+          </a:prstGeom>
+        </p:spPr>
+      </p:pic>
+      <p:sp>
+        <p:nvSpPr>
+          <p:cNvPr id="2" name="Title 1">
+            <a:extLst>
+              <a:ext uri="{FF2B5EF4-FFF2-40B4-BE49-F238E27FC236}">
+                <a16:creationId xmlns:a16="http://schemas.microsoft.com/office/drawing/2014/main" id="{E46A37ED-7300-4D12-87FA-6BDAF4F26C03}"/>
+              </a:ext>
+            </a:extLst>
+          </p:cNvPr>
+          <p:cNvSpPr>
+            <a:spLocks noGrp="1"/>
+          </p:cNvSpPr>
+          <p:nvPr>
+            <p:ph type="title"/>
+          </p:nvPr>
+        </p:nvSpPr>
+        <p:spPr>
+          <a:xfrm>
+            <a:off x="838200" y="365125"/>
+            <a:ext cx="10515600" cy="1325563"/>
+          </a:xfrm>
+        </p:spPr>
+        <p:txBody>
+          <a:bodyPr/>
+          <a:lstStyle/>
+          <a:p>
+            <a:r>
+              <a:rPr lang="en-US" dirty="0"/>
+              <a:t>Synthetic training data</a:t>
+            </a:r>
+          </a:p>
+        </p:txBody>
+      </p:sp>
+      <p:sp>
+        <p:nvSpPr>
+          <p:cNvPr id="3" name="Content Placeholder 2">
+            <a:extLst>
+              <a:ext uri="{FF2B5EF4-FFF2-40B4-BE49-F238E27FC236}">
+                <a16:creationId xmlns:a16="http://schemas.microsoft.com/office/drawing/2014/main" id="{FBC670EB-095C-48AB-8D06-861705E0D262}"/>
+              </a:ext>
+            </a:extLst>
+          </p:cNvPr>
+          <p:cNvSpPr>
+            <a:spLocks noGrp="1"/>
+          </p:cNvSpPr>
+          <p:nvPr>
+            <p:ph idx="1"/>
+          </p:nvPr>
+        </p:nvSpPr>
+        <p:spPr>
+          <a:xfrm>
+            <a:off x="838200" y="1825625"/>
+            <a:ext cx="10515600" cy="4351338"/>
+          </a:xfrm>
+        </p:spPr>
+        <p:txBody>
+          <a:bodyPr/>
+          <a:lstStyle/>
+          <a:p>
+            <a:r>
+              <a:rPr lang="en-US" dirty="0"/>
+              <a:t>Crop randomly</a:t>
+            </a:r>
+          </a:p>
+          <a:p>
+            <a:r>
+              <a:rPr lang="en-US" dirty="0"/>
+              <a:t>Scale colors</a:t>
+            </a:r>
+          </a:p>
+          <a:p>
+            <a:r>
+              <a:rPr lang="en-US" dirty="0"/>
+              <a:t>Add noise. </a:t>
+            </a:r>
+          </a:p>
+          <a:p>
+            <a:pPr marL="0" indent="0">
+              <a:buNone/>
+            </a:pPr>
+            <a:br>
+              <a:rPr lang="en-US" dirty="0"/>
+            </a:br>
+            <a:br>
+              <a:rPr lang="en-US" dirty="0"/>
+            </a:br>
+            <a:endParaRPr lang="en-US" dirty="0"/>
+          </a:p>
+        </p:txBody>
+      </p:sp>
+    </p:spTree>
+    <p:extLst>
+      <p:ext uri="{BB962C8B-B14F-4D97-AF65-F5344CB8AC3E}">
+        <p14:creationId xmlns:p14="http://schemas.microsoft.com/office/powerpoint/2010/main" val="2352474685"/>
+      </p:ext>
+    </p:extLst>
+  </p:cSld>
+  <p:clrMapOvr>
+    <a:masterClrMapping/>
+  </p:clrMapOvr>
+</p:sld>
+</file>
+
+<file path=ppt/slides/slide11.xml><?xml version="1.0" encoding="utf-8"?>
+<p:sld xmlns:a="http://schemas.openxmlformats.org/drawingml/2006/main" xmlns:r="http://schemas.openxmlformats.org/officeDocument/2006/relationships" xmlns:p="http://schemas.openxmlformats.org/presentationml/2006/main">
+  <p:cSld>
+    <p:spTree>
+      <p:nvGrpSpPr>
+        <p:cNvPr id="1" name=""/>
+        <p:cNvGrpSpPr/>
+        <p:nvPr/>
+      </p:nvGrpSpPr>
+      <p:grpSpPr>
+        <a:xfrm>
+          <a:off x="0" y="0"/>
+          <a:ext cx="0" cy="0"/>
+          <a:chOff x="0" y="0"/>
+          <a:chExt cx="0" cy="0"/>
+        </a:xfrm>
+      </p:grpSpPr>
+      <p:sp>
+        <p:nvSpPr>
+          <p:cNvPr id="2" name="Title 1">
+            <a:extLst>
+              <a:ext uri="{FF2B5EF4-FFF2-40B4-BE49-F238E27FC236}">
+                <a16:creationId xmlns:a16="http://schemas.microsoft.com/office/drawing/2014/main" id="{102EC03F-2ACE-4396-ACEB-93D6C37C1084}"/>
+              </a:ext>
+            </a:extLst>
+          </p:cNvPr>
+          <p:cNvSpPr>
+            <a:spLocks noGrp="1"/>
+          </p:cNvSpPr>
+          <p:nvPr>
+            <p:ph type="title"/>
+          </p:nvPr>
+        </p:nvSpPr>
+        <p:spPr/>
+        <p:txBody>
+          <a:bodyPr/>
+          <a:lstStyle/>
+          <a:p>
+            <a:r>
+              <a:rPr lang="en-US" dirty="0"/>
+              <a:t>Synthetic training data</a:t>
+            </a:r>
+          </a:p>
+        </p:txBody>
+      </p:sp>
+      <p:sp>
+        <p:nvSpPr>
+          <p:cNvPr id="3" name="Content Placeholder 2">
+            <a:extLst>
+              <a:ext uri="{FF2B5EF4-FFF2-40B4-BE49-F238E27FC236}">
+                <a16:creationId xmlns:a16="http://schemas.microsoft.com/office/drawing/2014/main" id="{33BC8C38-C270-4D3D-B4D1-400EA1FAA432}"/>
+              </a:ext>
+            </a:extLst>
+          </p:cNvPr>
+          <p:cNvSpPr>
+            <a:spLocks noGrp="1"/>
+          </p:cNvSpPr>
+          <p:nvPr>
+            <p:ph idx="1"/>
+          </p:nvPr>
+        </p:nvSpPr>
+        <p:spPr/>
+        <p:txBody>
+          <a:bodyPr/>
+          <a:lstStyle/>
+          <a:p>
+            <a:r>
+              <a:rPr lang="en-US" dirty="0"/>
+              <a:t>Can we denoise real-world data by training on “fake” data?</a:t>
+            </a:r>
+          </a:p>
+          <a:p>
+            <a:r>
+              <a:rPr lang="en-US" dirty="0"/>
+              <a:t>Yes, we can</a:t>
+            </a:r>
+          </a:p>
+        </p:txBody>
+      </p:sp>
+    </p:spTree>
+    <p:extLst>
+      <p:ext uri="{BB962C8B-B14F-4D97-AF65-F5344CB8AC3E}">
+        <p14:creationId xmlns:p14="http://schemas.microsoft.com/office/powerpoint/2010/main" val="2559332467"/>
+      </p:ext>
+    </p:extLst>
+  </p:cSld>
+  <p:clrMapOvr>
+    <a:masterClrMapping/>
+  </p:clrMapOvr>
+</p:sld>
+</file>
+
+<file path=ppt/slides/slide12.xml><?xml version="1.0" encoding="utf-8"?>
+<p:sld xmlns:a="http://schemas.openxmlformats.org/drawingml/2006/main" xmlns:r="http://schemas.openxmlformats.org/officeDocument/2006/relationships" xmlns:p="http://schemas.openxmlformats.org/presentationml/2006/main">
+  <p:cSld>
+    <p:spTree>
+      <p:nvGrpSpPr>
+        <p:cNvPr id="1" name=""/>
+        <p:cNvGrpSpPr/>
+        <p:nvPr/>
+      </p:nvGrpSpPr>
+      <p:grpSpPr>
+        <a:xfrm>
+          <a:off x="0" y="0"/>
+          <a:ext cx="0" cy="0"/>
+          <a:chOff x="0" y="0"/>
+          <a:chExt cx="0" cy="0"/>
+        </a:xfrm>
+      </p:grpSpPr>
+      <p:sp>
+        <p:nvSpPr>
+          <p:cNvPr id="2" name="Title 1">
+            <a:extLst>
+              <a:ext uri="{FF2B5EF4-FFF2-40B4-BE49-F238E27FC236}">
+                <a16:creationId xmlns:a16="http://schemas.microsoft.com/office/drawing/2014/main" id="{102EC03F-2ACE-4396-ACEB-93D6C37C1084}"/>
+              </a:ext>
+            </a:extLst>
+          </p:cNvPr>
+          <p:cNvSpPr>
+            <a:spLocks noGrp="1"/>
+          </p:cNvSpPr>
+          <p:nvPr>
+            <p:ph type="title"/>
+          </p:nvPr>
+        </p:nvSpPr>
+        <p:spPr/>
+        <p:txBody>
+          <a:bodyPr/>
+          <a:lstStyle/>
+          <a:p>
+            <a:r>
+              <a:rPr lang="en-US" dirty="0"/>
+              <a:t>Results</a:t>
+            </a:r>
+          </a:p>
+        </p:txBody>
+      </p:sp>
+      <p:pic>
+        <p:nvPicPr>
+          <p:cNvPr id="4" name="Picture 3">
+            <a:extLst>
+              <a:ext uri="{FF2B5EF4-FFF2-40B4-BE49-F238E27FC236}">
+                <a16:creationId xmlns:a16="http://schemas.microsoft.com/office/drawing/2014/main" id="{F6A08EB1-75EC-4504-A635-735448609346}"/>
+              </a:ext>
+            </a:extLst>
+          </p:cNvPr>
+          <p:cNvPicPr>
+            <a:picLocks noChangeAspect="1"/>
+          </p:cNvPicPr>
+          <p:nvPr/>
+        </p:nvPicPr>
+        <p:blipFill>
+          <a:blip r:embed="rId2"/>
+          <a:stretch>
+            <a:fillRect/>
+          </a:stretch>
+        </p:blipFill>
+        <p:spPr>
+          <a:xfrm>
+            <a:off x="557213" y="2222982"/>
+            <a:ext cx="10878992" cy="2810840"/>
+          </a:xfrm>
+          <a:prstGeom prst="rect">
+            <a:avLst/>
+          </a:prstGeom>
+        </p:spPr>
+      </p:pic>
+    </p:spTree>
+    <p:extLst>
+      <p:ext uri="{BB962C8B-B14F-4D97-AF65-F5344CB8AC3E}">
+        <p14:creationId xmlns:p14="http://schemas.microsoft.com/office/powerpoint/2010/main" val="4103800123"/>
+      </p:ext>
+    </p:extLst>
+  </p:cSld>
+  <p:clrMapOvr>
+    <a:masterClrMapping/>
+  </p:clrMapOvr>
+</p:sld>
+</file>
+
+<file path=ppt/slides/slide13.xml><?xml version="1.0" encoding="utf-8"?>
+<p:sld xmlns:a="http://schemas.openxmlformats.org/drawingml/2006/main" xmlns:r="http://schemas.openxmlformats.org/officeDocument/2006/relationships" xmlns:p="http://schemas.openxmlformats.org/presentationml/2006/main">
+  <p:cSld>
+    <p:spTree>
+      <p:nvGrpSpPr>
+        <p:cNvPr id="1" name=""/>
+        <p:cNvGrpSpPr/>
+        <p:nvPr/>
+      </p:nvGrpSpPr>
+      <p:grpSpPr>
+        <a:xfrm>
+          <a:off x="0" y="0"/>
+          <a:ext cx="0" cy="0"/>
+          <a:chOff x="0" y="0"/>
+          <a:chExt cx="0" cy="0"/>
+        </a:xfrm>
+      </p:grpSpPr>
+      <p:sp>
+        <p:nvSpPr>
+          <p:cNvPr id="2" name="Title 1">
+            <a:extLst>
+              <a:ext uri="{FF2B5EF4-FFF2-40B4-BE49-F238E27FC236}">
+                <a16:creationId xmlns:a16="http://schemas.microsoft.com/office/drawing/2014/main" id="{102EC03F-2ACE-4396-ACEB-93D6C37C1084}"/>
+              </a:ext>
+            </a:extLst>
+          </p:cNvPr>
+          <p:cNvSpPr>
+            <a:spLocks noGrp="1"/>
+          </p:cNvSpPr>
+          <p:nvPr>
+            <p:ph type="title"/>
+          </p:nvPr>
+        </p:nvSpPr>
+        <p:spPr/>
+        <p:txBody>
+          <a:bodyPr/>
+          <a:lstStyle/>
+          <a:p>
+            <a:r>
+              <a:rPr lang="en-US" dirty="0"/>
+              <a:t>Results</a:t>
+            </a:r>
+          </a:p>
+        </p:txBody>
+      </p:sp>
+      <p:pic>
+        <p:nvPicPr>
+          <p:cNvPr id="7" name="Picture 6">
+            <a:extLst>
+              <a:ext uri="{FF2B5EF4-FFF2-40B4-BE49-F238E27FC236}">
+                <a16:creationId xmlns:a16="http://schemas.microsoft.com/office/drawing/2014/main" id="{AA88E32C-39EB-4497-9E05-E7999A124A64}"/>
+              </a:ext>
+            </a:extLst>
+          </p:cNvPr>
+          <p:cNvPicPr>
+            <a:picLocks noChangeAspect="1"/>
+          </p:cNvPicPr>
+          <p:nvPr/>
+        </p:nvPicPr>
+        <p:blipFill>
+          <a:blip r:embed="rId2"/>
+          <a:stretch>
+            <a:fillRect/>
+          </a:stretch>
+        </p:blipFill>
+        <p:spPr>
+          <a:xfrm>
+            <a:off x="1456690" y="1690688"/>
+            <a:ext cx="8648700" cy="3943350"/>
+          </a:xfrm>
+          <a:prstGeom prst="rect">
+            <a:avLst/>
+          </a:prstGeom>
+        </p:spPr>
+      </p:pic>
+      <p:sp>
+        <p:nvSpPr>
+          <p:cNvPr id="8" name="Arrow: Right 7">
+            <a:extLst>
+              <a:ext uri="{FF2B5EF4-FFF2-40B4-BE49-F238E27FC236}">
+                <a16:creationId xmlns:a16="http://schemas.microsoft.com/office/drawing/2014/main" id="{A1C7971A-E8CD-4584-A2E7-9E5A0E4525FA}"/>
+              </a:ext>
+            </a:extLst>
+          </p:cNvPr>
+          <p:cNvSpPr/>
+          <p:nvPr/>
+        </p:nvSpPr>
+        <p:spPr>
+          <a:xfrm>
+            <a:off x="5110480" y="3139440"/>
+            <a:ext cx="1412240" cy="1066800"/>
+          </a:xfrm>
+          <a:prstGeom prst="rightArrow">
+            <a:avLst/>
+          </a:prstGeom>
+          <a:solidFill>
+            <a:schemeClr val="bg1"/>
+          </a:solidFill>
+          <a:ln>
+            <a:solidFill>
+              <a:schemeClr val="tx1"/>
+            </a:solidFill>
+          </a:ln>
+        </p:spPr>
+        <p:style>
+          <a:lnRef idx="2">
+            <a:schemeClr val="accent1">
+              <a:shade val="50000"/>
+            </a:schemeClr>
+          </a:lnRef>
+          <a:fillRef idx="1">
+            <a:schemeClr val="accent1"/>
+          </a:fillRef>
+          <a:effectRef idx="0">
+            <a:schemeClr val="accent1"/>
+          </a:effectRef>
+          <a:fontRef idx="minor">
+            <a:schemeClr val="lt1"/>
+          </a:fontRef>
+        </p:style>
+        <p:txBody>
+          <a:bodyPr rtlCol="0" anchor="ctr"/>
+          <a:lstStyle/>
+          <a:p>
+            <a:pPr algn="ctr"/>
+            <a:endParaRPr lang="en-US"/>
+          </a:p>
+        </p:txBody>
+      </p:sp>
+    </p:spTree>
+    <p:extLst>
+      <p:ext uri="{BB962C8B-B14F-4D97-AF65-F5344CB8AC3E}">
+        <p14:creationId xmlns:p14="http://schemas.microsoft.com/office/powerpoint/2010/main" val="789849121"/>
+      </p:ext>
+    </p:extLst>
+  </p:cSld>
+  <p:clrMapOvr>
+    <a:masterClrMapping/>
+  </p:clrMapOvr>
+</p:sld>
+</file>
+
+<file path=ppt/slides/slide14.xml><?xml version="1.0" encoding="utf-8"?>
+<p:sld xmlns:a="http://schemas.openxmlformats.org/drawingml/2006/main" xmlns:r="http://schemas.openxmlformats.org/officeDocument/2006/relationships" xmlns:p="http://schemas.openxmlformats.org/presentationml/2006/main">
+  <p:cSld>
+    <p:spTree>
+      <p:nvGrpSpPr>
+        <p:cNvPr id="1" name=""/>
+        <p:cNvGrpSpPr/>
+        <p:nvPr/>
+      </p:nvGrpSpPr>
+      <p:grpSpPr>
+        <a:xfrm>
+          <a:off x="0" y="0"/>
+          <a:ext cx="0" cy="0"/>
+          <a:chOff x="0" y="0"/>
+          <a:chExt cx="0" cy="0"/>
+        </a:xfrm>
+      </p:grpSpPr>
+      <p:sp>
+        <p:nvSpPr>
+          <p:cNvPr id="2" name="Title 1">
+            <a:extLst>
+              <a:ext uri="{FF2B5EF4-FFF2-40B4-BE49-F238E27FC236}">
+                <a16:creationId xmlns:a16="http://schemas.microsoft.com/office/drawing/2014/main" id="{102EC03F-2ACE-4396-ACEB-93D6C37C1084}"/>
+              </a:ext>
+            </a:extLst>
+          </p:cNvPr>
+          <p:cNvSpPr>
+            <a:spLocks noGrp="1"/>
+          </p:cNvSpPr>
+          <p:nvPr>
+            <p:ph type="title"/>
+          </p:nvPr>
+        </p:nvSpPr>
+        <p:spPr/>
+        <p:txBody>
+          <a:bodyPr/>
+          <a:lstStyle/>
+          <a:p>
+            <a:r>
+              <a:rPr lang="en-US" dirty="0"/>
+              <a:t>Results</a:t>
+            </a:r>
+          </a:p>
+        </p:txBody>
+      </p:sp>
+      <p:pic>
+        <p:nvPicPr>
+          <p:cNvPr id="4" name="Picture 3">
+            <a:extLst>
+              <a:ext uri="{FF2B5EF4-FFF2-40B4-BE49-F238E27FC236}">
+                <a16:creationId xmlns:a16="http://schemas.microsoft.com/office/drawing/2014/main" id="{3AA691D8-52E9-4718-9256-168E13F1062A}"/>
+              </a:ext>
+            </a:extLst>
+          </p:cNvPr>
+          <p:cNvPicPr>
+            <a:picLocks noChangeAspect="1"/>
+          </p:cNvPicPr>
+          <p:nvPr/>
+        </p:nvPicPr>
+        <p:blipFill>
+          <a:blip r:embed="rId2"/>
+          <a:stretch>
+            <a:fillRect/>
+          </a:stretch>
+        </p:blipFill>
+        <p:spPr>
+          <a:xfrm>
+            <a:off x="648679" y="1690688"/>
+            <a:ext cx="4581525" cy="4248150"/>
+          </a:xfrm>
+          <a:prstGeom prst="rect">
+            <a:avLst/>
+          </a:prstGeom>
+        </p:spPr>
+      </p:pic>
+      <p:pic>
+        <p:nvPicPr>
+          <p:cNvPr id="5" name="Picture 4">
+            <a:extLst>
+              <a:ext uri="{FF2B5EF4-FFF2-40B4-BE49-F238E27FC236}">
+                <a16:creationId xmlns:a16="http://schemas.microsoft.com/office/drawing/2014/main" id="{89369DB2-063D-49A8-B97C-084BCABFB012}"/>
+              </a:ext>
+            </a:extLst>
+          </p:cNvPr>
+          <p:cNvPicPr>
+            <a:picLocks noChangeAspect="1"/>
+          </p:cNvPicPr>
+          <p:nvPr/>
+        </p:nvPicPr>
+        <p:blipFill>
+          <a:blip r:embed="rId3"/>
+          <a:stretch>
+            <a:fillRect/>
+          </a:stretch>
+        </p:blipFill>
+        <p:spPr>
+          <a:xfrm>
+            <a:off x="6448425" y="1690688"/>
+            <a:ext cx="4905375" cy="4229100"/>
+          </a:xfrm>
+          <a:prstGeom prst="rect">
+            <a:avLst/>
+          </a:prstGeom>
+        </p:spPr>
+      </p:pic>
+      <p:sp>
+        <p:nvSpPr>
+          <p:cNvPr id="9" name="Arrow: Right 8">
+            <a:extLst>
+              <a:ext uri="{FF2B5EF4-FFF2-40B4-BE49-F238E27FC236}">
+                <a16:creationId xmlns:a16="http://schemas.microsoft.com/office/drawing/2014/main" id="{84BBC869-3575-4289-ADE9-8B0960FD2507}"/>
+              </a:ext>
+            </a:extLst>
+          </p:cNvPr>
+          <p:cNvSpPr/>
+          <p:nvPr/>
+        </p:nvSpPr>
+        <p:spPr>
+          <a:xfrm>
+            <a:off x="5449742" y="3164492"/>
+            <a:ext cx="779144" cy="1066800"/>
+          </a:xfrm>
+          <a:prstGeom prst="rightArrow">
+            <a:avLst/>
+          </a:prstGeom>
+          <a:solidFill>
+            <a:schemeClr val="bg1"/>
+          </a:solidFill>
+          <a:ln>
+            <a:solidFill>
+              <a:schemeClr val="tx1"/>
+            </a:solidFill>
+          </a:ln>
+        </p:spPr>
+        <p:style>
+          <a:lnRef idx="2">
+            <a:schemeClr val="accent1">
+              <a:shade val="50000"/>
+            </a:schemeClr>
+          </a:lnRef>
+          <a:fillRef idx="1">
+            <a:schemeClr val="accent1"/>
+          </a:fillRef>
+          <a:effectRef idx="0">
+            <a:schemeClr val="accent1"/>
+          </a:effectRef>
+          <a:fontRef idx="minor">
+            <a:schemeClr val="lt1"/>
+          </a:fontRef>
+        </p:style>
+        <p:txBody>
+          <a:bodyPr rtlCol="0" anchor="ctr"/>
+          <a:lstStyle/>
+          <a:p>
+            <a:pPr algn="ctr"/>
+            <a:endParaRPr lang="en-US"/>
+          </a:p>
+        </p:txBody>
+      </p:sp>
+    </p:spTree>
+    <p:extLst>
+      <p:ext uri="{BB962C8B-B14F-4D97-AF65-F5344CB8AC3E}">
+        <p14:creationId xmlns:p14="http://schemas.microsoft.com/office/powerpoint/2010/main" val="2111355881"/>
+      </p:ext>
+    </p:extLst>
+  </p:cSld>
+  <p:clrMapOvr>
+    <a:masterClrMapping/>
+  </p:clrMapOvr>
+</p:sld>
+</file>
+
+<file path=ppt/slides/slide15.xml><?xml version="1.0" encoding="utf-8"?>
+<p:sld xmlns:a="http://schemas.openxmlformats.org/drawingml/2006/main" xmlns:r="http://schemas.openxmlformats.org/officeDocument/2006/relationships" xmlns:p="http://schemas.openxmlformats.org/presentationml/2006/main">
+  <p:cSld>
+    <p:spTree>
+      <p:nvGrpSpPr>
+        <p:cNvPr id="1" name=""/>
+        <p:cNvGrpSpPr/>
+        <p:nvPr/>
+      </p:nvGrpSpPr>
+      <p:grpSpPr>
+        <a:xfrm>
+          <a:off x="0" y="0"/>
+          <a:ext cx="0" cy="0"/>
+          <a:chOff x="0" y="0"/>
+          <a:chExt cx="0" cy="0"/>
+        </a:xfrm>
+      </p:grpSpPr>
+      <p:sp>
+        <p:nvSpPr>
+          <p:cNvPr id="2" name="Title 1">
+            <a:extLst>
+              <a:ext uri="{FF2B5EF4-FFF2-40B4-BE49-F238E27FC236}">
+                <a16:creationId xmlns:a16="http://schemas.microsoft.com/office/drawing/2014/main" id="{9763EF74-801E-4CE5-B33A-29C60F9A0EA6}"/>
+              </a:ext>
+            </a:extLst>
+          </p:cNvPr>
+          <p:cNvSpPr>
+            <a:spLocks noGrp="1"/>
+          </p:cNvSpPr>
+          <p:nvPr>
+            <p:ph type="title"/>
+          </p:nvPr>
+        </p:nvSpPr>
+        <p:spPr/>
+        <p:txBody>
+          <a:bodyPr/>
+          <a:lstStyle/>
+          <a:p>
+            <a:r>
+              <a:rPr lang="en-US" dirty="0"/>
+              <a:t>Papers </a:t>
+            </a:r>
+            <a:r>
+              <a:rPr lang="en-US" dirty="0" err="1"/>
+              <a:t>contributinos</a:t>
+            </a:r>
+            <a:endParaRPr lang="en-US" dirty="0"/>
+          </a:p>
+        </p:txBody>
+      </p:sp>
+      <p:sp>
+        <p:nvSpPr>
+          <p:cNvPr id="3" name="Content Placeholder 2">
+            <a:extLst>
+              <a:ext uri="{FF2B5EF4-FFF2-40B4-BE49-F238E27FC236}">
+                <a16:creationId xmlns:a16="http://schemas.microsoft.com/office/drawing/2014/main" id="{F38657E3-97FA-4C35-A42E-C88D59B94F8A}"/>
+              </a:ext>
+            </a:extLst>
+          </p:cNvPr>
+          <p:cNvSpPr>
+            <a:spLocks noGrp="1"/>
+          </p:cNvSpPr>
+          <p:nvPr>
+            <p:ph idx="1"/>
+          </p:nvPr>
+        </p:nvSpPr>
+        <p:spPr/>
+        <p:txBody>
+          <a:bodyPr/>
+          <a:lstStyle/>
+          <a:p>
+            <a:r>
+              <a:rPr lang="en-US" dirty="0" err="1"/>
+              <a:t>Outperfrom</a:t>
+            </a:r>
+            <a:r>
+              <a:rPr lang="en-US" dirty="0"/>
+              <a:t> state of the art </a:t>
+            </a:r>
+            <a:r>
+              <a:rPr lang="en-US" dirty="0" err="1"/>
+              <a:t>algos</a:t>
+            </a:r>
+            <a:r>
+              <a:rPr lang="en-US" dirty="0"/>
+              <a:t>.</a:t>
+            </a:r>
+          </a:p>
+          <a:p>
+            <a:r>
+              <a:rPr lang="en-US" dirty="0"/>
+              <a:t>Pipeline which creates synthetic data for training. </a:t>
+            </a:r>
+          </a:p>
+        </p:txBody>
+      </p:sp>
+    </p:spTree>
+    <p:extLst>
+      <p:ext uri="{BB962C8B-B14F-4D97-AF65-F5344CB8AC3E}">
+        <p14:creationId xmlns:p14="http://schemas.microsoft.com/office/powerpoint/2010/main" val="2019864432"/>
+      </p:ext>
+    </p:extLst>
+  </p:cSld>
+  <p:clrMapOvr>
+    <a:masterClrMapping/>
+  </p:clrMapOvr>
+</p:sld>
+</file>
+
 <file path=ppt/slides/slide2.xml><?xml version="1.0" encoding="utf-8"?>
 <p:sld xmlns:a="http://schemas.openxmlformats.org/drawingml/2006/main" xmlns:r="http://schemas.openxmlformats.org/officeDocument/2006/relationships" xmlns:p="http://schemas.openxmlformats.org/presentationml/2006/main">
   <p:cSld>
@@ -4072,7 +4837,7 @@
           <a:p>
             <a:r>
               <a:rPr lang="en-US" dirty="0"/>
-              <a:t>This loss finds a local minima which is not “good enough”, </a:t>
+              <a:t>This loss finds a local minima which is not “good enough”. </a:t>
             </a:r>
           </a:p>
         </p:txBody>
@@ -4142,7 +4907,7 @@
           <p:cNvPr id="5" name="Picture 4">
             <a:extLst>
               <a:ext uri="{FF2B5EF4-FFF2-40B4-BE49-F238E27FC236}">
-                <a16:creationId xmlns:a16="http://schemas.microsoft.com/office/drawing/2014/main" id="{66C4A548-D93E-4500-BE65-FC83BD8927D8}"/>
+                <a16:creationId xmlns:a16="http://schemas.microsoft.com/office/drawing/2014/main" id="{B89F97E9-0DA8-41E0-B7F7-83695175E942}"/>
               </a:ext>
             </a:extLst>
           </p:cNvPr>
@@ -4159,8 +4924,8 @@
         </p:blipFill>
         <p:spPr>
           <a:xfrm>
-            <a:off x="2391949" y="1334887"/>
-            <a:ext cx="8961851" cy="5157988"/>
+            <a:off x="1280160" y="2872817"/>
+            <a:ext cx="9679578" cy="1384563"/>
           </a:xfrm>
           <a:prstGeom prst="rect">
             <a:avLst/>
@@ -4169,6 +4934,69 @@
       </p:pic>
       <p:sp>
         <p:nvSpPr>
+          <p:cNvPr id="3" name="Content Placeholder 2">
+            <a:extLst>
+              <a:ext uri="{FF2B5EF4-FFF2-40B4-BE49-F238E27FC236}">
+                <a16:creationId xmlns:a16="http://schemas.microsoft.com/office/drawing/2014/main" id="{6D781224-2C97-4A97-8E4B-727EEAEE10DF}"/>
+              </a:ext>
+            </a:extLst>
+          </p:cNvPr>
+          <p:cNvSpPr>
+            <a:spLocks noGrp="1"/>
+          </p:cNvSpPr>
+          <p:nvPr>
+            <p:ph idx="1"/>
+          </p:nvPr>
+        </p:nvSpPr>
+        <p:spPr>
+          <a:xfrm>
+            <a:off x="838200" y="1825625"/>
+            <a:ext cx="10515600" cy="4351338"/>
+          </a:xfrm>
+        </p:spPr>
+        <p:txBody>
+          <a:bodyPr/>
+          <a:lstStyle/>
+          <a:p>
+            <a:r>
+              <a:rPr lang="en-US" dirty="0"/>
+              <a:t>As we know, “learning” is basically finding “good enough” local minima of a loss function. </a:t>
+            </a:r>
+          </a:p>
+          <a:p>
+            <a:r>
+              <a:rPr lang="en-US" dirty="0"/>
+              <a:t>Basic loss function: </a:t>
+            </a:r>
+          </a:p>
+          <a:p>
+            <a:endParaRPr lang="en-US" dirty="0"/>
+          </a:p>
+          <a:p>
+            <a:endParaRPr lang="en-US" dirty="0"/>
+          </a:p>
+          <a:p>
+            <a:r>
+              <a:rPr lang="en-US" dirty="0"/>
+              <a:t>Weighted average of: L2 dist. of images, L1 dist. of gradients.</a:t>
+            </a:r>
+          </a:p>
+          <a:p>
+            <a:r>
+              <a:rPr lang="en-US" dirty="0"/>
+              <a:t>Г – transformation of  RGB values to prevent exploding gradient.</a:t>
+            </a:r>
+          </a:p>
+          <a:p>
+            <a:r>
+              <a:rPr lang="en-US" dirty="0"/>
+              <a:t>This loss finds a local minima which is not “good enough”. </a:t>
+            </a:r>
+          </a:p>
+        </p:txBody>
+      </p:sp>
+      <p:sp>
+        <p:nvSpPr>
           <p:cNvPr id="2" name="Title 1">
             <a:extLst>
               <a:ext uri="{FF2B5EF4-FFF2-40B4-BE49-F238E27FC236}">
@@ -4194,107 +5022,16 @@
           <a:lstStyle/>
           <a:p>
             <a:r>
-              <a:rPr lang="en-US" b="1" dirty="0"/>
-              <a:t>Annealed loss term</a:t>
-            </a:r>
-            <a:r>
-              <a:rPr lang="en-US" dirty="0"/>
-              <a:t> </a:t>
-            </a:r>
-          </a:p>
-        </p:txBody>
-      </p:sp>
-      <p:sp>
-        <p:nvSpPr>
-          <p:cNvPr id="3" name="Content Placeholder 2">
-            <a:extLst>
-              <a:ext uri="{FF2B5EF4-FFF2-40B4-BE49-F238E27FC236}">
-                <a16:creationId xmlns:a16="http://schemas.microsoft.com/office/drawing/2014/main" id="{6D781224-2C97-4A97-8E4B-727EEAEE10DF}"/>
-              </a:ext>
-            </a:extLst>
-          </p:cNvPr>
-          <p:cNvSpPr>
-            <a:spLocks noGrp="1"/>
-          </p:cNvSpPr>
-          <p:nvPr>
-            <p:ph idx="1"/>
-          </p:nvPr>
-        </p:nvSpPr>
-        <p:spPr>
-          <a:xfrm>
-            <a:off x="838200" y="1825625"/>
-            <a:ext cx="10515600" cy="4351338"/>
-          </a:xfrm>
-        </p:spPr>
-        <p:txBody>
-          <a:bodyPr/>
-          <a:lstStyle/>
-          <a:p>
-            <a:r>
-              <a:rPr lang="en-US" dirty="0"/>
-              <a:t>As in basic loos function we want to </a:t>
-            </a:r>
-          </a:p>
-          <a:p>
-            <a:pPr marL="0" indent="0">
-              <a:buNone/>
-            </a:pPr>
-            <a:r>
-              <a:rPr lang="en-US" dirty="0"/>
-              <a:t>	minimize the distance between final </a:t>
-            </a:r>
-          </a:p>
-          <a:p>
-            <a:pPr marL="0" indent="0">
-              <a:buNone/>
-            </a:pPr>
-            <a:r>
-              <a:rPr lang="en-US" dirty="0"/>
-              <a:t>	result and ground truth.</a:t>
-            </a:r>
-          </a:p>
-          <a:p>
-            <a:r>
-              <a:rPr lang="en-US" dirty="0"/>
-              <a:t>Also we want to minimize the dist. between</a:t>
-            </a:r>
-          </a:p>
-          <a:p>
-            <a:pPr marL="0" indent="0">
-              <a:buNone/>
-            </a:pPr>
-            <a:r>
-              <a:rPr lang="en-US" dirty="0"/>
-              <a:t>	each frame before averaging</a:t>
-            </a:r>
-          </a:p>
-          <a:p>
-            <a:pPr marL="0" indent="0">
-              <a:buNone/>
-            </a:pPr>
-            <a:r>
-              <a:rPr lang="en-US" dirty="0"/>
-              <a:t>	and ground truth.  </a:t>
-            </a:r>
-          </a:p>
-          <a:p>
-            <a:pPr marL="0" indent="0">
-              <a:buNone/>
-            </a:pPr>
-            <a:endParaRPr lang="en-US" dirty="0"/>
-          </a:p>
-          <a:p>
-            <a:pPr marL="0" indent="0">
-              <a:buNone/>
-            </a:pPr>
-            <a:endParaRPr lang="en-US" dirty="0"/>
+              <a:rPr lang="en-US" dirty="0"/>
+              <a:t>How it learns?</a:t>
+            </a:r>
           </a:p>
         </p:txBody>
       </p:sp>
     </p:spTree>
     <p:extLst>
       <p:ext uri="{BB962C8B-B14F-4D97-AF65-F5344CB8AC3E}">
-        <p14:creationId xmlns:p14="http://schemas.microsoft.com/office/powerpoint/2010/main" val="3143412228"/>
+        <p14:creationId xmlns:p14="http://schemas.microsoft.com/office/powerpoint/2010/main" val="574047570"/>
       </p:ext>
     </p:extLst>
   </p:cSld>
@@ -4321,12 +5058,42 @@
           <a:chExt cx="0" cy="0"/>
         </a:xfrm>
       </p:grpSpPr>
+      <p:pic>
+        <p:nvPicPr>
+          <p:cNvPr id="5" name="Picture 4">
+            <a:extLst>
+              <a:ext uri="{FF2B5EF4-FFF2-40B4-BE49-F238E27FC236}">
+                <a16:creationId xmlns:a16="http://schemas.microsoft.com/office/drawing/2014/main" id="{66C4A548-D93E-4500-BE65-FC83BD8927D8}"/>
+              </a:ext>
+            </a:extLst>
+          </p:cNvPr>
+          <p:cNvPicPr>
+            <a:picLocks noChangeAspect="1"/>
+          </p:cNvPicPr>
+          <p:nvPr/>
+        </p:nvPicPr>
+        <p:blipFill>
+          <a:blip r:embed="rId2"/>
+          <a:stretch>
+            <a:fillRect/>
+          </a:stretch>
+        </p:blipFill>
+        <p:spPr>
+          <a:xfrm>
+            <a:off x="2391949" y="1334887"/>
+            <a:ext cx="8961851" cy="5157988"/>
+          </a:xfrm>
+          <a:prstGeom prst="rect">
+            <a:avLst/>
+          </a:prstGeom>
+        </p:spPr>
+      </p:pic>
       <p:sp>
         <p:nvSpPr>
           <p:cNvPr id="2" name="Title 1">
             <a:extLst>
               <a:ext uri="{FF2B5EF4-FFF2-40B4-BE49-F238E27FC236}">
-                <a16:creationId xmlns:a16="http://schemas.microsoft.com/office/drawing/2014/main" id="{9763EF74-801E-4CE5-B33A-29C60F9A0EA6}"/>
+                <a16:creationId xmlns:a16="http://schemas.microsoft.com/office/drawing/2014/main" id="{27CD5962-8F1A-4577-9E6B-82C5C3D59EEF}"/>
               </a:ext>
             </a:extLst>
           </p:cNvPr>
@@ -4337,73 +5104,250 @@
             <p:ph type="title"/>
           </p:nvPr>
         </p:nvSpPr>
-        <p:spPr/>
-        <p:txBody>
-          <a:bodyPr/>
-          <a:lstStyle/>
-          <a:p>
-            <a:r>
-              <a:rPr lang="en-US" dirty="0"/>
-              <a:t>Papers </a:t>
-            </a:r>
-            <a:r>
-              <a:rPr lang="en-US" dirty="0" err="1"/>
-              <a:t>contributinos</a:t>
-            </a:r>
+        <p:spPr>
+          <a:xfrm>
+            <a:off x="838200" y="365125"/>
+            <a:ext cx="10515600" cy="1325563"/>
+          </a:xfrm>
+        </p:spPr>
+        <p:txBody>
+          <a:bodyPr/>
+          <a:lstStyle/>
+          <a:p>
+            <a:r>
+              <a:rPr lang="en-US" b="1" dirty="0"/>
+              <a:t>Annealed loss term</a:t>
+            </a:r>
+            <a:r>
+              <a:rPr lang="en-US" dirty="0"/>
+              <a:t> </a:t>
+            </a:r>
+          </a:p>
+        </p:txBody>
+      </p:sp>
+      <p:sp>
+        <p:nvSpPr>
+          <p:cNvPr id="3" name="Content Placeholder 2">
+            <a:extLst>
+              <a:ext uri="{FF2B5EF4-FFF2-40B4-BE49-F238E27FC236}">
+                <a16:creationId xmlns:a16="http://schemas.microsoft.com/office/drawing/2014/main" id="{6D781224-2C97-4A97-8E4B-727EEAEE10DF}"/>
+              </a:ext>
+            </a:extLst>
+          </p:cNvPr>
+          <p:cNvSpPr>
+            <a:spLocks noGrp="1"/>
+          </p:cNvSpPr>
+          <p:nvPr>
+            <p:ph idx="1"/>
+          </p:nvPr>
+        </p:nvSpPr>
+        <p:spPr>
+          <a:xfrm>
+            <a:off x="838200" y="1825625"/>
+            <a:ext cx="10515600" cy="4351338"/>
+          </a:xfrm>
+        </p:spPr>
+        <p:txBody>
+          <a:bodyPr/>
+          <a:lstStyle/>
+          <a:p>
+            <a:r>
+              <a:rPr lang="en-US" dirty="0"/>
+              <a:t>As in basic loos function we want to </a:t>
+            </a:r>
+          </a:p>
+          <a:p>
+            <a:pPr marL="0" indent="0">
+              <a:buNone/>
+            </a:pPr>
+            <a:r>
+              <a:rPr lang="en-US" dirty="0"/>
+              <a:t>	minimize the distance between final </a:t>
+            </a:r>
+          </a:p>
+          <a:p>
+            <a:pPr marL="0" indent="0">
+              <a:buNone/>
+            </a:pPr>
+            <a:r>
+              <a:rPr lang="en-US" dirty="0"/>
+              <a:t>	result and ground truth.</a:t>
+            </a:r>
+          </a:p>
+          <a:p>
+            <a:r>
+              <a:rPr lang="en-US" dirty="0"/>
+              <a:t>Also we want to minimize the dist. between</a:t>
+            </a:r>
+          </a:p>
+          <a:p>
+            <a:pPr marL="0" indent="0">
+              <a:buNone/>
+            </a:pPr>
+            <a:r>
+              <a:rPr lang="en-US" dirty="0"/>
+              <a:t>	each frame before averaging</a:t>
+            </a:r>
+          </a:p>
+          <a:p>
+            <a:pPr marL="0" indent="0">
+              <a:buNone/>
+            </a:pPr>
+            <a:r>
+              <a:rPr lang="en-US" dirty="0"/>
+              <a:t>	and ground truth.  </a:t>
+            </a:r>
+          </a:p>
+          <a:p>
+            <a:pPr marL="0" indent="0">
+              <a:buNone/>
+            </a:pPr>
             <a:endParaRPr lang="en-US" dirty="0"/>
           </a:p>
-        </p:txBody>
-      </p:sp>
-      <p:sp>
-        <p:nvSpPr>
-          <p:cNvPr id="3" name="Content Placeholder 2">
-            <a:extLst>
-              <a:ext uri="{FF2B5EF4-FFF2-40B4-BE49-F238E27FC236}">
-                <a16:creationId xmlns:a16="http://schemas.microsoft.com/office/drawing/2014/main" id="{F38657E3-97FA-4C35-A42E-C88D59B94F8A}"/>
-              </a:ext>
-            </a:extLst>
-          </p:cNvPr>
-          <p:cNvSpPr>
-            <a:spLocks noGrp="1"/>
-          </p:cNvSpPr>
-          <p:nvPr>
-            <p:ph idx="1"/>
-          </p:nvPr>
-        </p:nvSpPr>
-        <p:spPr/>
-        <p:txBody>
-          <a:bodyPr/>
-          <a:lstStyle/>
-          <a:p>
-            <a:r>
-              <a:rPr lang="en-US" dirty="0" err="1"/>
-              <a:t>Outperfrom</a:t>
-            </a:r>
-            <a:r>
-              <a:rPr lang="en-US" dirty="0"/>
-              <a:t> state of the art </a:t>
-            </a:r>
-            <a:r>
-              <a:rPr lang="en-US" dirty="0" err="1"/>
-              <a:t>algos</a:t>
-            </a:r>
-            <a:r>
-              <a:rPr lang="en-US" dirty="0"/>
-              <a:t>.</a:t>
-            </a:r>
-          </a:p>
-          <a:p>
-            <a:r>
-              <a:rPr lang="en-US" dirty="0"/>
-              <a:t>Pipeline which creates synthetic data for training. </a:t>
-            </a:r>
+          <a:p>
+            <a:pPr marL="0" indent="0">
+              <a:buNone/>
+            </a:pPr>
+            <a:endParaRPr lang="en-US" dirty="0"/>
           </a:p>
         </p:txBody>
       </p:sp>
     </p:spTree>
     <p:extLst>
       <p:ext uri="{BB962C8B-B14F-4D97-AF65-F5344CB8AC3E}">
-        <p14:creationId xmlns:p14="http://schemas.microsoft.com/office/powerpoint/2010/main" val="2019864432"/>
+        <p14:creationId xmlns:p14="http://schemas.microsoft.com/office/powerpoint/2010/main" val="3143412228"/>
+      </p:ext>
+    </p:extLst>
+  </p:cSld>
+  <p:clrMapOvr>
+    <a:masterClrMapping/>
+  </p:clrMapOvr>
+</p:sld>
+</file>
+
+<file path=ppt/slides/slide9.xml><?xml version="1.0" encoding="utf-8"?>
+<p:sld xmlns:a="http://schemas.openxmlformats.org/drawingml/2006/main" xmlns:r="http://schemas.openxmlformats.org/officeDocument/2006/relationships" xmlns:p="http://schemas.openxmlformats.org/presentationml/2006/main">
+  <p:cSld>
+    <p:spTree>
+      <p:nvGrpSpPr>
+        <p:cNvPr id="1" name=""/>
+        <p:cNvGrpSpPr/>
+        <p:nvPr/>
+      </p:nvGrpSpPr>
+      <p:grpSpPr>
+        <a:xfrm>
+          <a:off x="0" y="0"/>
+          <a:ext cx="0" cy="0"/>
+          <a:chOff x="0" y="0"/>
+          <a:chExt cx="0" cy="0"/>
+        </a:xfrm>
+      </p:grpSpPr>
+      <p:sp>
+        <p:nvSpPr>
+          <p:cNvPr id="2" name="Title 1">
+            <a:extLst>
+              <a:ext uri="{FF2B5EF4-FFF2-40B4-BE49-F238E27FC236}">
+                <a16:creationId xmlns:a16="http://schemas.microsoft.com/office/drawing/2014/main" id="{E46A37ED-7300-4D12-87FA-6BDAF4F26C03}"/>
+              </a:ext>
+            </a:extLst>
+          </p:cNvPr>
+          <p:cNvSpPr>
+            <a:spLocks noGrp="1"/>
+          </p:cNvSpPr>
+          <p:nvPr>
+            <p:ph type="title"/>
+          </p:nvPr>
+        </p:nvSpPr>
+        <p:spPr/>
+        <p:txBody>
+          <a:bodyPr/>
+          <a:lstStyle/>
+          <a:p>
+            <a:r>
+              <a:rPr lang="en-US" dirty="0"/>
+              <a:t>Synthetic training data</a:t>
+            </a:r>
+          </a:p>
+        </p:txBody>
+      </p:sp>
+      <p:sp>
+        <p:nvSpPr>
+          <p:cNvPr id="3" name="Content Placeholder 2">
+            <a:extLst>
+              <a:ext uri="{FF2B5EF4-FFF2-40B4-BE49-F238E27FC236}">
+                <a16:creationId xmlns:a16="http://schemas.microsoft.com/office/drawing/2014/main" id="{FBC670EB-095C-48AB-8D06-861705E0D262}"/>
+              </a:ext>
+            </a:extLst>
+          </p:cNvPr>
+          <p:cNvSpPr>
+            <a:spLocks noGrp="1"/>
+          </p:cNvSpPr>
+          <p:nvPr>
+            <p:ph idx="1"/>
+          </p:nvPr>
+        </p:nvSpPr>
+        <p:spPr/>
+        <p:txBody>
+          <a:bodyPr/>
+          <a:lstStyle/>
+          <a:p>
+            <a:r>
+              <a:rPr lang="en-US" dirty="0"/>
+              <a:t>Gathering ground truth data for image restoration tasks</a:t>
+            </a:r>
+            <a:br>
+              <a:rPr lang="en-US" dirty="0"/>
+            </a:br>
+            <a:r>
+              <a:rPr lang="en-US" dirty="0"/>
+              <a:t>is challenging. </a:t>
+            </a:r>
+          </a:p>
+          <a:p>
+            <a:r>
+              <a:rPr lang="en-US" dirty="0"/>
+              <a:t>Burst denoising adds an additional complication. </a:t>
+            </a:r>
+          </a:p>
+          <a:p>
+            <a:r>
+              <a:rPr lang="en-US" dirty="0"/>
+              <a:t>Because deep neural networks require millions of</a:t>
+            </a:r>
+            <a:br>
+              <a:rPr lang="en-US" dirty="0"/>
+            </a:br>
+            <a:r>
+              <a:rPr lang="en-US" dirty="0"/>
+              <a:t>image patches during training, it is impractical to use real</a:t>
+            </a:r>
+            <a:br>
+              <a:rPr lang="en-US" dirty="0"/>
+            </a:br>
+            <a:r>
+              <a:rPr lang="en-US" dirty="0"/>
+              <a:t>pairs of noisy and noise-free ground truth bursts.</a:t>
+            </a:r>
+          </a:p>
+          <a:p>
+            <a:r>
+              <a:rPr lang="en-US" dirty="0"/>
+              <a:t>Let’s fake it! </a:t>
+            </a:r>
+            <a:br>
+              <a:rPr lang="en-US" dirty="0"/>
+            </a:br>
+            <a:br>
+              <a:rPr lang="en-US" dirty="0"/>
+            </a:br>
+            <a:endParaRPr lang="en-US" dirty="0"/>
+          </a:p>
+        </p:txBody>
+      </p:sp>
+    </p:spTree>
+    <p:extLst>
+      <p:ext uri="{BB962C8B-B14F-4D97-AF65-F5344CB8AC3E}">
+        <p14:creationId xmlns:p14="http://schemas.microsoft.com/office/powerpoint/2010/main" val="1450111426"/>
       </p:ext>
     </p:extLst>
   </p:cSld>

--- a/Burst Denoising with Kernel Prediction Networks.pptx
+++ b/Burst Denoising with Kernel Prediction Networks.pptx
@@ -2,24 +2,34 @@
 <file path=ppt/presentation.xml><?xml version="1.0" encoding="utf-8"?>
 <p:presentation xmlns:a="http://schemas.openxmlformats.org/drawingml/2006/main" xmlns:r="http://schemas.openxmlformats.org/officeDocument/2006/relationships" xmlns:p="http://schemas.openxmlformats.org/presentationml/2006/main" saveSubsetFonts="1">
   <p:sldMasterIdLst>
-    <p:sldMasterId id="2147483648" r:id="rId1"/>
+    <p:sldMasterId id="2147483678" r:id="rId1"/>
   </p:sldMasterIdLst>
+  <p:notesMasterIdLst>
+    <p:notesMasterId r:id="rId24"/>
+  </p:notesMasterIdLst>
   <p:sldIdLst>
     <p:sldId id="256" r:id="rId2"/>
     <p:sldId id="257" r:id="rId3"/>
     <p:sldId id="258" r:id="rId4"/>
     <p:sldId id="262" r:id="rId5"/>
     <p:sldId id="259" r:id="rId6"/>
-    <p:sldId id="260" r:id="rId7"/>
-    <p:sldId id="264" r:id="rId8"/>
-    <p:sldId id="263" r:id="rId9"/>
-    <p:sldId id="265" r:id="rId10"/>
-    <p:sldId id="267" r:id="rId11"/>
-    <p:sldId id="268" r:id="rId12"/>
-    <p:sldId id="269" r:id="rId13"/>
-    <p:sldId id="270" r:id="rId14"/>
-    <p:sldId id="271" r:id="rId15"/>
-    <p:sldId id="261" r:id="rId16"/>
+    <p:sldId id="274" r:id="rId7"/>
+    <p:sldId id="275" r:id="rId8"/>
+    <p:sldId id="276" r:id="rId9"/>
+    <p:sldId id="277" r:id="rId10"/>
+    <p:sldId id="278" r:id="rId11"/>
+    <p:sldId id="279" r:id="rId12"/>
+    <p:sldId id="260" r:id="rId13"/>
+    <p:sldId id="264" r:id="rId14"/>
+    <p:sldId id="263" r:id="rId15"/>
+    <p:sldId id="265" r:id="rId16"/>
+    <p:sldId id="273" r:id="rId17"/>
+    <p:sldId id="272" r:id="rId18"/>
+    <p:sldId id="267" r:id="rId19"/>
+    <p:sldId id="269" r:id="rId20"/>
+    <p:sldId id="271" r:id="rId21"/>
+    <p:sldId id="270" r:id="rId22"/>
+    <p:sldId id="261" r:id="rId23"/>
   </p:sldIdLst>
   <p:sldSz cx="12192000" cy="6858000"/>
   <p:notesSz cx="6858000" cy="9144000"/>
@@ -126,6 +136,2337 @@
 </p:presentation>
 </file>
 
+<file path=ppt/notesMasters/notesMaster1.xml><?xml version="1.0" encoding="utf-8"?>
+<p:notesMaster xmlns:a="http://schemas.openxmlformats.org/drawingml/2006/main" xmlns:r="http://schemas.openxmlformats.org/officeDocument/2006/relationships" xmlns:p="http://schemas.openxmlformats.org/presentationml/2006/main">
+  <p:cSld>
+    <p:bg>
+      <p:bgRef idx="1001">
+        <a:schemeClr val="bg1"/>
+      </p:bgRef>
+    </p:bg>
+    <p:spTree>
+      <p:nvGrpSpPr>
+        <p:cNvPr id="1" name=""/>
+        <p:cNvGrpSpPr/>
+        <p:nvPr/>
+      </p:nvGrpSpPr>
+      <p:grpSpPr>
+        <a:xfrm>
+          <a:off x="0" y="0"/>
+          <a:ext cx="0" cy="0"/>
+          <a:chOff x="0" y="0"/>
+          <a:chExt cx="0" cy="0"/>
+        </a:xfrm>
+      </p:grpSpPr>
+      <p:sp>
+        <p:nvSpPr>
+          <p:cNvPr id="2" name="Header Placeholder 1"/>
+          <p:cNvSpPr>
+            <a:spLocks noGrp="1"/>
+          </p:cNvSpPr>
+          <p:nvPr>
+            <p:ph type="hdr" sz="quarter"/>
+          </p:nvPr>
+        </p:nvSpPr>
+        <p:spPr>
+          <a:xfrm>
+            <a:off x="0" y="0"/>
+            <a:ext cx="2971800" cy="458788"/>
+          </a:xfrm>
+          <a:prstGeom prst="rect">
+            <a:avLst/>
+          </a:prstGeom>
+        </p:spPr>
+        <p:txBody>
+          <a:bodyPr vert="horz" lIns="91440" tIns="45720" rIns="91440" bIns="45720" rtlCol="0"/>
+          <a:lstStyle>
+            <a:lvl1pPr algn="l">
+              <a:defRPr sz="1200"/>
+            </a:lvl1pPr>
+          </a:lstStyle>
+          <a:p>
+            <a:endParaRPr lang="en-US"/>
+          </a:p>
+        </p:txBody>
+      </p:sp>
+      <p:sp>
+        <p:nvSpPr>
+          <p:cNvPr id="3" name="Date Placeholder 2"/>
+          <p:cNvSpPr>
+            <a:spLocks noGrp="1"/>
+          </p:cNvSpPr>
+          <p:nvPr>
+            <p:ph type="dt" idx="1"/>
+          </p:nvPr>
+        </p:nvSpPr>
+        <p:spPr>
+          <a:xfrm>
+            <a:off x="3884613" y="0"/>
+            <a:ext cx="2971800" cy="458788"/>
+          </a:xfrm>
+          <a:prstGeom prst="rect">
+            <a:avLst/>
+          </a:prstGeom>
+        </p:spPr>
+        <p:txBody>
+          <a:bodyPr vert="horz" lIns="91440" tIns="45720" rIns="91440" bIns="45720" rtlCol="0"/>
+          <a:lstStyle>
+            <a:lvl1pPr algn="r">
+              <a:defRPr sz="1200"/>
+            </a:lvl1pPr>
+          </a:lstStyle>
+          <a:p>
+            <a:fld id="{531694AC-0E80-4585-96F7-919417AEAD20}" type="datetimeFigureOut">
+              <a:rPr lang="en-US" smtClean="0"/>
+              <a:t>1/13/19</a:t>
+            </a:fld>
+            <a:endParaRPr lang="en-US"/>
+          </a:p>
+        </p:txBody>
+      </p:sp>
+      <p:sp>
+        <p:nvSpPr>
+          <p:cNvPr id="4" name="Slide Image Placeholder 3"/>
+          <p:cNvSpPr>
+            <a:spLocks noGrp="1" noRot="1" noChangeAspect="1"/>
+          </p:cNvSpPr>
+          <p:nvPr>
+            <p:ph type="sldImg" idx="2"/>
+          </p:nvPr>
+        </p:nvSpPr>
+        <p:spPr>
+          <a:xfrm>
+            <a:off x="685800" y="1143000"/>
+            <a:ext cx="5486400" cy="3086100"/>
+          </a:xfrm>
+          <a:prstGeom prst="rect">
+            <a:avLst/>
+          </a:prstGeom>
+          <a:noFill/>
+          <a:ln w="12700">
+            <a:solidFill>
+              <a:prstClr val="black"/>
+            </a:solidFill>
+          </a:ln>
+        </p:spPr>
+        <p:txBody>
+          <a:bodyPr vert="horz" lIns="91440" tIns="45720" rIns="91440" bIns="45720" rtlCol="0" anchor="ctr"/>
+          <a:lstStyle/>
+          <a:p>
+            <a:endParaRPr lang="en-US"/>
+          </a:p>
+        </p:txBody>
+      </p:sp>
+      <p:sp>
+        <p:nvSpPr>
+          <p:cNvPr id="5" name="Notes Placeholder 4"/>
+          <p:cNvSpPr>
+            <a:spLocks noGrp="1"/>
+          </p:cNvSpPr>
+          <p:nvPr>
+            <p:ph type="body" sz="quarter" idx="3"/>
+          </p:nvPr>
+        </p:nvSpPr>
+        <p:spPr>
+          <a:xfrm>
+            <a:off x="685800" y="4400550"/>
+            <a:ext cx="5486400" cy="3600450"/>
+          </a:xfrm>
+          <a:prstGeom prst="rect">
+            <a:avLst/>
+          </a:prstGeom>
+        </p:spPr>
+        <p:txBody>
+          <a:bodyPr vert="horz" lIns="91440" tIns="45720" rIns="91440" bIns="45720" rtlCol="0"/>
+          <a:lstStyle/>
+          <a:p>
+            <a:pPr lvl="0"/>
+            <a:r>
+              <a:rPr lang="en-US"/>
+              <a:t>Edit Master text styles</a:t>
+            </a:r>
+          </a:p>
+          <a:p>
+            <a:pPr lvl="1"/>
+            <a:r>
+              <a:rPr lang="en-US"/>
+              <a:t>Second level</a:t>
+            </a:r>
+          </a:p>
+          <a:p>
+            <a:pPr lvl="2"/>
+            <a:r>
+              <a:rPr lang="en-US"/>
+              <a:t>Third level</a:t>
+            </a:r>
+          </a:p>
+          <a:p>
+            <a:pPr lvl="3"/>
+            <a:r>
+              <a:rPr lang="en-US"/>
+              <a:t>Fourth level</a:t>
+            </a:r>
+          </a:p>
+          <a:p>
+            <a:pPr lvl="4"/>
+            <a:r>
+              <a:rPr lang="en-US"/>
+              <a:t>Fifth level</a:t>
+            </a:r>
+          </a:p>
+        </p:txBody>
+      </p:sp>
+      <p:sp>
+        <p:nvSpPr>
+          <p:cNvPr id="6" name="Footer Placeholder 5"/>
+          <p:cNvSpPr>
+            <a:spLocks noGrp="1"/>
+          </p:cNvSpPr>
+          <p:nvPr>
+            <p:ph type="ftr" sz="quarter" idx="4"/>
+          </p:nvPr>
+        </p:nvSpPr>
+        <p:spPr>
+          <a:xfrm>
+            <a:off x="0" y="8685213"/>
+            <a:ext cx="2971800" cy="458787"/>
+          </a:xfrm>
+          <a:prstGeom prst="rect">
+            <a:avLst/>
+          </a:prstGeom>
+        </p:spPr>
+        <p:txBody>
+          <a:bodyPr vert="horz" lIns="91440" tIns="45720" rIns="91440" bIns="45720" rtlCol="0" anchor="b"/>
+          <a:lstStyle>
+            <a:lvl1pPr algn="l">
+              <a:defRPr sz="1200"/>
+            </a:lvl1pPr>
+          </a:lstStyle>
+          <a:p>
+            <a:endParaRPr lang="en-US"/>
+          </a:p>
+        </p:txBody>
+      </p:sp>
+      <p:sp>
+        <p:nvSpPr>
+          <p:cNvPr id="7" name="Slide Number Placeholder 6"/>
+          <p:cNvSpPr>
+            <a:spLocks noGrp="1"/>
+          </p:cNvSpPr>
+          <p:nvPr>
+            <p:ph type="sldNum" sz="quarter" idx="5"/>
+          </p:nvPr>
+        </p:nvSpPr>
+        <p:spPr>
+          <a:xfrm>
+            <a:off x="3884613" y="8685213"/>
+            <a:ext cx="2971800" cy="458787"/>
+          </a:xfrm>
+          <a:prstGeom prst="rect">
+            <a:avLst/>
+          </a:prstGeom>
+        </p:spPr>
+        <p:txBody>
+          <a:bodyPr vert="horz" lIns="91440" tIns="45720" rIns="91440" bIns="45720" rtlCol="0" anchor="b"/>
+          <a:lstStyle>
+            <a:lvl1pPr algn="r">
+              <a:defRPr sz="1200"/>
+            </a:lvl1pPr>
+          </a:lstStyle>
+          <a:p>
+            <a:fld id="{51ABFE5B-8546-4542-A478-A685AF440246}" type="slidenum">
+              <a:rPr lang="en-US" smtClean="0"/>
+              <a:t>‹#›</a:t>
+            </a:fld>
+            <a:endParaRPr lang="en-US"/>
+          </a:p>
+        </p:txBody>
+      </p:sp>
+    </p:spTree>
+    <p:extLst>
+      <p:ext uri="{BB962C8B-B14F-4D97-AF65-F5344CB8AC3E}">
+        <p14:creationId xmlns:p14="http://schemas.microsoft.com/office/powerpoint/2010/main" val="1218777778"/>
+      </p:ext>
+    </p:extLst>
+  </p:cSld>
+  <p:clrMap bg1="lt1" tx1="dk1" bg2="lt2" tx2="dk2" accent1="accent1" accent2="accent2" accent3="accent3" accent4="accent4" accent5="accent5" accent6="accent6" hlink="hlink" folHlink="folHlink"/>
+  <p:notesStyle>
+    <a:lvl1pPr marL="0" algn="l" defTabSz="914400" rtl="0" eaLnBrk="1" latinLnBrk="0" hangingPunct="1">
+      <a:defRPr sz="1200" kern="1200">
+        <a:solidFill>
+          <a:schemeClr val="tx1"/>
+        </a:solidFill>
+        <a:latin typeface="+mn-lt"/>
+        <a:ea typeface="+mn-ea"/>
+        <a:cs typeface="+mn-cs"/>
+      </a:defRPr>
+    </a:lvl1pPr>
+    <a:lvl2pPr marL="457200" algn="l" defTabSz="914400" rtl="0" eaLnBrk="1" latinLnBrk="0" hangingPunct="1">
+      <a:defRPr sz="1200" kern="1200">
+        <a:solidFill>
+          <a:schemeClr val="tx1"/>
+        </a:solidFill>
+        <a:latin typeface="+mn-lt"/>
+        <a:ea typeface="+mn-ea"/>
+        <a:cs typeface="+mn-cs"/>
+      </a:defRPr>
+    </a:lvl2pPr>
+    <a:lvl3pPr marL="914400" algn="l" defTabSz="914400" rtl="0" eaLnBrk="1" latinLnBrk="0" hangingPunct="1">
+      <a:defRPr sz="1200" kern="1200">
+        <a:solidFill>
+          <a:schemeClr val="tx1"/>
+        </a:solidFill>
+        <a:latin typeface="+mn-lt"/>
+        <a:ea typeface="+mn-ea"/>
+        <a:cs typeface="+mn-cs"/>
+      </a:defRPr>
+    </a:lvl3pPr>
+    <a:lvl4pPr marL="1371600" algn="l" defTabSz="914400" rtl="0" eaLnBrk="1" latinLnBrk="0" hangingPunct="1">
+      <a:defRPr sz="1200" kern="1200">
+        <a:solidFill>
+          <a:schemeClr val="tx1"/>
+        </a:solidFill>
+        <a:latin typeface="+mn-lt"/>
+        <a:ea typeface="+mn-ea"/>
+        <a:cs typeface="+mn-cs"/>
+      </a:defRPr>
+    </a:lvl4pPr>
+    <a:lvl5pPr marL="1828800" algn="l" defTabSz="914400" rtl="0" eaLnBrk="1" latinLnBrk="0" hangingPunct="1">
+      <a:defRPr sz="1200" kern="1200">
+        <a:solidFill>
+          <a:schemeClr val="tx1"/>
+        </a:solidFill>
+        <a:latin typeface="+mn-lt"/>
+        <a:ea typeface="+mn-ea"/>
+        <a:cs typeface="+mn-cs"/>
+      </a:defRPr>
+    </a:lvl5pPr>
+    <a:lvl6pPr marL="2286000" algn="l" defTabSz="914400" rtl="0" eaLnBrk="1" latinLnBrk="0" hangingPunct="1">
+      <a:defRPr sz="1200" kern="1200">
+        <a:solidFill>
+          <a:schemeClr val="tx1"/>
+        </a:solidFill>
+        <a:latin typeface="+mn-lt"/>
+        <a:ea typeface="+mn-ea"/>
+        <a:cs typeface="+mn-cs"/>
+      </a:defRPr>
+    </a:lvl6pPr>
+    <a:lvl7pPr marL="2743200" algn="l" defTabSz="914400" rtl="0" eaLnBrk="1" latinLnBrk="0" hangingPunct="1">
+      <a:defRPr sz="1200" kern="1200">
+        <a:solidFill>
+          <a:schemeClr val="tx1"/>
+        </a:solidFill>
+        <a:latin typeface="+mn-lt"/>
+        <a:ea typeface="+mn-ea"/>
+        <a:cs typeface="+mn-cs"/>
+      </a:defRPr>
+    </a:lvl7pPr>
+    <a:lvl8pPr marL="3200400" algn="l" defTabSz="914400" rtl="0" eaLnBrk="1" latinLnBrk="0" hangingPunct="1">
+      <a:defRPr sz="1200" kern="1200">
+        <a:solidFill>
+          <a:schemeClr val="tx1"/>
+        </a:solidFill>
+        <a:latin typeface="+mn-lt"/>
+        <a:ea typeface="+mn-ea"/>
+        <a:cs typeface="+mn-cs"/>
+      </a:defRPr>
+    </a:lvl8pPr>
+    <a:lvl9pPr marL="3657600" algn="l" defTabSz="914400" rtl="0" eaLnBrk="1" latinLnBrk="0" hangingPunct="1">
+      <a:defRPr sz="1200" kern="1200">
+        <a:solidFill>
+          <a:schemeClr val="tx1"/>
+        </a:solidFill>
+        <a:latin typeface="+mn-lt"/>
+        <a:ea typeface="+mn-ea"/>
+        <a:cs typeface="+mn-cs"/>
+      </a:defRPr>
+    </a:lvl9pPr>
+  </p:notesStyle>
+</p:notesMaster>
+</file>
+
+<file path=ppt/notesSlides/notesSlide1.xml><?xml version="1.0" encoding="utf-8"?>
+<p:notes xmlns:a="http://schemas.openxmlformats.org/drawingml/2006/main" xmlns:r="http://schemas.openxmlformats.org/officeDocument/2006/relationships" xmlns:p="http://schemas.openxmlformats.org/presentationml/2006/main">
+  <p:cSld>
+    <p:spTree>
+      <p:nvGrpSpPr>
+        <p:cNvPr id="1" name=""/>
+        <p:cNvGrpSpPr/>
+        <p:nvPr/>
+      </p:nvGrpSpPr>
+      <p:grpSpPr>
+        <a:xfrm>
+          <a:off x="0" y="0"/>
+          <a:ext cx="0" cy="0"/>
+          <a:chOff x="0" y="0"/>
+          <a:chExt cx="0" cy="0"/>
+        </a:xfrm>
+      </p:grpSpPr>
+      <p:sp>
+        <p:nvSpPr>
+          <p:cNvPr id="2" name="Slide Image Placeholder 1"/>
+          <p:cNvSpPr>
+            <a:spLocks noGrp="1" noRot="1" noChangeAspect="1"/>
+          </p:cNvSpPr>
+          <p:nvPr>
+            <p:ph type="sldImg"/>
+          </p:nvPr>
+        </p:nvSpPr>
+        <p:spPr/>
+      </p:sp>
+      <p:sp>
+        <p:nvSpPr>
+          <p:cNvPr id="3" name="Notes Placeholder 2"/>
+          <p:cNvSpPr>
+            <a:spLocks noGrp="1"/>
+          </p:cNvSpPr>
+          <p:nvPr>
+            <p:ph type="body" idx="1"/>
+          </p:nvPr>
+        </p:nvSpPr>
+        <p:spPr/>
+        <p:txBody>
+          <a:bodyPr/>
+          <a:lstStyle/>
+          <a:p>
+            <a:r>
+              <a:rPr lang="en-US" dirty="0"/>
+              <a:t>In this presentation me and </a:t>
+            </a:r>
+            <a:r>
+              <a:rPr lang="en-US" dirty="0" err="1"/>
+              <a:t>Nati</a:t>
+            </a:r>
+            <a:r>
+              <a:rPr lang="en-US" dirty="0"/>
+              <a:t> will talk about using Convolutional Networks to denoise images. Let’s start. </a:t>
+            </a:r>
+          </a:p>
+        </p:txBody>
+      </p:sp>
+      <p:sp>
+        <p:nvSpPr>
+          <p:cNvPr id="4" name="Slide Number Placeholder 3"/>
+          <p:cNvSpPr>
+            <a:spLocks noGrp="1"/>
+          </p:cNvSpPr>
+          <p:nvPr>
+            <p:ph type="sldNum" sz="quarter" idx="5"/>
+          </p:nvPr>
+        </p:nvSpPr>
+        <p:spPr/>
+        <p:txBody>
+          <a:bodyPr/>
+          <a:lstStyle/>
+          <a:p>
+            <a:fld id="{51ABFE5B-8546-4542-A478-A685AF440246}" type="slidenum">
+              <a:rPr lang="en-US" smtClean="0"/>
+              <a:t>1</a:t>
+            </a:fld>
+            <a:endParaRPr lang="en-US"/>
+          </a:p>
+        </p:txBody>
+      </p:sp>
+    </p:spTree>
+    <p:extLst>
+      <p:ext uri="{BB962C8B-B14F-4D97-AF65-F5344CB8AC3E}">
+        <p14:creationId xmlns:p14="http://schemas.microsoft.com/office/powerpoint/2010/main" val="1873881723"/>
+      </p:ext>
+    </p:extLst>
+  </p:cSld>
+  <p:clrMapOvr>
+    <a:masterClrMapping/>
+  </p:clrMapOvr>
+</p:notes>
+</file>
+
+<file path=ppt/notesSlides/notesSlide10.xml><?xml version="1.0" encoding="utf-8"?>
+<p:notes xmlns:a="http://schemas.openxmlformats.org/drawingml/2006/main" xmlns:r="http://schemas.openxmlformats.org/officeDocument/2006/relationships" xmlns:p="http://schemas.openxmlformats.org/presentationml/2006/main">
+  <p:cSld>
+    <p:spTree>
+      <p:nvGrpSpPr>
+        <p:cNvPr id="1" name=""/>
+        <p:cNvGrpSpPr/>
+        <p:nvPr/>
+      </p:nvGrpSpPr>
+      <p:grpSpPr>
+        <a:xfrm>
+          <a:off x="0" y="0"/>
+          <a:ext cx="0" cy="0"/>
+          <a:chOff x="0" y="0"/>
+          <a:chExt cx="0" cy="0"/>
+        </a:xfrm>
+      </p:grpSpPr>
+      <p:sp>
+        <p:nvSpPr>
+          <p:cNvPr id="2" name="Slide Image Placeholder 1"/>
+          <p:cNvSpPr>
+            <a:spLocks noGrp="1" noRot="1" noChangeAspect="1"/>
+          </p:cNvSpPr>
+          <p:nvPr>
+            <p:ph type="sldImg"/>
+          </p:nvPr>
+        </p:nvSpPr>
+        <p:spPr/>
+      </p:sp>
+      <p:sp>
+        <p:nvSpPr>
+          <p:cNvPr id="3" name="Notes Placeholder 2"/>
+          <p:cNvSpPr>
+            <a:spLocks noGrp="1"/>
+          </p:cNvSpPr>
+          <p:nvPr>
+            <p:ph type="body" idx="1"/>
+          </p:nvPr>
+        </p:nvSpPr>
+        <p:spPr/>
+        <p:txBody>
+          <a:bodyPr/>
+          <a:lstStyle/>
+          <a:p>
+            <a:r>
+              <a:rPr lang="en-US" dirty="0"/>
+              <a:t>Other kernels may be shifted pixels – that’s mean that the patch is shifted relative to reference patch. </a:t>
+            </a:r>
+          </a:p>
+        </p:txBody>
+      </p:sp>
+      <p:sp>
+        <p:nvSpPr>
+          <p:cNvPr id="4" name="Slide Number Placeholder 3"/>
+          <p:cNvSpPr>
+            <a:spLocks noGrp="1"/>
+          </p:cNvSpPr>
+          <p:nvPr>
+            <p:ph type="sldNum" sz="quarter" idx="5"/>
+          </p:nvPr>
+        </p:nvSpPr>
+        <p:spPr/>
+        <p:txBody>
+          <a:bodyPr/>
+          <a:lstStyle/>
+          <a:p>
+            <a:fld id="{51ABFE5B-8546-4542-A478-A685AF440246}" type="slidenum">
+              <a:rPr lang="en-US" smtClean="0"/>
+              <a:t>10</a:t>
+            </a:fld>
+            <a:endParaRPr lang="en-US"/>
+          </a:p>
+        </p:txBody>
+      </p:sp>
+    </p:spTree>
+    <p:extLst>
+      <p:ext uri="{BB962C8B-B14F-4D97-AF65-F5344CB8AC3E}">
+        <p14:creationId xmlns:p14="http://schemas.microsoft.com/office/powerpoint/2010/main" val="227351761"/>
+      </p:ext>
+    </p:extLst>
+  </p:cSld>
+  <p:clrMapOvr>
+    <a:masterClrMapping/>
+  </p:clrMapOvr>
+</p:notes>
+</file>
+
+<file path=ppt/notesSlides/notesSlide11.xml><?xml version="1.0" encoding="utf-8"?>
+<p:notes xmlns:a="http://schemas.openxmlformats.org/drawingml/2006/main" xmlns:r="http://schemas.openxmlformats.org/officeDocument/2006/relationships" xmlns:p="http://schemas.openxmlformats.org/presentationml/2006/main">
+  <p:cSld>
+    <p:spTree>
+      <p:nvGrpSpPr>
+        <p:cNvPr id="1" name=""/>
+        <p:cNvGrpSpPr/>
+        <p:nvPr/>
+      </p:nvGrpSpPr>
+      <p:grpSpPr>
+        <a:xfrm>
+          <a:off x="0" y="0"/>
+          <a:ext cx="0" cy="0"/>
+          <a:chOff x="0" y="0"/>
+          <a:chExt cx="0" cy="0"/>
+        </a:xfrm>
+      </p:grpSpPr>
+      <p:sp>
+        <p:nvSpPr>
+          <p:cNvPr id="2" name="Slide Image Placeholder 1"/>
+          <p:cNvSpPr>
+            <a:spLocks noGrp="1" noRot="1" noChangeAspect="1"/>
+          </p:cNvSpPr>
+          <p:nvPr>
+            <p:ph type="sldImg"/>
+          </p:nvPr>
+        </p:nvSpPr>
+        <p:spPr/>
+      </p:sp>
+      <p:sp>
+        <p:nvSpPr>
+          <p:cNvPr id="3" name="Notes Placeholder 2"/>
+          <p:cNvSpPr>
+            <a:spLocks noGrp="1"/>
+          </p:cNvSpPr>
+          <p:nvPr>
+            <p:ph type="body" idx="1"/>
+          </p:nvPr>
+        </p:nvSpPr>
+        <p:spPr/>
+        <p:txBody>
+          <a:bodyPr/>
+          <a:lstStyle/>
+          <a:p>
+            <a:r>
+              <a:rPr lang="en-US" dirty="0"/>
+              <a:t>If the shift is too big – the kernel will be practically zero.</a:t>
+            </a:r>
+          </a:p>
+        </p:txBody>
+      </p:sp>
+      <p:sp>
+        <p:nvSpPr>
+          <p:cNvPr id="4" name="Slide Number Placeholder 3"/>
+          <p:cNvSpPr>
+            <a:spLocks noGrp="1"/>
+          </p:cNvSpPr>
+          <p:nvPr>
+            <p:ph type="sldNum" sz="quarter" idx="5"/>
+          </p:nvPr>
+        </p:nvSpPr>
+        <p:spPr/>
+        <p:txBody>
+          <a:bodyPr/>
+          <a:lstStyle/>
+          <a:p>
+            <a:fld id="{51ABFE5B-8546-4542-A478-A685AF440246}" type="slidenum">
+              <a:rPr lang="en-US" smtClean="0"/>
+              <a:t>11</a:t>
+            </a:fld>
+            <a:endParaRPr lang="en-US"/>
+          </a:p>
+        </p:txBody>
+      </p:sp>
+    </p:spTree>
+    <p:extLst>
+      <p:ext uri="{BB962C8B-B14F-4D97-AF65-F5344CB8AC3E}">
+        <p14:creationId xmlns:p14="http://schemas.microsoft.com/office/powerpoint/2010/main" val="2186608392"/>
+      </p:ext>
+    </p:extLst>
+  </p:cSld>
+  <p:clrMapOvr>
+    <a:masterClrMapping/>
+  </p:clrMapOvr>
+</p:notes>
+</file>
+
+<file path=ppt/notesSlides/notesSlide12.xml><?xml version="1.0" encoding="utf-8"?>
+<p:notes xmlns:a="http://schemas.openxmlformats.org/drawingml/2006/main" xmlns:r="http://schemas.openxmlformats.org/officeDocument/2006/relationships" xmlns:p="http://schemas.openxmlformats.org/presentationml/2006/main">
+  <p:cSld>
+    <p:spTree>
+      <p:nvGrpSpPr>
+        <p:cNvPr id="1" name=""/>
+        <p:cNvGrpSpPr/>
+        <p:nvPr/>
+      </p:nvGrpSpPr>
+      <p:grpSpPr>
+        <a:xfrm>
+          <a:off x="0" y="0"/>
+          <a:ext cx="0" cy="0"/>
+          <a:chOff x="0" y="0"/>
+          <a:chExt cx="0" cy="0"/>
+        </a:xfrm>
+      </p:grpSpPr>
+      <p:sp>
+        <p:nvSpPr>
+          <p:cNvPr id="2" name="Slide Image Placeholder 1"/>
+          <p:cNvSpPr>
+            <a:spLocks noGrp="1" noRot="1" noChangeAspect="1"/>
+          </p:cNvSpPr>
+          <p:nvPr>
+            <p:ph type="sldImg"/>
+          </p:nvPr>
+        </p:nvSpPr>
+        <p:spPr/>
+      </p:sp>
+      <p:sp>
+        <p:nvSpPr>
+          <p:cNvPr id="3" name="Notes Placeholder 2"/>
+          <p:cNvSpPr>
+            <a:spLocks noGrp="1"/>
+          </p:cNvSpPr>
+          <p:nvPr>
+            <p:ph type="body" idx="1"/>
+          </p:nvPr>
+        </p:nvSpPr>
+        <p:spPr/>
+        <p:txBody>
+          <a:bodyPr/>
+          <a:lstStyle/>
+          <a:p>
+            <a:r>
+              <a:rPr lang="en-US" dirty="0"/>
+              <a:t>Wow.. Too much math. </a:t>
+            </a:r>
+          </a:p>
+        </p:txBody>
+      </p:sp>
+      <p:sp>
+        <p:nvSpPr>
+          <p:cNvPr id="4" name="Slide Number Placeholder 3"/>
+          <p:cNvSpPr>
+            <a:spLocks noGrp="1"/>
+          </p:cNvSpPr>
+          <p:nvPr>
+            <p:ph type="sldNum" sz="quarter" idx="5"/>
+          </p:nvPr>
+        </p:nvSpPr>
+        <p:spPr/>
+        <p:txBody>
+          <a:bodyPr/>
+          <a:lstStyle/>
+          <a:p>
+            <a:fld id="{51ABFE5B-8546-4542-A478-A685AF440246}" type="slidenum">
+              <a:rPr lang="en-US" smtClean="0"/>
+              <a:t>12</a:t>
+            </a:fld>
+            <a:endParaRPr lang="en-US"/>
+          </a:p>
+        </p:txBody>
+      </p:sp>
+    </p:spTree>
+    <p:extLst>
+      <p:ext uri="{BB962C8B-B14F-4D97-AF65-F5344CB8AC3E}">
+        <p14:creationId xmlns:p14="http://schemas.microsoft.com/office/powerpoint/2010/main" val="130899567"/>
+      </p:ext>
+    </p:extLst>
+  </p:cSld>
+  <p:clrMapOvr>
+    <a:masterClrMapping/>
+  </p:clrMapOvr>
+</p:notes>
+</file>
+
+<file path=ppt/notesSlides/notesSlide13.xml><?xml version="1.0" encoding="utf-8"?>
+<p:notes xmlns:a="http://schemas.openxmlformats.org/drawingml/2006/main" xmlns:r="http://schemas.openxmlformats.org/officeDocument/2006/relationships" xmlns:p="http://schemas.openxmlformats.org/presentationml/2006/main">
+  <p:cSld>
+    <p:spTree>
+      <p:nvGrpSpPr>
+        <p:cNvPr id="1" name=""/>
+        <p:cNvGrpSpPr/>
+        <p:nvPr/>
+      </p:nvGrpSpPr>
+      <p:grpSpPr>
+        <a:xfrm>
+          <a:off x="0" y="0"/>
+          <a:ext cx="0" cy="0"/>
+          <a:chOff x="0" y="0"/>
+          <a:chExt cx="0" cy="0"/>
+        </a:xfrm>
+      </p:grpSpPr>
+      <p:sp>
+        <p:nvSpPr>
+          <p:cNvPr id="2" name="Slide Image Placeholder 1"/>
+          <p:cNvSpPr>
+            <a:spLocks noGrp="1" noRot="1" noChangeAspect="1"/>
+          </p:cNvSpPr>
+          <p:nvPr>
+            <p:ph type="sldImg"/>
+          </p:nvPr>
+        </p:nvSpPr>
+        <p:spPr/>
+      </p:sp>
+      <p:sp>
+        <p:nvSpPr>
+          <p:cNvPr id="3" name="Notes Placeholder 2"/>
+          <p:cNvSpPr>
+            <a:spLocks noGrp="1"/>
+          </p:cNvSpPr>
+          <p:nvPr>
+            <p:ph type="body" idx="1"/>
+          </p:nvPr>
+        </p:nvSpPr>
+        <p:spPr/>
+        <p:txBody>
+          <a:bodyPr/>
+          <a:lstStyle/>
+          <a:p>
+            <a:r>
+              <a:rPr lang="en-US" dirty="0"/>
+              <a:t>Ok, it’s better. So the loss function we want to minimize is a weighted sum of: </a:t>
+            </a:r>
+          </a:p>
+          <a:p>
+            <a:pPr marL="171450" indent="-171450">
+              <a:buFontTx/>
+              <a:buChar char="-"/>
+            </a:pPr>
+            <a:r>
+              <a:rPr lang="en-US" dirty="0"/>
+              <a:t>L2 distance between the ground truth and our result image.</a:t>
+            </a:r>
+          </a:p>
+          <a:p>
+            <a:pPr marL="171450" indent="-171450">
+              <a:buFontTx/>
+              <a:buChar char="-"/>
+            </a:pPr>
+            <a:r>
+              <a:rPr lang="en-US" dirty="0"/>
+              <a:t>And L1 distance between gradient of ground truth and </a:t>
+            </a:r>
+            <a:r>
+              <a:rPr lang="en-US" dirty="0" err="1"/>
+              <a:t>gradinet</a:t>
+            </a:r>
+            <a:r>
+              <a:rPr lang="en-US" dirty="0"/>
+              <a:t> of our result.  </a:t>
+            </a:r>
+          </a:p>
+          <a:p>
+            <a:pPr marL="0" indent="0">
+              <a:buFontTx/>
+              <a:buNone/>
+            </a:pPr>
+            <a:r>
+              <a:rPr lang="en-US" dirty="0"/>
+              <a:t>Unfortunately, a KPN which is trained with this loss tend to look only at reference image and “ignore” other images in the burst. </a:t>
+            </a:r>
+          </a:p>
+        </p:txBody>
+      </p:sp>
+      <p:sp>
+        <p:nvSpPr>
+          <p:cNvPr id="4" name="Slide Number Placeholder 3"/>
+          <p:cNvSpPr>
+            <a:spLocks noGrp="1"/>
+          </p:cNvSpPr>
+          <p:nvPr>
+            <p:ph type="sldNum" sz="quarter" idx="5"/>
+          </p:nvPr>
+        </p:nvSpPr>
+        <p:spPr/>
+        <p:txBody>
+          <a:bodyPr/>
+          <a:lstStyle/>
+          <a:p>
+            <a:fld id="{51ABFE5B-8546-4542-A478-A685AF440246}" type="slidenum">
+              <a:rPr lang="en-US" smtClean="0"/>
+              <a:t>13</a:t>
+            </a:fld>
+            <a:endParaRPr lang="en-US"/>
+          </a:p>
+        </p:txBody>
+      </p:sp>
+    </p:spTree>
+    <p:extLst>
+      <p:ext uri="{BB962C8B-B14F-4D97-AF65-F5344CB8AC3E}">
+        <p14:creationId xmlns:p14="http://schemas.microsoft.com/office/powerpoint/2010/main" val="3366735755"/>
+      </p:ext>
+    </p:extLst>
+  </p:cSld>
+  <p:clrMapOvr>
+    <a:masterClrMapping/>
+  </p:clrMapOvr>
+</p:notes>
+</file>
+
+<file path=ppt/notesSlides/notesSlide14.xml><?xml version="1.0" encoding="utf-8"?>
+<p:notes xmlns:a="http://schemas.openxmlformats.org/drawingml/2006/main" xmlns:r="http://schemas.openxmlformats.org/officeDocument/2006/relationships" xmlns:p="http://schemas.openxmlformats.org/presentationml/2006/main">
+  <p:cSld>
+    <p:spTree>
+      <p:nvGrpSpPr>
+        <p:cNvPr id="1" name=""/>
+        <p:cNvGrpSpPr/>
+        <p:nvPr/>
+      </p:nvGrpSpPr>
+      <p:grpSpPr>
+        <a:xfrm>
+          <a:off x="0" y="0"/>
+          <a:ext cx="0" cy="0"/>
+          <a:chOff x="0" y="0"/>
+          <a:chExt cx="0" cy="0"/>
+        </a:xfrm>
+      </p:grpSpPr>
+      <p:sp>
+        <p:nvSpPr>
+          <p:cNvPr id="2" name="Slide Image Placeholder 1"/>
+          <p:cNvSpPr>
+            <a:spLocks noGrp="1" noRot="1" noChangeAspect="1"/>
+          </p:cNvSpPr>
+          <p:nvPr>
+            <p:ph type="sldImg"/>
+          </p:nvPr>
+        </p:nvSpPr>
+        <p:spPr/>
+      </p:sp>
+      <p:sp>
+        <p:nvSpPr>
+          <p:cNvPr id="3" name="Notes Placeholder 2"/>
+          <p:cNvSpPr>
+            <a:spLocks noGrp="1"/>
+          </p:cNvSpPr>
+          <p:nvPr>
+            <p:ph type="body" idx="1"/>
+          </p:nvPr>
+        </p:nvSpPr>
+        <p:spPr/>
+        <p:txBody>
+          <a:bodyPr/>
+          <a:lstStyle/>
+          <a:p>
+            <a:r>
+              <a:rPr lang="en-US" dirty="0"/>
+              <a:t>Long story short, they ended up with this loss function which changes with time. Here we try to minimize not just the regular loss (from prev. slide) but also a loss of each denoised frame of the burst. The parameter alpha is a positive, less than one number, so as “t” grows (t is actually training epochs), the weight of the right part of the loss function decrease.  </a:t>
+            </a:r>
+          </a:p>
+        </p:txBody>
+      </p:sp>
+      <p:sp>
+        <p:nvSpPr>
+          <p:cNvPr id="4" name="Slide Number Placeholder 3"/>
+          <p:cNvSpPr>
+            <a:spLocks noGrp="1"/>
+          </p:cNvSpPr>
+          <p:nvPr>
+            <p:ph type="sldNum" sz="quarter" idx="5"/>
+          </p:nvPr>
+        </p:nvSpPr>
+        <p:spPr/>
+        <p:txBody>
+          <a:bodyPr/>
+          <a:lstStyle/>
+          <a:p>
+            <a:fld id="{51ABFE5B-8546-4542-A478-A685AF440246}" type="slidenum">
+              <a:rPr lang="en-US" smtClean="0"/>
+              <a:t>14</a:t>
+            </a:fld>
+            <a:endParaRPr lang="en-US"/>
+          </a:p>
+        </p:txBody>
+      </p:sp>
+    </p:spTree>
+    <p:extLst>
+      <p:ext uri="{BB962C8B-B14F-4D97-AF65-F5344CB8AC3E}">
+        <p14:creationId xmlns:p14="http://schemas.microsoft.com/office/powerpoint/2010/main" val="916546633"/>
+      </p:ext>
+    </p:extLst>
+  </p:cSld>
+  <p:clrMapOvr>
+    <a:masterClrMapping/>
+  </p:clrMapOvr>
+</p:notes>
+</file>
+
+<file path=ppt/notesSlides/notesSlide15.xml><?xml version="1.0" encoding="utf-8"?>
+<p:notes xmlns:a="http://schemas.openxmlformats.org/drawingml/2006/main" xmlns:r="http://schemas.openxmlformats.org/officeDocument/2006/relationships" xmlns:p="http://schemas.openxmlformats.org/presentationml/2006/main">
+  <p:cSld>
+    <p:spTree>
+      <p:nvGrpSpPr>
+        <p:cNvPr id="1" name=""/>
+        <p:cNvGrpSpPr/>
+        <p:nvPr/>
+      </p:nvGrpSpPr>
+      <p:grpSpPr>
+        <a:xfrm>
+          <a:off x="0" y="0"/>
+          <a:ext cx="0" cy="0"/>
+          <a:chOff x="0" y="0"/>
+          <a:chExt cx="0" cy="0"/>
+        </a:xfrm>
+      </p:grpSpPr>
+      <p:sp>
+        <p:nvSpPr>
+          <p:cNvPr id="2" name="Slide Image Placeholder 1"/>
+          <p:cNvSpPr>
+            <a:spLocks noGrp="1" noRot="1" noChangeAspect="1"/>
+          </p:cNvSpPr>
+          <p:nvPr>
+            <p:ph type="sldImg"/>
+          </p:nvPr>
+        </p:nvSpPr>
+        <p:spPr/>
+      </p:sp>
+      <p:sp>
+        <p:nvSpPr>
+          <p:cNvPr id="3" name="Notes Placeholder 2"/>
+          <p:cNvSpPr>
+            <a:spLocks noGrp="1"/>
+          </p:cNvSpPr>
+          <p:nvPr>
+            <p:ph type="body" idx="1"/>
+          </p:nvPr>
+        </p:nvSpPr>
+        <p:spPr/>
+        <p:txBody>
+          <a:bodyPr/>
+          <a:lstStyle/>
+          <a:p>
+            <a:r>
+              <a:rPr lang="en-US" dirty="0"/>
+              <a:t>One more interesting thing about this architecture – In addition to images they feed the model with noise level estimation of the burst. At first it can seem like cheating, but actually it lets the model to generalize to much higher levels of noise than were used in training phase.  </a:t>
+            </a:r>
+          </a:p>
+        </p:txBody>
+      </p:sp>
+      <p:sp>
+        <p:nvSpPr>
+          <p:cNvPr id="4" name="Slide Number Placeholder 3"/>
+          <p:cNvSpPr>
+            <a:spLocks noGrp="1"/>
+          </p:cNvSpPr>
+          <p:nvPr>
+            <p:ph type="sldNum" sz="quarter" idx="5"/>
+          </p:nvPr>
+        </p:nvSpPr>
+        <p:spPr/>
+        <p:txBody>
+          <a:bodyPr/>
+          <a:lstStyle/>
+          <a:p>
+            <a:fld id="{51ABFE5B-8546-4542-A478-A685AF440246}" type="slidenum">
+              <a:rPr lang="en-US" smtClean="0"/>
+              <a:t>15</a:t>
+            </a:fld>
+            <a:endParaRPr lang="en-US"/>
+          </a:p>
+        </p:txBody>
+      </p:sp>
+    </p:spTree>
+    <p:extLst>
+      <p:ext uri="{BB962C8B-B14F-4D97-AF65-F5344CB8AC3E}">
+        <p14:creationId xmlns:p14="http://schemas.microsoft.com/office/powerpoint/2010/main" val="2242663120"/>
+      </p:ext>
+    </p:extLst>
+  </p:cSld>
+  <p:clrMapOvr>
+    <a:masterClrMapping/>
+  </p:clrMapOvr>
+</p:notes>
+</file>
+
+<file path=ppt/notesSlides/notesSlide16.xml><?xml version="1.0" encoding="utf-8"?>
+<p:notes xmlns:a="http://schemas.openxmlformats.org/drawingml/2006/main" xmlns:r="http://schemas.openxmlformats.org/officeDocument/2006/relationships" xmlns:p="http://schemas.openxmlformats.org/presentationml/2006/main">
+  <p:cSld>
+    <p:spTree>
+      <p:nvGrpSpPr>
+        <p:cNvPr id="1" name=""/>
+        <p:cNvGrpSpPr/>
+        <p:nvPr/>
+      </p:nvGrpSpPr>
+      <p:grpSpPr>
+        <a:xfrm>
+          <a:off x="0" y="0"/>
+          <a:ext cx="0" cy="0"/>
+          <a:chOff x="0" y="0"/>
+          <a:chExt cx="0" cy="0"/>
+        </a:xfrm>
+      </p:grpSpPr>
+      <p:sp>
+        <p:nvSpPr>
+          <p:cNvPr id="2" name="Slide Image Placeholder 1"/>
+          <p:cNvSpPr>
+            <a:spLocks noGrp="1" noRot="1" noChangeAspect="1"/>
+          </p:cNvSpPr>
+          <p:nvPr>
+            <p:ph type="sldImg"/>
+          </p:nvPr>
+        </p:nvSpPr>
+        <p:spPr/>
+      </p:sp>
+      <p:sp>
+        <p:nvSpPr>
+          <p:cNvPr id="3" name="Notes Placeholder 2"/>
+          <p:cNvSpPr>
+            <a:spLocks noGrp="1"/>
+          </p:cNvSpPr>
+          <p:nvPr>
+            <p:ph type="body" idx="1"/>
+          </p:nvPr>
+        </p:nvSpPr>
+        <p:spPr/>
+        <p:txBody>
+          <a:bodyPr/>
+          <a:lstStyle/>
+          <a:p>
+            <a:r>
+              <a:rPr lang="en-US" dirty="0"/>
+              <a:t>As we can see from the graph, “blind” model – which didn’t take the noise level as input, has worse performance, while the other has better performance also with noise levels higher than in training phase. </a:t>
+            </a:r>
+          </a:p>
+        </p:txBody>
+      </p:sp>
+      <p:sp>
+        <p:nvSpPr>
+          <p:cNvPr id="4" name="Slide Number Placeholder 3"/>
+          <p:cNvSpPr>
+            <a:spLocks noGrp="1"/>
+          </p:cNvSpPr>
+          <p:nvPr>
+            <p:ph type="sldNum" sz="quarter" idx="5"/>
+          </p:nvPr>
+        </p:nvSpPr>
+        <p:spPr/>
+        <p:txBody>
+          <a:bodyPr/>
+          <a:lstStyle/>
+          <a:p>
+            <a:fld id="{51ABFE5B-8546-4542-A478-A685AF440246}" type="slidenum">
+              <a:rPr lang="en-US" smtClean="0"/>
+              <a:t>16</a:t>
+            </a:fld>
+            <a:endParaRPr lang="en-US"/>
+          </a:p>
+        </p:txBody>
+      </p:sp>
+    </p:spTree>
+    <p:extLst>
+      <p:ext uri="{BB962C8B-B14F-4D97-AF65-F5344CB8AC3E}">
+        <p14:creationId xmlns:p14="http://schemas.microsoft.com/office/powerpoint/2010/main" val="1254900630"/>
+      </p:ext>
+    </p:extLst>
+  </p:cSld>
+  <p:clrMapOvr>
+    <a:masterClrMapping/>
+  </p:clrMapOvr>
+</p:notes>
+</file>
+
+<file path=ppt/notesSlides/notesSlide17.xml><?xml version="1.0" encoding="utf-8"?>
+<p:notes xmlns:a="http://schemas.openxmlformats.org/drawingml/2006/main" xmlns:r="http://schemas.openxmlformats.org/officeDocument/2006/relationships" xmlns:p="http://schemas.openxmlformats.org/presentationml/2006/main">
+  <p:cSld>
+    <p:spTree>
+      <p:nvGrpSpPr>
+        <p:cNvPr id="1" name=""/>
+        <p:cNvGrpSpPr/>
+        <p:nvPr/>
+      </p:nvGrpSpPr>
+      <p:grpSpPr>
+        <a:xfrm>
+          <a:off x="0" y="0"/>
+          <a:ext cx="0" cy="0"/>
+          <a:chOff x="0" y="0"/>
+          <a:chExt cx="0" cy="0"/>
+        </a:xfrm>
+      </p:grpSpPr>
+      <p:sp>
+        <p:nvSpPr>
+          <p:cNvPr id="2" name="Slide Image Placeholder 1"/>
+          <p:cNvSpPr>
+            <a:spLocks noGrp="1" noRot="1" noChangeAspect="1"/>
+          </p:cNvSpPr>
+          <p:nvPr>
+            <p:ph type="sldImg"/>
+          </p:nvPr>
+        </p:nvSpPr>
+        <p:spPr/>
+      </p:sp>
+      <p:sp>
+        <p:nvSpPr>
+          <p:cNvPr id="3" name="Notes Placeholder 2"/>
+          <p:cNvSpPr>
+            <a:spLocks noGrp="1"/>
+          </p:cNvSpPr>
+          <p:nvPr>
+            <p:ph type="body" idx="1"/>
+          </p:nvPr>
+        </p:nvSpPr>
+        <p:spPr/>
+        <p:txBody>
+          <a:bodyPr/>
+          <a:lstStyle/>
+          <a:p>
+            <a:r>
+              <a:rPr lang="en-US" dirty="0"/>
+              <a:t>You may ask a legit question – where they got all those noisy and noiseless samples of the real world data. Well… they didn’t. It’s practically impossible to create a noisy burst and a noiseless burst of the same scene in real world.</a:t>
+            </a:r>
+          </a:p>
+        </p:txBody>
+      </p:sp>
+      <p:sp>
+        <p:nvSpPr>
+          <p:cNvPr id="4" name="Slide Number Placeholder 3"/>
+          <p:cNvSpPr>
+            <a:spLocks noGrp="1"/>
+          </p:cNvSpPr>
+          <p:nvPr>
+            <p:ph type="sldNum" sz="quarter" idx="5"/>
+          </p:nvPr>
+        </p:nvSpPr>
+        <p:spPr/>
+        <p:txBody>
+          <a:bodyPr/>
+          <a:lstStyle/>
+          <a:p>
+            <a:fld id="{51ABFE5B-8546-4542-A478-A685AF440246}" type="slidenum">
+              <a:rPr lang="en-US" smtClean="0"/>
+              <a:t>17</a:t>
+            </a:fld>
+            <a:endParaRPr lang="en-US"/>
+          </a:p>
+        </p:txBody>
+      </p:sp>
+    </p:spTree>
+    <p:extLst>
+      <p:ext uri="{BB962C8B-B14F-4D97-AF65-F5344CB8AC3E}">
+        <p14:creationId xmlns:p14="http://schemas.microsoft.com/office/powerpoint/2010/main" val="1191059314"/>
+      </p:ext>
+    </p:extLst>
+  </p:cSld>
+  <p:clrMapOvr>
+    <a:masterClrMapping/>
+  </p:clrMapOvr>
+</p:notes>
+</file>
+
+<file path=ppt/notesSlides/notesSlide18.xml><?xml version="1.0" encoding="utf-8"?>
+<p:notes xmlns:a="http://schemas.openxmlformats.org/drawingml/2006/main" xmlns:r="http://schemas.openxmlformats.org/officeDocument/2006/relationships" xmlns:p="http://schemas.openxmlformats.org/presentationml/2006/main">
+  <p:cSld>
+    <p:spTree>
+      <p:nvGrpSpPr>
+        <p:cNvPr id="1" name=""/>
+        <p:cNvGrpSpPr/>
+        <p:nvPr/>
+      </p:nvGrpSpPr>
+      <p:grpSpPr>
+        <a:xfrm>
+          <a:off x="0" y="0"/>
+          <a:ext cx="0" cy="0"/>
+          <a:chOff x="0" y="0"/>
+          <a:chExt cx="0" cy="0"/>
+        </a:xfrm>
+      </p:grpSpPr>
+      <p:sp>
+        <p:nvSpPr>
+          <p:cNvPr id="2" name="Slide Image Placeholder 1"/>
+          <p:cNvSpPr>
+            <a:spLocks noGrp="1" noRot="1" noChangeAspect="1"/>
+          </p:cNvSpPr>
+          <p:nvPr>
+            <p:ph type="sldImg"/>
+          </p:nvPr>
+        </p:nvSpPr>
+        <p:spPr/>
+      </p:sp>
+      <p:sp>
+        <p:nvSpPr>
+          <p:cNvPr id="3" name="Notes Placeholder 2"/>
+          <p:cNvSpPr>
+            <a:spLocks noGrp="1"/>
+          </p:cNvSpPr>
+          <p:nvPr>
+            <p:ph type="body" idx="1"/>
+          </p:nvPr>
+        </p:nvSpPr>
+        <p:spPr/>
+        <p:txBody>
+          <a:bodyPr/>
+          <a:lstStyle/>
+          <a:p>
+            <a:r>
+              <a:rPr lang="en-US" dirty="0"/>
+              <a:t>In order to train the model they created a pipeline to convert a “ground truth” image taken from internet to a noisy burst. As you can see here: crop the image randomly to simulate movement, scale it to look like raw data from camera sensor, add noise and here it is – a Noisy burst. </a:t>
+            </a:r>
+          </a:p>
+        </p:txBody>
+      </p:sp>
+      <p:sp>
+        <p:nvSpPr>
+          <p:cNvPr id="4" name="Slide Number Placeholder 3"/>
+          <p:cNvSpPr>
+            <a:spLocks noGrp="1"/>
+          </p:cNvSpPr>
+          <p:nvPr>
+            <p:ph type="sldNum" sz="quarter" idx="5"/>
+          </p:nvPr>
+        </p:nvSpPr>
+        <p:spPr/>
+        <p:txBody>
+          <a:bodyPr/>
+          <a:lstStyle/>
+          <a:p>
+            <a:fld id="{51ABFE5B-8546-4542-A478-A685AF440246}" type="slidenum">
+              <a:rPr lang="en-US" smtClean="0"/>
+              <a:t>18</a:t>
+            </a:fld>
+            <a:endParaRPr lang="en-US"/>
+          </a:p>
+        </p:txBody>
+      </p:sp>
+    </p:spTree>
+    <p:extLst>
+      <p:ext uri="{BB962C8B-B14F-4D97-AF65-F5344CB8AC3E}">
+        <p14:creationId xmlns:p14="http://schemas.microsoft.com/office/powerpoint/2010/main" val="2168230262"/>
+      </p:ext>
+    </p:extLst>
+  </p:cSld>
+  <p:clrMapOvr>
+    <a:masterClrMapping/>
+  </p:clrMapOvr>
+</p:notes>
+</file>
+
+<file path=ppt/notesSlides/notesSlide19.xml><?xml version="1.0" encoding="utf-8"?>
+<p:notes xmlns:a="http://schemas.openxmlformats.org/drawingml/2006/main" xmlns:r="http://schemas.openxmlformats.org/officeDocument/2006/relationships" xmlns:p="http://schemas.openxmlformats.org/presentationml/2006/main">
+  <p:cSld>
+    <p:spTree>
+      <p:nvGrpSpPr>
+        <p:cNvPr id="1" name=""/>
+        <p:cNvGrpSpPr/>
+        <p:nvPr/>
+      </p:nvGrpSpPr>
+      <p:grpSpPr>
+        <a:xfrm>
+          <a:off x="0" y="0"/>
+          <a:ext cx="0" cy="0"/>
+          <a:chOff x="0" y="0"/>
+          <a:chExt cx="0" cy="0"/>
+        </a:xfrm>
+      </p:grpSpPr>
+      <p:sp>
+        <p:nvSpPr>
+          <p:cNvPr id="2" name="Slide Image Placeholder 1"/>
+          <p:cNvSpPr>
+            <a:spLocks noGrp="1" noRot="1" noChangeAspect="1"/>
+          </p:cNvSpPr>
+          <p:nvPr>
+            <p:ph type="sldImg"/>
+          </p:nvPr>
+        </p:nvSpPr>
+        <p:spPr/>
+      </p:sp>
+      <p:sp>
+        <p:nvSpPr>
+          <p:cNvPr id="3" name="Notes Placeholder 2"/>
+          <p:cNvSpPr>
+            <a:spLocks noGrp="1"/>
+          </p:cNvSpPr>
+          <p:nvPr>
+            <p:ph type="body" idx="1"/>
+          </p:nvPr>
+        </p:nvSpPr>
+        <p:spPr/>
+        <p:txBody>
+          <a:bodyPr/>
+          <a:lstStyle/>
+          <a:p>
+            <a:r>
+              <a:rPr lang="en-US" dirty="0"/>
+              <a:t>Lets see some results. Wow, looks great. </a:t>
+            </a:r>
+          </a:p>
+        </p:txBody>
+      </p:sp>
+      <p:sp>
+        <p:nvSpPr>
+          <p:cNvPr id="4" name="Slide Number Placeholder 3"/>
+          <p:cNvSpPr>
+            <a:spLocks noGrp="1"/>
+          </p:cNvSpPr>
+          <p:nvPr>
+            <p:ph type="sldNum" sz="quarter" idx="5"/>
+          </p:nvPr>
+        </p:nvSpPr>
+        <p:spPr/>
+        <p:txBody>
+          <a:bodyPr/>
+          <a:lstStyle/>
+          <a:p>
+            <a:fld id="{51ABFE5B-8546-4542-A478-A685AF440246}" type="slidenum">
+              <a:rPr lang="en-US" smtClean="0"/>
+              <a:t>19</a:t>
+            </a:fld>
+            <a:endParaRPr lang="en-US"/>
+          </a:p>
+        </p:txBody>
+      </p:sp>
+    </p:spTree>
+    <p:extLst>
+      <p:ext uri="{BB962C8B-B14F-4D97-AF65-F5344CB8AC3E}">
+        <p14:creationId xmlns:p14="http://schemas.microsoft.com/office/powerpoint/2010/main" val="1133771495"/>
+      </p:ext>
+    </p:extLst>
+  </p:cSld>
+  <p:clrMapOvr>
+    <a:masterClrMapping/>
+  </p:clrMapOvr>
+</p:notes>
+</file>
+
+<file path=ppt/notesSlides/notesSlide2.xml><?xml version="1.0" encoding="utf-8"?>
+<p:notes xmlns:a="http://schemas.openxmlformats.org/drawingml/2006/main" xmlns:r="http://schemas.openxmlformats.org/officeDocument/2006/relationships" xmlns:p="http://schemas.openxmlformats.org/presentationml/2006/main">
+  <p:cSld>
+    <p:spTree>
+      <p:nvGrpSpPr>
+        <p:cNvPr id="1" name=""/>
+        <p:cNvGrpSpPr/>
+        <p:nvPr/>
+      </p:nvGrpSpPr>
+      <p:grpSpPr>
+        <a:xfrm>
+          <a:off x="0" y="0"/>
+          <a:ext cx="0" cy="0"/>
+          <a:chOff x="0" y="0"/>
+          <a:chExt cx="0" cy="0"/>
+        </a:xfrm>
+      </p:grpSpPr>
+      <p:sp>
+        <p:nvSpPr>
+          <p:cNvPr id="2" name="Slide Image Placeholder 1"/>
+          <p:cNvSpPr>
+            <a:spLocks noGrp="1" noRot="1" noChangeAspect="1"/>
+          </p:cNvSpPr>
+          <p:nvPr>
+            <p:ph type="sldImg"/>
+          </p:nvPr>
+        </p:nvSpPr>
+        <p:spPr/>
+      </p:sp>
+      <p:sp>
+        <p:nvSpPr>
+          <p:cNvPr id="3" name="Notes Placeholder 2"/>
+          <p:cNvSpPr>
+            <a:spLocks noGrp="1"/>
+          </p:cNvSpPr>
+          <p:nvPr>
+            <p:ph type="body" idx="1"/>
+          </p:nvPr>
+        </p:nvSpPr>
+        <p:spPr/>
+        <p:txBody>
+          <a:bodyPr/>
+          <a:lstStyle/>
+          <a:p>
+            <a:r>
+              <a:rPr lang="en-US" dirty="0"/>
+              <a:t>What is burst denoising? As we all know, a burst mode is basically taking many pictures very fast. Low light, moving objects and internal camera noise tend to produce noisy images. But, if we find some smart way to combine all those images from the burst, we can produce an image without a noise or a blur. In this paper they used Encoder-Decoder architecture to complete this task.   </a:t>
+            </a:r>
+          </a:p>
+        </p:txBody>
+      </p:sp>
+      <p:sp>
+        <p:nvSpPr>
+          <p:cNvPr id="4" name="Slide Number Placeholder 3"/>
+          <p:cNvSpPr>
+            <a:spLocks noGrp="1"/>
+          </p:cNvSpPr>
+          <p:nvPr>
+            <p:ph type="sldNum" sz="quarter" idx="5"/>
+          </p:nvPr>
+        </p:nvSpPr>
+        <p:spPr/>
+        <p:txBody>
+          <a:bodyPr/>
+          <a:lstStyle/>
+          <a:p>
+            <a:fld id="{51ABFE5B-8546-4542-A478-A685AF440246}" type="slidenum">
+              <a:rPr lang="en-US" smtClean="0"/>
+              <a:t>2</a:t>
+            </a:fld>
+            <a:endParaRPr lang="en-US"/>
+          </a:p>
+        </p:txBody>
+      </p:sp>
+    </p:spTree>
+    <p:extLst>
+      <p:ext uri="{BB962C8B-B14F-4D97-AF65-F5344CB8AC3E}">
+        <p14:creationId xmlns:p14="http://schemas.microsoft.com/office/powerpoint/2010/main" val="2849633476"/>
+      </p:ext>
+    </p:extLst>
+  </p:cSld>
+  <p:clrMapOvr>
+    <a:masterClrMapping/>
+  </p:clrMapOvr>
+</p:notes>
+</file>
+
+<file path=ppt/notesSlides/notesSlide20.xml><?xml version="1.0" encoding="utf-8"?>
+<p:notes xmlns:a="http://schemas.openxmlformats.org/drawingml/2006/main" xmlns:r="http://schemas.openxmlformats.org/officeDocument/2006/relationships" xmlns:p="http://schemas.openxmlformats.org/presentationml/2006/main">
+  <p:cSld>
+    <p:spTree>
+      <p:nvGrpSpPr>
+        <p:cNvPr id="1" name=""/>
+        <p:cNvGrpSpPr/>
+        <p:nvPr/>
+      </p:nvGrpSpPr>
+      <p:grpSpPr>
+        <a:xfrm>
+          <a:off x="0" y="0"/>
+          <a:ext cx="0" cy="0"/>
+          <a:chOff x="0" y="0"/>
+          <a:chExt cx="0" cy="0"/>
+        </a:xfrm>
+      </p:grpSpPr>
+      <p:sp>
+        <p:nvSpPr>
+          <p:cNvPr id="2" name="Slide Image Placeholder 1"/>
+          <p:cNvSpPr>
+            <a:spLocks noGrp="1" noRot="1" noChangeAspect="1"/>
+          </p:cNvSpPr>
+          <p:nvPr>
+            <p:ph type="sldImg"/>
+          </p:nvPr>
+        </p:nvSpPr>
+        <p:spPr/>
+      </p:sp>
+      <p:sp>
+        <p:nvSpPr>
+          <p:cNvPr id="3" name="Notes Placeholder 2"/>
+          <p:cNvSpPr>
+            <a:spLocks noGrp="1"/>
+          </p:cNvSpPr>
+          <p:nvPr>
+            <p:ph type="body" idx="1"/>
+          </p:nvPr>
+        </p:nvSpPr>
+        <p:spPr/>
+        <p:txBody>
+          <a:bodyPr/>
+          <a:lstStyle/>
+          <a:p>
+            <a:r>
+              <a:rPr lang="en-US" dirty="0" err="1"/>
+              <a:t>Niiice</a:t>
+            </a:r>
+            <a:r>
+              <a:rPr lang="en-US" dirty="0"/>
+              <a:t>.</a:t>
+            </a:r>
+          </a:p>
+        </p:txBody>
+      </p:sp>
+      <p:sp>
+        <p:nvSpPr>
+          <p:cNvPr id="4" name="Slide Number Placeholder 3"/>
+          <p:cNvSpPr>
+            <a:spLocks noGrp="1"/>
+          </p:cNvSpPr>
+          <p:nvPr>
+            <p:ph type="sldNum" sz="quarter" idx="5"/>
+          </p:nvPr>
+        </p:nvSpPr>
+        <p:spPr/>
+        <p:txBody>
+          <a:bodyPr/>
+          <a:lstStyle/>
+          <a:p>
+            <a:fld id="{51ABFE5B-8546-4542-A478-A685AF440246}" type="slidenum">
+              <a:rPr lang="en-US" smtClean="0"/>
+              <a:t>20</a:t>
+            </a:fld>
+            <a:endParaRPr lang="en-US"/>
+          </a:p>
+        </p:txBody>
+      </p:sp>
+    </p:spTree>
+    <p:extLst>
+      <p:ext uri="{BB962C8B-B14F-4D97-AF65-F5344CB8AC3E}">
+        <p14:creationId xmlns:p14="http://schemas.microsoft.com/office/powerpoint/2010/main" val="2944803404"/>
+      </p:ext>
+    </p:extLst>
+  </p:cSld>
+  <p:clrMapOvr>
+    <a:masterClrMapping/>
+  </p:clrMapOvr>
+</p:notes>
+</file>
+
+<file path=ppt/notesSlides/notesSlide21.xml><?xml version="1.0" encoding="utf-8"?>
+<p:notes xmlns:a="http://schemas.openxmlformats.org/drawingml/2006/main" xmlns:r="http://schemas.openxmlformats.org/officeDocument/2006/relationships" xmlns:p="http://schemas.openxmlformats.org/presentationml/2006/main">
+  <p:cSld>
+    <p:spTree>
+      <p:nvGrpSpPr>
+        <p:cNvPr id="1" name=""/>
+        <p:cNvGrpSpPr/>
+        <p:nvPr/>
+      </p:nvGrpSpPr>
+      <p:grpSpPr>
+        <a:xfrm>
+          <a:off x="0" y="0"/>
+          <a:ext cx="0" cy="0"/>
+          <a:chOff x="0" y="0"/>
+          <a:chExt cx="0" cy="0"/>
+        </a:xfrm>
+      </p:grpSpPr>
+      <p:sp>
+        <p:nvSpPr>
+          <p:cNvPr id="2" name="Slide Image Placeholder 1"/>
+          <p:cNvSpPr>
+            <a:spLocks noGrp="1" noRot="1" noChangeAspect="1"/>
+          </p:cNvSpPr>
+          <p:nvPr>
+            <p:ph type="sldImg"/>
+          </p:nvPr>
+        </p:nvSpPr>
+        <p:spPr/>
+      </p:sp>
+      <p:sp>
+        <p:nvSpPr>
+          <p:cNvPr id="3" name="Notes Placeholder 2"/>
+          <p:cNvSpPr>
+            <a:spLocks noGrp="1"/>
+          </p:cNvSpPr>
+          <p:nvPr>
+            <p:ph type="body" idx="1"/>
+          </p:nvPr>
+        </p:nvSpPr>
+        <p:spPr/>
+        <p:txBody>
+          <a:bodyPr/>
+          <a:lstStyle/>
+          <a:p>
+            <a:r>
+              <a:rPr lang="en-US" dirty="0"/>
+              <a:t>Great!</a:t>
+            </a:r>
+          </a:p>
+        </p:txBody>
+      </p:sp>
+      <p:sp>
+        <p:nvSpPr>
+          <p:cNvPr id="4" name="Slide Number Placeholder 3"/>
+          <p:cNvSpPr>
+            <a:spLocks noGrp="1"/>
+          </p:cNvSpPr>
+          <p:nvPr>
+            <p:ph type="sldNum" sz="quarter" idx="5"/>
+          </p:nvPr>
+        </p:nvSpPr>
+        <p:spPr/>
+        <p:txBody>
+          <a:bodyPr/>
+          <a:lstStyle/>
+          <a:p>
+            <a:fld id="{51ABFE5B-8546-4542-A478-A685AF440246}" type="slidenum">
+              <a:rPr lang="en-US" smtClean="0"/>
+              <a:t>21</a:t>
+            </a:fld>
+            <a:endParaRPr lang="en-US"/>
+          </a:p>
+        </p:txBody>
+      </p:sp>
+    </p:spTree>
+    <p:extLst>
+      <p:ext uri="{BB962C8B-B14F-4D97-AF65-F5344CB8AC3E}">
+        <p14:creationId xmlns:p14="http://schemas.microsoft.com/office/powerpoint/2010/main" val="3419433900"/>
+      </p:ext>
+    </p:extLst>
+  </p:cSld>
+  <p:clrMapOvr>
+    <a:masterClrMapping/>
+  </p:clrMapOvr>
+</p:notes>
+</file>
+
+<file path=ppt/notesSlides/notesSlide22.xml><?xml version="1.0" encoding="utf-8"?>
+<p:notes xmlns:a="http://schemas.openxmlformats.org/drawingml/2006/main" xmlns:r="http://schemas.openxmlformats.org/officeDocument/2006/relationships" xmlns:p="http://schemas.openxmlformats.org/presentationml/2006/main">
+  <p:cSld>
+    <p:spTree>
+      <p:nvGrpSpPr>
+        <p:cNvPr id="1" name=""/>
+        <p:cNvGrpSpPr/>
+        <p:nvPr/>
+      </p:nvGrpSpPr>
+      <p:grpSpPr>
+        <a:xfrm>
+          <a:off x="0" y="0"/>
+          <a:ext cx="0" cy="0"/>
+          <a:chOff x="0" y="0"/>
+          <a:chExt cx="0" cy="0"/>
+        </a:xfrm>
+      </p:grpSpPr>
+      <p:sp>
+        <p:nvSpPr>
+          <p:cNvPr id="2" name="Slide Image Placeholder 1"/>
+          <p:cNvSpPr>
+            <a:spLocks noGrp="1" noRot="1" noChangeAspect="1"/>
+          </p:cNvSpPr>
+          <p:nvPr>
+            <p:ph type="sldImg"/>
+          </p:nvPr>
+        </p:nvSpPr>
+        <p:spPr/>
+      </p:sp>
+      <p:sp>
+        <p:nvSpPr>
+          <p:cNvPr id="3" name="Notes Placeholder 2"/>
+          <p:cNvSpPr>
+            <a:spLocks noGrp="1"/>
+          </p:cNvSpPr>
+          <p:nvPr>
+            <p:ph type="body" idx="1"/>
+          </p:nvPr>
+        </p:nvSpPr>
+        <p:spPr/>
+        <p:txBody>
+          <a:bodyPr/>
+          <a:lstStyle/>
+          <a:p>
+            <a:r>
+              <a:rPr lang="en-US" dirty="0"/>
+              <a:t>So let’s summarize what we saw here. A network which was trained on synthetic data and still outperforms other techniques. </a:t>
+            </a:r>
+          </a:p>
+          <a:p>
+            <a:r>
+              <a:rPr lang="en-US" dirty="0"/>
+              <a:t>A pipeline to produce synthetic training data.</a:t>
+            </a:r>
+          </a:p>
+          <a:p>
+            <a:r>
+              <a:rPr lang="en-US" dirty="0"/>
+              <a:t>A demonstrating that if we feed the estimated noise level we achieve better performance. </a:t>
+            </a:r>
+          </a:p>
+        </p:txBody>
+      </p:sp>
+      <p:sp>
+        <p:nvSpPr>
+          <p:cNvPr id="4" name="Slide Number Placeholder 3"/>
+          <p:cNvSpPr>
+            <a:spLocks noGrp="1"/>
+          </p:cNvSpPr>
+          <p:nvPr>
+            <p:ph type="sldNum" sz="quarter" idx="5"/>
+          </p:nvPr>
+        </p:nvSpPr>
+        <p:spPr/>
+        <p:txBody>
+          <a:bodyPr/>
+          <a:lstStyle/>
+          <a:p>
+            <a:fld id="{51ABFE5B-8546-4542-A478-A685AF440246}" type="slidenum">
+              <a:rPr lang="en-US" smtClean="0"/>
+              <a:t>22</a:t>
+            </a:fld>
+            <a:endParaRPr lang="en-US"/>
+          </a:p>
+        </p:txBody>
+      </p:sp>
+    </p:spTree>
+    <p:extLst>
+      <p:ext uri="{BB962C8B-B14F-4D97-AF65-F5344CB8AC3E}">
+        <p14:creationId xmlns:p14="http://schemas.microsoft.com/office/powerpoint/2010/main" val="1608575156"/>
+      </p:ext>
+    </p:extLst>
+  </p:cSld>
+  <p:clrMapOvr>
+    <a:masterClrMapping/>
+  </p:clrMapOvr>
+</p:notes>
+</file>
+
+<file path=ppt/notesSlides/notesSlide3.xml><?xml version="1.0" encoding="utf-8"?>
+<p:notes xmlns:a="http://schemas.openxmlformats.org/drawingml/2006/main" xmlns:r="http://schemas.openxmlformats.org/officeDocument/2006/relationships" xmlns:p="http://schemas.openxmlformats.org/presentationml/2006/main">
+  <p:cSld>
+    <p:spTree>
+      <p:nvGrpSpPr>
+        <p:cNvPr id="1" name=""/>
+        <p:cNvGrpSpPr/>
+        <p:nvPr/>
+      </p:nvGrpSpPr>
+      <p:grpSpPr>
+        <a:xfrm>
+          <a:off x="0" y="0"/>
+          <a:ext cx="0" cy="0"/>
+          <a:chOff x="0" y="0"/>
+          <a:chExt cx="0" cy="0"/>
+        </a:xfrm>
+      </p:grpSpPr>
+      <p:sp>
+        <p:nvSpPr>
+          <p:cNvPr id="2" name="Slide Image Placeholder 1"/>
+          <p:cNvSpPr>
+            <a:spLocks noGrp="1" noRot="1" noChangeAspect="1"/>
+          </p:cNvSpPr>
+          <p:nvPr>
+            <p:ph type="sldImg"/>
+          </p:nvPr>
+        </p:nvSpPr>
+        <p:spPr/>
+      </p:sp>
+      <p:sp>
+        <p:nvSpPr>
+          <p:cNvPr id="3" name="Notes Placeholder 2"/>
+          <p:cNvSpPr>
+            <a:spLocks noGrp="1"/>
+          </p:cNvSpPr>
+          <p:nvPr>
+            <p:ph type="body" idx="1"/>
+          </p:nvPr>
+        </p:nvSpPr>
+        <p:spPr/>
+        <p:txBody>
+          <a:bodyPr/>
+          <a:lstStyle/>
+          <a:p>
+            <a:r>
+              <a:rPr lang="en-US" dirty="0"/>
+              <a:t>CNN’s or in our case Encoder/Decoder – basically a bunch of convolutional layers stacked together with down-sampling and up-sampling layers. A kind of sorcery called “machine learning” makes the map a noisy image to a noise-less image.  </a:t>
+            </a:r>
+          </a:p>
+        </p:txBody>
+      </p:sp>
+      <p:sp>
+        <p:nvSpPr>
+          <p:cNvPr id="4" name="Slide Number Placeholder 3"/>
+          <p:cNvSpPr>
+            <a:spLocks noGrp="1"/>
+          </p:cNvSpPr>
+          <p:nvPr>
+            <p:ph type="sldNum" sz="quarter" idx="5"/>
+          </p:nvPr>
+        </p:nvSpPr>
+        <p:spPr/>
+        <p:txBody>
+          <a:bodyPr/>
+          <a:lstStyle/>
+          <a:p>
+            <a:fld id="{51ABFE5B-8546-4542-A478-A685AF440246}" type="slidenum">
+              <a:rPr lang="en-US" smtClean="0"/>
+              <a:t>3</a:t>
+            </a:fld>
+            <a:endParaRPr lang="en-US"/>
+          </a:p>
+        </p:txBody>
+      </p:sp>
+    </p:spTree>
+    <p:extLst>
+      <p:ext uri="{BB962C8B-B14F-4D97-AF65-F5344CB8AC3E}">
+        <p14:creationId xmlns:p14="http://schemas.microsoft.com/office/powerpoint/2010/main" val="2296511923"/>
+      </p:ext>
+    </p:extLst>
+  </p:cSld>
+  <p:clrMapOvr>
+    <a:masterClrMapping/>
+  </p:clrMapOvr>
+</p:notes>
+</file>
+
+<file path=ppt/notesSlides/notesSlide4.xml><?xml version="1.0" encoding="utf-8"?>
+<p:notes xmlns:a="http://schemas.openxmlformats.org/drawingml/2006/main" xmlns:r="http://schemas.openxmlformats.org/officeDocument/2006/relationships" xmlns:p="http://schemas.openxmlformats.org/presentationml/2006/main">
+  <p:cSld>
+    <p:spTree>
+      <p:nvGrpSpPr>
+        <p:cNvPr id="1" name=""/>
+        <p:cNvGrpSpPr/>
+        <p:nvPr/>
+      </p:nvGrpSpPr>
+      <p:grpSpPr>
+        <a:xfrm>
+          <a:off x="0" y="0"/>
+          <a:ext cx="0" cy="0"/>
+          <a:chOff x="0" y="0"/>
+          <a:chExt cx="0" cy="0"/>
+        </a:xfrm>
+      </p:grpSpPr>
+      <p:sp>
+        <p:nvSpPr>
+          <p:cNvPr id="2" name="Slide Image Placeholder 1"/>
+          <p:cNvSpPr>
+            <a:spLocks noGrp="1" noRot="1" noChangeAspect="1"/>
+          </p:cNvSpPr>
+          <p:nvPr>
+            <p:ph type="sldImg"/>
+          </p:nvPr>
+        </p:nvSpPr>
+        <p:spPr/>
+      </p:sp>
+      <p:sp>
+        <p:nvSpPr>
+          <p:cNvPr id="3" name="Notes Placeholder 2"/>
+          <p:cNvSpPr>
+            <a:spLocks noGrp="1"/>
+          </p:cNvSpPr>
+          <p:nvPr>
+            <p:ph type="body" idx="1"/>
+          </p:nvPr>
+        </p:nvSpPr>
+        <p:spPr/>
+        <p:txBody>
+          <a:bodyPr/>
+          <a:lstStyle/>
+          <a:p>
+            <a:r>
+              <a:rPr lang="en-US" dirty="0"/>
+              <a:t>I’ll say it again – the CNN learns to map a noisy image to a noiseless image. But! In our case they have a different approach. </a:t>
+            </a:r>
+          </a:p>
+        </p:txBody>
+      </p:sp>
+      <p:sp>
+        <p:nvSpPr>
+          <p:cNvPr id="4" name="Slide Number Placeholder 3"/>
+          <p:cNvSpPr>
+            <a:spLocks noGrp="1"/>
+          </p:cNvSpPr>
+          <p:nvPr>
+            <p:ph type="sldNum" sz="quarter" idx="5"/>
+          </p:nvPr>
+        </p:nvSpPr>
+        <p:spPr/>
+        <p:txBody>
+          <a:bodyPr/>
+          <a:lstStyle/>
+          <a:p>
+            <a:fld id="{51ABFE5B-8546-4542-A478-A685AF440246}" type="slidenum">
+              <a:rPr lang="en-US" smtClean="0"/>
+              <a:t>4</a:t>
+            </a:fld>
+            <a:endParaRPr lang="en-US"/>
+          </a:p>
+        </p:txBody>
+      </p:sp>
+    </p:spTree>
+    <p:extLst>
+      <p:ext uri="{BB962C8B-B14F-4D97-AF65-F5344CB8AC3E}">
+        <p14:creationId xmlns:p14="http://schemas.microsoft.com/office/powerpoint/2010/main" val="1571063443"/>
+      </p:ext>
+    </p:extLst>
+  </p:cSld>
+  <p:clrMapOvr>
+    <a:masterClrMapping/>
+  </p:clrMapOvr>
+</p:notes>
+</file>
+
+<file path=ppt/notesSlides/notesSlide5.xml><?xml version="1.0" encoding="utf-8"?>
+<p:notes xmlns:a="http://schemas.openxmlformats.org/drawingml/2006/main" xmlns:r="http://schemas.openxmlformats.org/officeDocument/2006/relationships" xmlns:p="http://schemas.openxmlformats.org/presentationml/2006/main">
+  <p:cSld>
+    <p:spTree>
+      <p:nvGrpSpPr>
+        <p:cNvPr id="1" name=""/>
+        <p:cNvGrpSpPr/>
+        <p:nvPr/>
+      </p:nvGrpSpPr>
+      <p:grpSpPr>
+        <a:xfrm>
+          <a:off x="0" y="0"/>
+          <a:ext cx="0" cy="0"/>
+          <a:chOff x="0" y="0"/>
+          <a:chExt cx="0" cy="0"/>
+        </a:xfrm>
+      </p:grpSpPr>
+      <p:sp>
+        <p:nvSpPr>
+          <p:cNvPr id="2" name="Slide Image Placeholder 1"/>
+          <p:cNvSpPr>
+            <a:spLocks noGrp="1" noRot="1" noChangeAspect="1"/>
+          </p:cNvSpPr>
+          <p:nvPr>
+            <p:ph type="sldImg"/>
+          </p:nvPr>
+        </p:nvSpPr>
+        <p:spPr/>
+      </p:sp>
+      <p:sp>
+        <p:nvSpPr>
+          <p:cNvPr id="3" name="Notes Placeholder 2"/>
+          <p:cNvSpPr>
+            <a:spLocks noGrp="1"/>
+          </p:cNvSpPr>
+          <p:nvPr>
+            <p:ph type="body" idx="1"/>
+          </p:nvPr>
+        </p:nvSpPr>
+        <p:spPr/>
+        <p:txBody>
+          <a:bodyPr/>
+          <a:lstStyle/>
+          <a:p>
+            <a:r>
+              <a:rPr lang="en-US" dirty="0"/>
+              <a:t>Behold the KNP – Kernel Prediction Network. Instead of learning mappings to noiseless images, it learns mappings to denoising kernels. You give it a burst full of noise and blur, and it will give you kernels (or filters) to fix the image. As you can see here, the Encoder/Decoder predicts kernels for each pixel and for each image of the burst, apply them and sums the results together. </a:t>
+            </a:r>
+          </a:p>
+        </p:txBody>
+      </p:sp>
+      <p:sp>
+        <p:nvSpPr>
+          <p:cNvPr id="4" name="Slide Number Placeholder 3"/>
+          <p:cNvSpPr>
+            <a:spLocks noGrp="1"/>
+          </p:cNvSpPr>
+          <p:nvPr>
+            <p:ph type="sldNum" sz="quarter" idx="5"/>
+          </p:nvPr>
+        </p:nvSpPr>
+        <p:spPr/>
+        <p:txBody>
+          <a:bodyPr/>
+          <a:lstStyle/>
+          <a:p>
+            <a:fld id="{51ABFE5B-8546-4542-A478-A685AF440246}" type="slidenum">
+              <a:rPr lang="en-US" smtClean="0"/>
+              <a:t>5</a:t>
+            </a:fld>
+            <a:endParaRPr lang="en-US"/>
+          </a:p>
+        </p:txBody>
+      </p:sp>
+    </p:spTree>
+    <p:extLst>
+      <p:ext uri="{BB962C8B-B14F-4D97-AF65-F5344CB8AC3E}">
+        <p14:creationId xmlns:p14="http://schemas.microsoft.com/office/powerpoint/2010/main" val="3805981963"/>
+      </p:ext>
+    </p:extLst>
+  </p:cSld>
+  <p:clrMapOvr>
+    <a:masterClrMapping/>
+  </p:clrMapOvr>
+</p:notes>
+</file>
+
+<file path=ppt/notesSlides/notesSlide6.xml><?xml version="1.0" encoding="utf-8"?>
+<p:notes xmlns:a="http://schemas.openxmlformats.org/drawingml/2006/main" xmlns:r="http://schemas.openxmlformats.org/officeDocument/2006/relationships" xmlns:p="http://schemas.openxmlformats.org/presentationml/2006/main">
+  <p:cSld>
+    <p:spTree>
+      <p:nvGrpSpPr>
+        <p:cNvPr id="1" name=""/>
+        <p:cNvGrpSpPr/>
+        <p:nvPr/>
+      </p:nvGrpSpPr>
+      <p:grpSpPr>
+        <a:xfrm>
+          <a:off x="0" y="0"/>
+          <a:ext cx="0" cy="0"/>
+          <a:chOff x="0" y="0"/>
+          <a:chExt cx="0" cy="0"/>
+        </a:xfrm>
+      </p:grpSpPr>
+      <p:sp>
+        <p:nvSpPr>
+          <p:cNvPr id="2" name="Slide Image Placeholder 1"/>
+          <p:cNvSpPr>
+            <a:spLocks noGrp="1" noRot="1" noChangeAspect="1"/>
+          </p:cNvSpPr>
+          <p:nvPr>
+            <p:ph type="sldImg"/>
+          </p:nvPr>
+        </p:nvSpPr>
+        <p:spPr/>
+      </p:sp>
+      <p:sp>
+        <p:nvSpPr>
+          <p:cNvPr id="3" name="Notes Placeholder 2"/>
+          <p:cNvSpPr>
+            <a:spLocks noGrp="1"/>
+          </p:cNvSpPr>
+          <p:nvPr>
+            <p:ph type="body" idx="1"/>
+          </p:nvPr>
+        </p:nvSpPr>
+        <p:spPr/>
+        <p:txBody>
+          <a:bodyPr/>
+          <a:lstStyle/>
+          <a:p>
+            <a:r>
+              <a:rPr lang="en-US" dirty="0"/>
+              <a:t>I’ll say it again – each denoising kernel is per pixel. </a:t>
+            </a:r>
+          </a:p>
+          <a:p>
+            <a:r>
+              <a:rPr lang="en-US" dirty="0"/>
+              <a:t>It’s predicted by extracting patches of the same size as the kernel, and feed them in to the network.</a:t>
+            </a:r>
+          </a:p>
+        </p:txBody>
+      </p:sp>
+      <p:sp>
+        <p:nvSpPr>
+          <p:cNvPr id="4" name="Slide Number Placeholder 3"/>
+          <p:cNvSpPr>
+            <a:spLocks noGrp="1"/>
+          </p:cNvSpPr>
+          <p:nvPr>
+            <p:ph type="sldNum" sz="quarter" idx="5"/>
+          </p:nvPr>
+        </p:nvSpPr>
+        <p:spPr/>
+        <p:txBody>
+          <a:bodyPr/>
+          <a:lstStyle/>
+          <a:p>
+            <a:fld id="{51ABFE5B-8546-4542-A478-A685AF440246}" type="slidenum">
+              <a:rPr lang="en-US" smtClean="0"/>
+              <a:t>6</a:t>
+            </a:fld>
+            <a:endParaRPr lang="en-US"/>
+          </a:p>
+        </p:txBody>
+      </p:sp>
+    </p:spTree>
+    <p:extLst>
+      <p:ext uri="{BB962C8B-B14F-4D97-AF65-F5344CB8AC3E}">
+        <p14:creationId xmlns:p14="http://schemas.microsoft.com/office/powerpoint/2010/main" val="2133651440"/>
+      </p:ext>
+    </p:extLst>
+  </p:cSld>
+  <p:clrMapOvr>
+    <a:masterClrMapping/>
+  </p:clrMapOvr>
+</p:notes>
+</file>
+
+<file path=ppt/notesSlides/notesSlide7.xml><?xml version="1.0" encoding="utf-8"?>
+<p:notes xmlns:a="http://schemas.openxmlformats.org/drawingml/2006/main" xmlns:r="http://schemas.openxmlformats.org/officeDocument/2006/relationships" xmlns:p="http://schemas.openxmlformats.org/presentationml/2006/main">
+  <p:cSld>
+    <p:spTree>
+      <p:nvGrpSpPr>
+        <p:cNvPr id="1" name=""/>
+        <p:cNvGrpSpPr/>
+        <p:nvPr/>
+      </p:nvGrpSpPr>
+      <p:grpSpPr>
+        <a:xfrm>
+          <a:off x="0" y="0"/>
+          <a:ext cx="0" cy="0"/>
+          <a:chOff x="0" y="0"/>
+          <a:chExt cx="0" cy="0"/>
+        </a:xfrm>
+      </p:grpSpPr>
+      <p:sp>
+        <p:nvSpPr>
+          <p:cNvPr id="2" name="Slide Image Placeholder 1"/>
+          <p:cNvSpPr>
+            <a:spLocks noGrp="1" noRot="1" noChangeAspect="1"/>
+          </p:cNvSpPr>
+          <p:nvPr>
+            <p:ph type="sldImg"/>
+          </p:nvPr>
+        </p:nvSpPr>
+        <p:spPr/>
+      </p:sp>
+      <p:sp>
+        <p:nvSpPr>
+          <p:cNvPr id="3" name="Notes Placeholder 2"/>
+          <p:cNvSpPr>
+            <a:spLocks noGrp="1"/>
+          </p:cNvSpPr>
+          <p:nvPr>
+            <p:ph type="body" idx="1"/>
+          </p:nvPr>
+        </p:nvSpPr>
+        <p:spPr/>
+        <p:txBody>
+          <a:bodyPr/>
+          <a:lstStyle/>
+          <a:p>
+            <a:r>
+              <a:rPr lang="en-US" dirty="0"/>
+              <a:t>Here we can see the kernel that were predicted for each patch. Buy the way, one of the images, let’s say the first one is selected as “reference image”. </a:t>
+            </a:r>
+          </a:p>
+        </p:txBody>
+      </p:sp>
+      <p:sp>
+        <p:nvSpPr>
+          <p:cNvPr id="4" name="Slide Number Placeholder 3"/>
+          <p:cNvSpPr>
+            <a:spLocks noGrp="1"/>
+          </p:cNvSpPr>
+          <p:nvPr>
+            <p:ph type="sldNum" sz="quarter" idx="5"/>
+          </p:nvPr>
+        </p:nvSpPr>
+        <p:spPr/>
+        <p:txBody>
+          <a:bodyPr/>
+          <a:lstStyle/>
+          <a:p>
+            <a:fld id="{51ABFE5B-8546-4542-A478-A685AF440246}" type="slidenum">
+              <a:rPr lang="en-US" smtClean="0"/>
+              <a:t>7</a:t>
+            </a:fld>
+            <a:endParaRPr lang="en-US"/>
+          </a:p>
+        </p:txBody>
+      </p:sp>
+    </p:spTree>
+    <p:extLst>
+      <p:ext uri="{BB962C8B-B14F-4D97-AF65-F5344CB8AC3E}">
+        <p14:creationId xmlns:p14="http://schemas.microsoft.com/office/powerpoint/2010/main" val="4066476838"/>
+      </p:ext>
+    </p:extLst>
+  </p:cSld>
+  <p:clrMapOvr>
+    <a:masterClrMapping/>
+  </p:clrMapOvr>
+</p:notes>
+</file>
+
+<file path=ppt/notesSlides/notesSlide8.xml><?xml version="1.0" encoding="utf-8"?>
+<p:notes xmlns:a="http://schemas.openxmlformats.org/drawingml/2006/main" xmlns:r="http://schemas.openxmlformats.org/officeDocument/2006/relationships" xmlns:p="http://schemas.openxmlformats.org/presentationml/2006/main">
+  <p:cSld>
+    <p:spTree>
+      <p:nvGrpSpPr>
+        <p:cNvPr id="1" name=""/>
+        <p:cNvGrpSpPr/>
+        <p:nvPr/>
+      </p:nvGrpSpPr>
+      <p:grpSpPr>
+        <a:xfrm>
+          <a:off x="0" y="0"/>
+          <a:ext cx="0" cy="0"/>
+          <a:chOff x="0" y="0"/>
+          <a:chExt cx="0" cy="0"/>
+        </a:xfrm>
+      </p:grpSpPr>
+      <p:sp>
+        <p:nvSpPr>
+          <p:cNvPr id="2" name="Slide Image Placeholder 1"/>
+          <p:cNvSpPr>
+            <a:spLocks noGrp="1" noRot="1" noChangeAspect="1"/>
+          </p:cNvSpPr>
+          <p:nvPr>
+            <p:ph type="sldImg"/>
+          </p:nvPr>
+        </p:nvSpPr>
+        <p:spPr/>
+      </p:sp>
+      <p:sp>
+        <p:nvSpPr>
+          <p:cNvPr id="3" name="Notes Placeholder 2"/>
+          <p:cNvSpPr>
+            <a:spLocks noGrp="1"/>
+          </p:cNvSpPr>
+          <p:nvPr>
+            <p:ph type="body" idx="1"/>
+          </p:nvPr>
+        </p:nvSpPr>
+        <p:spPr/>
+        <p:txBody>
+          <a:bodyPr/>
+          <a:lstStyle/>
+          <a:p>
+            <a:r>
+              <a:rPr lang="en-US" dirty="0"/>
+              <a:t>Then we just sum all dot products to produce - one – singe – pixel – of the output image. Then just repeat the same process for all pixels in the image and you’re ready to go. </a:t>
+            </a:r>
+          </a:p>
+        </p:txBody>
+      </p:sp>
+      <p:sp>
+        <p:nvSpPr>
+          <p:cNvPr id="4" name="Slide Number Placeholder 3"/>
+          <p:cNvSpPr>
+            <a:spLocks noGrp="1"/>
+          </p:cNvSpPr>
+          <p:nvPr>
+            <p:ph type="sldNum" sz="quarter" idx="5"/>
+          </p:nvPr>
+        </p:nvSpPr>
+        <p:spPr/>
+        <p:txBody>
+          <a:bodyPr/>
+          <a:lstStyle/>
+          <a:p>
+            <a:fld id="{51ABFE5B-8546-4542-A478-A685AF440246}" type="slidenum">
+              <a:rPr lang="en-US" smtClean="0"/>
+              <a:t>8</a:t>
+            </a:fld>
+            <a:endParaRPr lang="en-US"/>
+          </a:p>
+        </p:txBody>
+      </p:sp>
+    </p:spTree>
+    <p:extLst>
+      <p:ext uri="{BB962C8B-B14F-4D97-AF65-F5344CB8AC3E}">
+        <p14:creationId xmlns:p14="http://schemas.microsoft.com/office/powerpoint/2010/main" val="3197203016"/>
+      </p:ext>
+    </p:extLst>
+  </p:cSld>
+  <p:clrMapOvr>
+    <a:masterClrMapping/>
+  </p:clrMapOvr>
+</p:notes>
+</file>
+
+<file path=ppt/notesSlides/notesSlide9.xml><?xml version="1.0" encoding="utf-8"?>
+<p:notes xmlns:a="http://schemas.openxmlformats.org/drawingml/2006/main" xmlns:r="http://schemas.openxmlformats.org/officeDocument/2006/relationships" xmlns:p="http://schemas.openxmlformats.org/presentationml/2006/main">
+  <p:cSld>
+    <p:spTree>
+      <p:nvGrpSpPr>
+        <p:cNvPr id="1" name=""/>
+        <p:cNvGrpSpPr/>
+        <p:nvPr/>
+      </p:nvGrpSpPr>
+      <p:grpSpPr>
+        <a:xfrm>
+          <a:off x="0" y="0"/>
+          <a:ext cx="0" cy="0"/>
+          <a:chOff x="0" y="0"/>
+          <a:chExt cx="0" cy="0"/>
+        </a:xfrm>
+      </p:grpSpPr>
+      <p:sp>
+        <p:nvSpPr>
+          <p:cNvPr id="2" name="Slide Image Placeholder 1"/>
+          <p:cNvSpPr>
+            <a:spLocks noGrp="1" noRot="1" noChangeAspect="1"/>
+          </p:cNvSpPr>
+          <p:nvPr>
+            <p:ph type="sldImg"/>
+          </p:nvPr>
+        </p:nvSpPr>
+        <p:spPr/>
+      </p:sp>
+      <p:sp>
+        <p:nvSpPr>
+          <p:cNvPr id="3" name="Notes Placeholder 2"/>
+          <p:cNvSpPr>
+            <a:spLocks noGrp="1"/>
+          </p:cNvSpPr>
+          <p:nvPr>
+            <p:ph type="body" idx="1"/>
+          </p:nvPr>
+        </p:nvSpPr>
+        <p:spPr/>
+        <p:txBody>
+          <a:bodyPr/>
+          <a:lstStyle/>
+          <a:p>
+            <a:r>
+              <a:rPr lang="en-US" dirty="0"/>
+              <a:t>So why so complex? Actually we can understand things by just looking at the produced kernels. For example the kernel for reference image will be always the same – centered pixel with high value. </a:t>
+            </a:r>
+          </a:p>
+        </p:txBody>
+      </p:sp>
+      <p:sp>
+        <p:nvSpPr>
+          <p:cNvPr id="4" name="Slide Number Placeholder 3"/>
+          <p:cNvSpPr>
+            <a:spLocks noGrp="1"/>
+          </p:cNvSpPr>
+          <p:nvPr>
+            <p:ph type="sldNum" sz="quarter" idx="5"/>
+          </p:nvPr>
+        </p:nvSpPr>
+        <p:spPr/>
+        <p:txBody>
+          <a:bodyPr/>
+          <a:lstStyle/>
+          <a:p>
+            <a:fld id="{51ABFE5B-8546-4542-A478-A685AF440246}" type="slidenum">
+              <a:rPr lang="en-US" smtClean="0"/>
+              <a:t>9</a:t>
+            </a:fld>
+            <a:endParaRPr lang="en-US"/>
+          </a:p>
+        </p:txBody>
+      </p:sp>
+    </p:spTree>
+    <p:extLst>
+      <p:ext uri="{BB962C8B-B14F-4D97-AF65-F5344CB8AC3E}">
+        <p14:creationId xmlns:p14="http://schemas.microsoft.com/office/powerpoint/2010/main" val="2353652223"/>
+      </p:ext>
+    </p:extLst>
+  </p:cSld>
+  <p:clrMapOvr>
+    <a:masterClrMapping/>
+  </p:clrMapOvr>
+</p:notes>
+</file>
+
 <file path=ppt/slideLayouts/slideLayout1.xml><?xml version="1.0" encoding="utf-8"?>
 <p:sldLayout xmlns:a="http://schemas.openxmlformats.org/drawingml/2006/main" xmlns:r="http://schemas.openxmlformats.org/officeDocument/2006/relationships" xmlns:p="http://schemas.openxmlformats.org/presentationml/2006/main" type="title" preserve="1">
   <p:cSld name="Title Slide">
@@ -148,7 +2489,7 @@
           <p:cNvPr id="2" name="Title 1">
             <a:extLst>
               <a:ext uri="{FF2B5EF4-FFF2-40B4-BE49-F238E27FC236}">
-                <a16:creationId xmlns:a16="http://schemas.microsoft.com/office/drawing/2014/main" id="{B8F7597B-FA5A-4EE2-AAF7-50B05DC3A1AB}"/>
+                <a16:creationId xmlns:a16="http://schemas.microsoft.com/office/drawing/2014/main" id="{1FBE1685-1669-43CF-93D8-8070B0033963}"/>
               </a:ext>
             </a:extLst>
           </p:cNvPr>
@@ -185,7 +2526,7 @@
           <p:cNvPr id="3" name="Subtitle 2">
             <a:extLst>
               <a:ext uri="{FF2B5EF4-FFF2-40B4-BE49-F238E27FC236}">
-                <a16:creationId xmlns:a16="http://schemas.microsoft.com/office/drawing/2014/main" id="{229A269F-9CC3-4576-96E9-EE031849CFBC}"/>
+                <a16:creationId xmlns:a16="http://schemas.microsoft.com/office/drawing/2014/main" id="{9D134A79-EED8-4937-BD0C-FA3AACD6DC08}"/>
               </a:ext>
             </a:extLst>
           </p:cNvPr>
@@ -255,7 +2596,7 @@
           <p:cNvPr id="4" name="Date Placeholder 3">
             <a:extLst>
               <a:ext uri="{FF2B5EF4-FFF2-40B4-BE49-F238E27FC236}">
-                <a16:creationId xmlns:a16="http://schemas.microsoft.com/office/drawing/2014/main" id="{A33FE13B-28AC-4581-9D84-9D87E83C3BFE}"/>
+                <a16:creationId xmlns:a16="http://schemas.microsoft.com/office/drawing/2014/main" id="{B8A984AA-B594-410F-8CAD-C567A75EB766}"/>
               </a:ext>
             </a:extLst>
           </p:cNvPr>
@@ -273,7 +2614,7 @@
           <a:p>
             <a:fld id="{3CCBED00-5564-41D1-AC67-095095423CF7}" type="datetimeFigureOut">
               <a:rPr lang="en-US" smtClean="0"/>
-              <a:t>1/12/19</a:t>
+              <a:t>1/13/19</a:t>
             </a:fld>
             <a:endParaRPr lang="en-US"/>
           </a:p>
@@ -284,7 +2625,7 @@
           <p:cNvPr id="5" name="Footer Placeholder 4">
             <a:extLst>
               <a:ext uri="{FF2B5EF4-FFF2-40B4-BE49-F238E27FC236}">
-                <a16:creationId xmlns:a16="http://schemas.microsoft.com/office/drawing/2014/main" id="{30F408F4-A352-43B5-9E08-62098F8A9E16}"/>
+                <a16:creationId xmlns:a16="http://schemas.microsoft.com/office/drawing/2014/main" id="{05B8C8C3-55BC-4727-8BF4-79BAF35D7E07}"/>
               </a:ext>
             </a:extLst>
           </p:cNvPr>
@@ -309,7 +2650,7 @@
           <p:cNvPr id="6" name="Slide Number Placeholder 5">
             <a:extLst>
               <a:ext uri="{FF2B5EF4-FFF2-40B4-BE49-F238E27FC236}">
-                <a16:creationId xmlns:a16="http://schemas.microsoft.com/office/drawing/2014/main" id="{C808A80A-6137-4B2D-B568-D661E01FF8C4}"/>
+                <a16:creationId xmlns:a16="http://schemas.microsoft.com/office/drawing/2014/main" id="{70731459-54A7-4500-B898-95F6F0633758}"/>
               </a:ext>
             </a:extLst>
           </p:cNvPr>
@@ -336,7 +2677,7 @@
     </p:spTree>
     <p:extLst>
       <p:ext uri="{BB962C8B-B14F-4D97-AF65-F5344CB8AC3E}">
-        <p14:creationId xmlns:p14="http://schemas.microsoft.com/office/powerpoint/2010/main" val="2145171868"/>
+        <p14:creationId xmlns:p14="http://schemas.microsoft.com/office/powerpoint/2010/main" val="1256530798"/>
       </p:ext>
     </p:extLst>
   </p:cSld>
@@ -368,7 +2709,7 @@
           <p:cNvPr id="2" name="Title 1">
             <a:extLst>
               <a:ext uri="{FF2B5EF4-FFF2-40B4-BE49-F238E27FC236}">
-                <a16:creationId xmlns:a16="http://schemas.microsoft.com/office/drawing/2014/main" id="{2313D61C-F4EB-4935-AC35-20350C3BBBC0}"/>
+                <a16:creationId xmlns:a16="http://schemas.microsoft.com/office/drawing/2014/main" id="{DB9877D5-00F2-4FC0-9381-918D2A915969}"/>
               </a:ext>
             </a:extLst>
           </p:cNvPr>
@@ -396,7 +2737,7 @@
           <p:cNvPr id="3" name="Vertical Text Placeholder 2">
             <a:extLst>
               <a:ext uri="{FF2B5EF4-FFF2-40B4-BE49-F238E27FC236}">
-                <a16:creationId xmlns:a16="http://schemas.microsoft.com/office/drawing/2014/main" id="{84C9D74F-78D0-4A41-9CAB-79D8F136C49D}"/>
+                <a16:creationId xmlns:a16="http://schemas.microsoft.com/office/drawing/2014/main" id="{EB1FC36A-99BB-4FB8-8D1B-A609252C3BFD}"/>
               </a:ext>
             </a:extLst>
           </p:cNvPr>
@@ -453,7 +2794,7 @@
           <p:cNvPr id="4" name="Date Placeholder 3">
             <a:extLst>
               <a:ext uri="{FF2B5EF4-FFF2-40B4-BE49-F238E27FC236}">
-                <a16:creationId xmlns:a16="http://schemas.microsoft.com/office/drawing/2014/main" id="{AD5C4D0D-C361-47DA-8FF2-819EB6AD7E4E}"/>
+                <a16:creationId xmlns:a16="http://schemas.microsoft.com/office/drawing/2014/main" id="{25A016B1-8157-4E77-BFF0-5D0674580974}"/>
               </a:ext>
             </a:extLst>
           </p:cNvPr>
@@ -471,7 +2812,7 @@
           <a:p>
             <a:fld id="{3CCBED00-5564-41D1-AC67-095095423CF7}" type="datetimeFigureOut">
               <a:rPr lang="en-US" smtClean="0"/>
-              <a:t>1/12/19</a:t>
+              <a:t>1/13/19</a:t>
             </a:fld>
             <a:endParaRPr lang="en-US"/>
           </a:p>
@@ -482,7 +2823,7 @@
           <p:cNvPr id="5" name="Footer Placeholder 4">
             <a:extLst>
               <a:ext uri="{FF2B5EF4-FFF2-40B4-BE49-F238E27FC236}">
-                <a16:creationId xmlns:a16="http://schemas.microsoft.com/office/drawing/2014/main" id="{E0BED622-76E6-44D1-9EBE-19BF84A9631E}"/>
+                <a16:creationId xmlns:a16="http://schemas.microsoft.com/office/drawing/2014/main" id="{7E1CCD48-A000-44CB-8744-04FF48630184}"/>
               </a:ext>
             </a:extLst>
           </p:cNvPr>
@@ -507,7 +2848,7 @@
           <p:cNvPr id="6" name="Slide Number Placeholder 5">
             <a:extLst>
               <a:ext uri="{FF2B5EF4-FFF2-40B4-BE49-F238E27FC236}">
-                <a16:creationId xmlns:a16="http://schemas.microsoft.com/office/drawing/2014/main" id="{D4144486-1E43-4BB3-B56A-1F8F13C98BEE}"/>
+                <a16:creationId xmlns:a16="http://schemas.microsoft.com/office/drawing/2014/main" id="{04CB75FE-D236-4729-85B8-E27FAF492D7F}"/>
               </a:ext>
             </a:extLst>
           </p:cNvPr>
@@ -534,7 +2875,7 @@
     </p:spTree>
     <p:extLst>
       <p:ext uri="{BB962C8B-B14F-4D97-AF65-F5344CB8AC3E}">
-        <p14:creationId xmlns:p14="http://schemas.microsoft.com/office/powerpoint/2010/main" val="2372387261"/>
+        <p14:creationId xmlns:p14="http://schemas.microsoft.com/office/powerpoint/2010/main" val="1449151657"/>
       </p:ext>
     </p:extLst>
   </p:cSld>
@@ -566,7 +2907,7 @@
           <p:cNvPr id="2" name="Vertical Title 1">
             <a:extLst>
               <a:ext uri="{FF2B5EF4-FFF2-40B4-BE49-F238E27FC236}">
-                <a16:creationId xmlns:a16="http://schemas.microsoft.com/office/drawing/2014/main" id="{0CA9AEBB-3663-45B1-9657-109ED760D95F}"/>
+                <a16:creationId xmlns:a16="http://schemas.microsoft.com/office/drawing/2014/main" id="{C695D12D-EF15-4BF3-9269-70523DC78113}"/>
               </a:ext>
             </a:extLst>
           </p:cNvPr>
@@ -599,7 +2940,7 @@
           <p:cNvPr id="3" name="Vertical Text Placeholder 2">
             <a:extLst>
               <a:ext uri="{FF2B5EF4-FFF2-40B4-BE49-F238E27FC236}">
-                <a16:creationId xmlns:a16="http://schemas.microsoft.com/office/drawing/2014/main" id="{55787529-846F-4619-B7A1-13401EB3074E}"/>
+                <a16:creationId xmlns:a16="http://schemas.microsoft.com/office/drawing/2014/main" id="{9756ED7A-044D-40BF-B0C2-4A2DBAB01E25}"/>
               </a:ext>
             </a:extLst>
           </p:cNvPr>
@@ -661,7 +3002,7 @@
           <p:cNvPr id="4" name="Date Placeholder 3">
             <a:extLst>
               <a:ext uri="{FF2B5EF4-FFF2-40B4-BE49-F238E27FC236}">
-                <a16:creationId xmlns:a16="http://schemas.microsoft.com/office/drawing/2014/main" id="{64B70B38-8EA6-43CC-98FB-BA0C2702BA30}"/>
+                <a16:creationId xmlns:a16="http://schemas.microsoft.com/office/drawing/2014/main" id="{D05E1F24-6542-4B11-B988-04CCAE0C9369}"/>
               </a:ext>
             </a:extLst>
           </p:cNvPr>
@@ -679,7 +3020,7 @@
           <a:p>
             <a:fld id="{3CCBED00-5564-41D1-AC67-095095423CF7}" type="datetimeFigureOut">
               <a:rPr lang="en-US" smtClean="0"/>
-              <a:t>1/12/19</a:t>
+              <a:t>1/13/19</a:t>
             </a:fld>
             <a:endParaRPr lang="en-US"/>
           </a:p>
@@ -690,7 +3031,7 @@
           <p:cNvPr id="5" name="Footer Placeholder 4">
             <a:extLst>
               <a:ext uri="{FF2B5EF4-FFF2-40B4-BE49-F238E27FC236}">
-                <a16:creationId xmlns:a16="http://schemas.microsoft.com/office/drawing/2014/main" id="{A3822D02-5718-4A6C-8242-1E3D8093B3D3}"/>
+                <a16:creationId xmlns:a16="http://schemas.microsoft.com/office/drawing/2014/main" id="{57C5CE9C-A3DE-40C0-890C-14B31776CE1E}"/>
               </a:ext>
             </a:extLst>
           </p:cNvPr>
@@ -715,7 +3056,7 @@
           <p:cNvPr id="6" name="Slide Number Placeholder 5">
             <a:extLst>
               <a:ext uri="{FF2B5EF4-FFF2-40B4-BE49-F238E27FC236}">
-                <a16:creationId xmlns:a16="http://schemas.microsoft.com/office/drawing/2014/main" id="{F156C6F4-892A-470B-BFB7-6C6A6B6E820D}"/>
+                <a16:creationId xmlns:a16="http://schemas.microsoft.com/office/drawing/2014/main" id="{6EF96266-53C4-4CC0-A466-AEFDEE6FD55C}"/>
               </a:ext>
             </a:extLst>
           </p:cNvPr>
@@ -742,7 +3083,7 @@
     </p:spTree>
     <p:extLst>
       <p:ext uri="{BB962C8B-B14F-4D97-AF65-F5344CB8AC3E}">
-        <p14:creationId xmlns:p14="http://schemas.microsoft.com/office/powerpoint/2010/main" val="4032093895"/>
+        <p14:creationId xmlns:p14="http://schemas.microsoft.com/office/powerpoint/2010/main" val="136631726"/>
       </p:ext>
     </p:extLst>
   </p:cSld>
@@ -774,7 +3115,7 @@
           <p:cNvPr id="2" name="Title 1">
             <a:extLst>
               <a:ext uri="{FF2B5EF4-FFF2-40B4-BE49-F238E27FC236}">
-                <a16:creationId xmlns:a16="http://schemas.microsoft.com/office/drawing/2014/main" id="{CDBB8F5E-EDD3-4847-B8F3-6D9FA81AD871}"/>
+                <a16:creationId xmlns:a16="http://schemas.microsoft.com/office/drawing/2014/main" id="{40A5409B-C116-4571-A586-A336D7C34CB3}"/>
               </a:ext>
             </a:extLst>
           </p:cNvPr>
@@ -802,7 +3143,7 @@
           <p:cNvPr id="3" name="Content Placeholder 2">
             <a:extLst>
               <a:ext uri="{FF2B5EF4-FFF2-40B4-BE49-F238E27FC236}">
-                <a16:creationId xmlns:a16="http://schemas.microsoft.com/office/drawing/2014/main" id="{48C88B89-0116-4B7E-AF98-2B746619627B}"/>
+                <a16:creationId xmlns:a16="http://schemas.microsoft.com/office/drawing/2014/main" id="{F0E16971-6C07-4726-9635-2F5DFFB141A5}"/>
               </a:ext>
             </a:extLst>
           </p:cNvPr>
@@ -859,7 +3200,7 @@
           <p:cNvPr id="4" name="Date Placeholder 3">
             <a:extLst>
               <a:ext uri="{FF2B5EF4-FFF2-40B4-BE49-F238E27FC236}">
-                <a16:creationId xmlns:a16="http://schemas.microsoft.com/office/drawing/2014/main" id="{70CFDD8F-0977-40AF-8763-BDC4B062CF50}"/>
+                <a16:creationId xmlns:a16="http://schemas.microsoft.com/office/drawing/2014/main" id="{ADD70976-2374-4C27-AD30-05BEA4280AFE}"/>
               </a:ext>
             </a:extLst>
           </p:cNvPr>
@@ -877,7 +3218,7 @@
           <a:p>
             <a:fld id="{3CCBED00-5564-41D1-AC67-095095423CF7}" type="datetimeFigureOut">
               <a:rPr lang="en-US" smtClean="0"/>
-              <a:t>1/12/19</a:t>
+              <a:t>1/13/19</a:t>
             </a:fld>
             <a:endParaRPr lang="en-US"/>
           </a:p>
@@ -888,7 +3229,7 @@
           <p:cNvPr id="5" name="Footer Placeholder 4">
             <a:extLst>
               <a:ext uri="{FF2B5EF4-FFF2-40B4-BE49-F238E27FC236}">
-                <a16:creationId xmlns:a16="http://schemas.microsoft.com/office/drawing/2014/main" id="{185FADDC-61C5-487D-8478-6B8D23116F14}"/>
+                <a16:creationId xmlns:a16="http://schemas.microsoft.com/office/drawing/2014/main" id="{DE8205C6-A122-47EA-A670-D26AE715DE97}"/>
               </a:ext>
             </a:extLst>
           </p:cNvPr>
@@ -913,7 +3254,7 @@
           <p:cNvPr id="6" name="Slide Number Placeholder 5">
             <a:extLst>
               <a:ext uri="{FF2B5EF4-FFF2-40B4-BE49-F238E27FC236}">
-                <a16:creationId xmlns:a16="http://schemas.microsoft.com/office/drawing/2014/main" id="{3DD4FD5F-30B9-4513-9D8F-7FB41DBFD22B}"/>
+                <a16:creationId xmlns:a16="http://schemas.microsoft.com/office/drawing/2014/main" id="{D29620A3-4695-4828-A783-3290ADEFA0A0}"/>
               </a:ext>
             </a:extLst>
           </p:cNvPr>
@@ -940,7 +3281,7 @@
     </p:spTree>
     <p:extLst>
       <p:ext uri="{BB962C8B-B14F-4D97-AF65-F5344CB8AC3E}">
-        <p14:creationId xmlns:p14="http://schemas.microsoft.com/office/powerpoint/2010/main" val="455272561"/>
+        <p14:creationId xmlns:p14="http://schemas.microsoft.com/office/powerpoint/2010/main" val="1500923041"/>
       </p:ext>
     </p:extLst>
   </p:cSld>
@@ -972,7 +3313,7 @@
           <p:cNvPr id="2" name="Title 1">
             <a:extLst>
               <a:ext uri="{FF2B5EF4-FFF2-40B4-BE49-F238E27FC236}">
-                <a16:creationId xmlns:a16="http://schemas.microsoft.com/office/drawing/2014/main" id="{6374E7A1-1898-4D6F-80DF-7B4312CFC0AF}"/>
+                <a16:creationId xmlns:a16="http://schemas.microsoft.com/office/drawing/2014/main" id="{F419837E-1947-4BBC-8851-6582775F842C}"/>
               </a:ext>
             </a:extLst>
           </p:cNvPr>
@@ -1009,7 +3350,7 @@
           <p:cNvPr id="3" name="Text Placeholder 2">
             <a:extLst>
               <a:ext uri="{FF2B5EF4-FFF2-40B4-BE49-F238E27FC236}">
-                <a16:creationId xmlns:a16="http://schemas.microsoft.com/office/drawing/2014/main" id="{52906F37-9907-4805-A5A1-81D2CCEB4A20}"/>
+                <a16:creationId xmlns:a16="http://schemas.microsoft.com/office/drawing/2014/main" id="{D32EA3BD-953D-4A2E-BC11-521585AEB68A}"/>
               </a:ext>
             </a:extLst>
           </p:cNvPr>
@@ -1134,7 +3475,7 @@
           <p:cNvPr id="4" name="Date Placeholder 3">
             <a:extLst>
               <a:ext uri="{FF2B5EF4-FFF2-40B4-BE49-F238E27FC236}">
-                <a16:creationId xmlns:a16="http://schemas.microsoft.com/office/drawing/2014/main" id="{E38DB403-33FB-41FB-B7E0-18C4CE7F65AF}"/>
+                <a16:creationId xmlns:a16="http://schemas.microsoft.com/office/drawing/2014/main" id="{9300D459-9F82-466C-AF9C-FCBD86C0E9BD}"/>
               </a:ext>
             </a:extLst>
           </p:cNvPr>
@@ -1152,7 +3493,7 @@
           <a:p>
             <a:fld id="{3CCBED00-5564-41D1-AC67-095095423CF7}" type="datetimeFigureOut">
               <a:rPr lang="en-US" smtClean="0"/>
-              <a:t>1/12/19</a:t>
+              <a:t>1/13/19</a:t>
             </a:fld>
             <a:endParaRPr lang="en-US"/>
           </a:p>
@@ -1163,7 +3504,7 @@
           <p:cNvPr id="5" name="Footer Placeholder 4">
             <a:extLst>
               <a:ext uri="{FF2B5EF4-FFF2-40B4-BE49-F238E27FC236}">
-                <a16:creationId xmlns:a16="http://schemas.microsoft.com/office/drawing/2014/main" id="{C9744F7C-687C-4F89-A824-1F629A335239}"/>
+                <a16:creationId xmlns:a16="http://schemas.microsoft.com/office/drawing/2014/main" id="{140994BB-AF82-4C6F-BDE6-180092B78F49}"/>
               </a:ext>
             </a:extLst>
           </p:cNvPr>
@@ -1188,7 +3529,7 @@
           <p:cNvPr id="6" name="Slide Number Placeholder 5">
             <a:extLst>
               <a:ext uri="{FF2B5EF4-FFF2-40B4-BE49-F238E27FC236}">
-                <a16:creationId xmlns:a16="http://schemas.microsoft.com/office/drawing/2014/main" id="{DE2B3414-AFD5-43F2-9A3F-C938A453C645}"/>
+                <a16:creationId xmlns:a16="http://schemas.microsoft.com/office/drawing/2014/main" id="{25AA85FB-0653-4C55-913C-EAA51D425D2F}"/>
               </a:ext>
             </a:extLst>
           </p:cNvPr>
@@ -1215,7 +3556,7 @@
     </p:spTree>
     <p:extLst>
       <p:ext uri="{BB962C8B-B14F-4D97-AF65-F5344CB8AC3E}">
-        <p14:creationId xmlns:p14="http://schemas.microsoft.com/office/powerpoint/2010/main" val="3007885509"/>
+        <p14:creationId xmlns:p14="http://schemas.microsoft.com/office/powerpoint/2010/main" val="3958155286"/>
       </p:ext>
     </p:extLst>
   </p:cSld>
@@ -1247,7 +3588,7 @@
           <p:cNvPr id="2" name="Title 1">
             <a:extLst>
               <a:ext uri="{FF2B5EF4-FFF2-40B4-BE49-F238E27FC236}">
-                <a16:creationId xmlns:a16="http://schemas.microsoft.com/office/drawing/2014/main" id="{4C503581-BF9A-48AE-85E3-D2B3928501E6}"/>
+                <a16:creationId xmlns:a16="http://schemas.microsoft.com/office/drawing/2014/main" id="{DBDBF10D-C563-4A22-832C-C22BCB5DB636}"/>
               </a:ext>
             </a:extLst>
           </p:cNvPr>
@@ -1275,7 +3616,7 @@
           <p:cNvPr id="3" name="Content Placeholder 2">
             <a:extLst>
               <a:ext uri="{FF2B5EF4-FFF2-40B4-BE49-F238E27FC236}">
-                <a16:creationId xmlns:a16="http://schemas.microsoft.com/office/drawing/2014/main" id="{7533CE0C-967D-4712-B997-200CB4F1AE2F}"/>
+                <a16:creationId xmlns:a16="http://schemas.microsoft.com/office/drawing/2014/main" id="{63098F97-5721-4A0D-9C64-80D022F3A937}"/>
               </a:ext>
             </a:extLst>
           </p:cNvPr>
@@ -1337,7 +3678,7 @@
           <p:cNvPr id="4" name="Content Placeholder 3">
             <a:extLst>
               <a:ext uri="{FF2B5EF4-FFF2-40B4-BE49-F238E27FC236}">
-                <a16:creationId xmlns:a16="http://schemas.microsoft.com/office/drawing/2014/main" id="{3BA169A3-C886-4E40-97CF-707CA11697C3}"/>
+                <a16:creationId xmlns:a16="http://schemas.microsoft.com/office/drawing/2014/main" id="{CA45BEA6-F2B6-42BC-8FB9-EDF880743C6B}"/>
               </a:ext>
             </a:extLst>
           </p:cNvPr>
@@ -1399,7 +3740,7 @@
           <p:cNvPr id="5" name="Date Placeholder 4">
             <a:extLst>
               <a:ext uri="{FF2B5EF4-FFF2-40B4-BE49-F238E27FC236}">
-                <a16:creationId xmlns:a16="http://schemas.microsoft.com/office/drawing/2014/main" id="{170E8017-574B-4D8D-883D-64396CF1C63F}"/>
+                <a16:creationId xmlns:a16="http://schemas.microsoft.com/office/drawing/2014/main" id="{964DD622-0442-4B50-9381-3A46D15DCA66}"/>
               </a:ext>
             </a:extLst>
           </p:cNvPr>
@@ -1417,7 +3758,7 @@
           <a:p>
             <a:fld id="{3CCBED00-5564-41D1-AC67-095095423CF7}" type="datetimeFigureOut">
               <a:rPr lang="en-US" smtClean="0"/>
-              <a:t>1/12/19</a:t>
+              <a:t>1/13/19</a:t>
             </a:fld>
             <a:endParaRPr lang="en-US"/>
           </a:p>
@@ -1428,7 +3769,7 @@
           <p:cNvPr id="6" name="Footer Placeholder 5">
             <a:extLst>
               <a:ext uri="{FF2B5EF4-FFF2-40B4-BE49-F238E27FC236}">
-                <a16:creationId xmlns:a16="http://schemas.microsoft.com/office/drawing/2014/main" id="{120F3AAD-CB6A-4B73-9AAB-FEC02A127F31}"/>
+                <a16:creationId xmlns:a16="http://schemas.microsoft.com/office/drawing/2014/main" id="{5822CD40-889A-4260-A532-CF9D1D840D19}"/>
               </a:ext>
             </a:extLst>
           </p:cNvPr>
@@ -1453,7 +3794,7 @@
           <p:cNvPr id="7" name="Slide Number Placeholder 6">
             <a:extLst>
               <a:ext uri="{FF2B5EF4-FFF2-40B4-BE49-F238E27FC236}">
-                <a16:creationId xmlns:a16="http://schemas.microsoft.com/office/drawing/2014/main" id="{1C2DB4EE-8EF2-4A9D-AE1D-90C2CEF23427}"/>
+                <a16:creationId xmlns:a16="http://schemas.microsoft.com/office/drawing/2014/main" id="{3EE70CDE-F4F6-47F4-A7C3-5AAA1EC6AABE}"/>
               </a:ext>
             </a:extLst>
           </p:cNvPr>
@@ -1480,7 +3821,7 @@
     </p:spTree>
     <p:extLst>
       <p:ext uri="{BB962C8B-B14F-4D97-AF65-F5344CB8AC3E}">
-        <p14:creationId xmlns:p14="http://schemas.microsoft.com/office/powerpoint/2010/main" val="2120201438"/>
+        <p14:creationId xmlns:p14="http://schemas.microsoft.com/office/powerpoint/2010/main" val="1044323752"/>
       </p:ext>
     </p:extLst>
   </p:cSld>
@@ -1512,7 +3853,7 @@
           <p:cNvPr id="2" name="Title 1">
             <a:extLst>
               <a:ext uri="{FF2B5EF4-FFF2-40B4-BE49-F238E27FC236}">
-                <a16:creationId xmlns:a16="http://schemas.microsoft.com/office/drawing/2014/main" id="{C4E7E13A-E9A3-4505-89DE-F914C735C880}"/>
+                <a16:creationId xmlns:a16="http://schemas.microsoft.com/office/drawing/2014/main" id="{BEDD5A47-71E5-426D-B141-0D2725A5D872}"/>
               </a:ext>
             </a:extLst>
           </p:cNvPr>
@@ -1545,7 +3886,7 @@
           <p:cNvPr id="3" name="Text Placeholder 2">
             <a:extLst>
               <a:ext uri="{FF2B5EF4-FFF2-40B4-BE49-F238E27FC236}">
-                <a16:creationId xmlns:a16="http://schemas.microsoft.com/office/drawing/2014/main" id="{42825697-9089-4B8A-8823-272C24201981}"/>
+                <a16:creationId xmlns:a16="http://schemas.microsoft.com/office/drawing/2014/main" id="{57A436EE-112F-4B06-A464-6FD77E3D39DB}"/>
               </a:ext>
             </a:extLst>
           </p:cNvPr>
@@ -1616,7 +3957,7 @@
           <p:cNvPr id="4" name="Content Placeholder 3">
             <a:extLst>
               <a:ext uri="{FF2B5EF4-FFF2-40B4-BE49-F238E27FC236}">
-                <a16:creationId xmlns:a16="http://schemas.microsoft.com/office/drawing/2014/main" id="{6FA5E037-EAEC-40BB-81CD-E733926341F9}"/>
+                <a16:creationId xmlns:a16="http://schemas.microsoft.com/office/drawing/2014/main" id="{BF5F18D7-7DD5-4C86-876E-AF4ECDD96987}"/>
               </a:ext>
             </a:extLst>
           </p:cNvPr>
@@ -1678,7 +4019,7 @@
           <p:cNvPr id="5" name="Text Placeholder 4">
             <a:extLst>
               <a:ext uri="{FF2B5EF4-FFF2-40B4-BE49-F238E27FC236}">
-                <a16:creationId xmlns:a16="http://schemas.microsoft.com/office/drawing/2014/main" id="{0A5A6FA7-184D-4166-A52E-3EFFD3139D1B}"/>
+                <a16:creationId xmlns:a16="http://schemas.microsoft.com/office/drawing/2014/main" id="{C4026396-14B7-48A1-AED5-E80D27C9742A}"/>
               </a:ext>
             </a:extLst>
           </p:cNvPr>
@@ -1749,7 +4090,7 @@
           <p:cNvPr id="6" name="Content Placeholder 5">
             <a:extLst>
               <a:ext uri="{FF2B5EF4-FFF2-40B4-BE49-F238E27FC236}">
-                <a16:creationId xmlns:a16="http://schemas.microsoft.com/office/drawing/2014/main" id="{E1B45AAD-C781-406F-BB15-99E938783EB5}"/>
+                <a16:creationId xmlns:a16="http://schemas.microsoft.com/office/drawing/2014/main" id="{7D8BE71B-C5FF-40EA-90C3-11D9958428FC}"/>
               </a:ext>
             </a:extLst>
           </p:cNvPr>
@@ -1811,7 +4152,7 @@
           <p:cNvPr id="7" name="Date Placeholder 6">
             <a:extLst>
               <a:ext uri="{FF2B5EF4-FFF2-40B4-BE49-F238E27FC236}">
-                <a16:creationId xmlns:a16="http://schemas.microsoft.com/office/drawing/2014/main" id="{AD857CA6-F74B-4295-8E22-8D6FCB6736AD}"/>
+                <a16:creationId xmlns:a16="http://schemas.microsoft.com/office/drawing/2014/main" id="{CBC31132-F192-4803-914A-4EABDFB2029C}"/>
               </a:ext>
             </a:extLst>
           </p:cNvPr>
@@ -1829,7 +4170,7 @@
           <a:p>
             <a:fld id="{3CCBED00-5564-41D1-AC67-095095423CF7}" type="datetimeFigureOut">
               <a:rPr lang="en-US" smtClean="0"/>
-              <a:t>1/12/19</a:t>
+              <a:t>1/13/19</a:t>
             </a:fld>
             <a:endParaRPr lang="en-US"/>
           </a:p>
@@ -1840,7 +4181,7 @@
           <p:cNvPr id="8" name="Footer Placeholder 7">
             <a:extLst>
               <a:ext uri="{FF2B5EF4-FFF2-40B4-BE49-F238E27FC236}">
-                <a16:creationId xmlns:a16="http://schemas.microsoft.com/office/drawing/2014/main" id="{DA2A5DB5-6779-4C85-8C7C-DB7F1979BE1C}"/>
+                <a16:creationId xmlns:a16="http://schemas.microsoft.com/office/drawing/2014/main" id="{DA758AD8-7246-44BF-B629-7BBECB656D0E}"/>
               </a:ext>
             </a:extLst>
           </p:cNvPr>
@@ -1865,7 +4206,7 @@
           <p:cNvPr id="9" name="Slide Number Placeholder 8">
             <a:extLst>
               <a:ext uri="{FF2B5EF4-FFF2-40B4-BE49-F238E27FC236}">
-                <a16:creationId xmlns:a16="http://schemas.microsoft.com/office/drawing/2014/main" id="{365F1ECB-29E6-42EB-8DE9-690875F54A5A}"/>
+                <a16:creationId xmlns:a16="http://schemas.microsoft.com/office/drawing/2014/main" id="{233E4800-D4DD-45A9-900C-D2BB07FFA12C}"/>
               </a:ext>
             </a:extLst>
           </p:cNvPr>
@@ -1892,7 +4233,7 @@
     </p:spTree>
     <p:extLst>
       <p:ext uri="{BB962C8B-B14F-4D97-AF65-F5344CB8AC3E}">
-        <p14:creationId xmlns:p14="http://schemas.microsoft.com/office/powerpoint/2010/main" val="46237908"/>
+        <p14:creationId xmlns:p14="http://schemas.microsoft.com/office/powerpoint/2010/main" val="614407857"/>
       </p:ext>
     </p:extLst>
   </p:cSld>
@@ -1924,7 +4265,7 @@
           <p:cNvPr id="2" name="Title 1">
             <a:extLst>
               <a:ext uri="{FF2B5EF4-FFF2-40B4-BE49-F238E27FC236}">
-                <a16:creationId xmlns:a16="http://schemas.microsoft.com/office/drawing/2014/main" id="{C98E55C9-7F38-4188-A522-B7C7CF501EA8}"/>
+                <a16:creationId xmlns:a16="http://schemas.microsoft.com/office/drawing/2014/main" id="{4DB52507-EFB4-4C6F-88AC-2FF0F8F269EB}"/>
               </a:ext>
             </a:extLst>
           </p:cNvPr>
@@ -1952,7 +4293,7 @@
           <p:cNvPr id="3" name="Date Placeholder 2">
             <a:extLst>
               <a:ext uri="{FF2B5EF4-FFF2-40B4-BE49-F238E27FC236}">
-                <a16:creationId xmlns:a16="http://schemas.microsoft.com/office/drawing/2014/main" id="{69EB865F-D02B-4FAD-A4F0-510837F79501}"/>
+                <a16:creationId xmlns:a16="http://schemas.microsoft.com/office/drawing/2014/main" id="{76BA700D-A15C-4061-B40F-19EADB2C93F9}"/>
               </a:ext>
             </a:extLst>
           </p:cNvPr>
@@ -1970,7 +4311,7 @@
           <a:p>
             <a:fld id="{3CCBED00-5564-41D1-AC67-095095423CF7}" type="datetimeFigureOut">
               <a:rPr lang="en-US" smtClean="0"/>
-              <a:t>1/12/19</a:t>
+              <a:t>1/13/19</a:t>
             </a:fld>
             <a:endParaRPr lang="en-US"/>
           </a:p>
@@ -1981,7 +4322,7 @@
           <p:cNvPr id="4" name="Footer Placeholder 3">
             <a:extLst>
               <a:ext uri="{FF2B5EF4-FFF2-40B4-BE49-F238E27FC236}">
-                <a16:creationId xmlns:a16="http://schemas.microsoft.com/office/drawing/2014/main" id="{5EBEC219-D34F-4EC8-AC55-B91561D5988B}"/>
+                <a16:creationId xmlns:a16="http://schemas.microsoft.com/office/drawing/2014/main" id="{D6DFDA63-BE24-41C3-BC52-01DBAB08CF07}"/>
               </a:ext>
             </a:extLst>
           </p:cNvPr>
@@ -2006,7 +4347,7 @@
           <p:cNvPr id="5" name="Slide Number Placeholder 4">
             <a:extLst>
               <a:ext uri="{FF2B5EF4-FFF2-40B4-BE49-F238E27FC236}">
-                <a16:creationId xmlns:a16="http://schemas.microsoft.com/office/drawing/2014/main" id="{32334EE2-F7E2-4732-8EB7-BF19CCE9F44D}"/>
+                <a16:creationId xmlns:a16="http://schemas.microsoft.com/office/drawing/2014/main" id="{678F24AC-C9C9-4EF5-A39B-FC2A9E0053CB}"/>
               </a:ext>
             </a:extLst>
           </p:cNvPr>
@@ -2033,7 +4374,7 @@
     </p:spTree>
     <p:extLst>
       <p:ext uri="{BB962C8B-B14F-4D97-AF65-F5344CB8AC3E}">
-        <p14:creationId xmlns:p14="http://schemas.microsoft.com/office/powerpoint/2010/main" val="688365804"/>
+        <p14:creationId xmlns:p14="http://schemas.microsoft.com/office/powerpoint/2010/main" val="3848855391"/>
       </p:ext>
     </p:extLst>
   </p:cSld>
@@ -2065,7 +4406,7 @@
           <p:cNvPr id="2" name="Date Placeholder 1">
             <a:extLst>
               <a:ext uri="{FF2B5EF4-FFF2-40B4-BE49-F238E27FC236}">
-                <a16:creationId xmlns:a16="http://schemas.microsoft.com/office/drawing/2014/main" id="{96A6182E-18FC-4999-A4F4-BF1A83745074}"/>
+                <a16:creationId xmlns:a16="http://schemas.microsoft.com/office/drawing/2014/main" id="{E96800E7-143D-45E4-98F6-8FD1DAFC26CA}"/>
               </a:ext>
             </a:extLst>
           </p:cNvPr>
@@ -2083,7 +4424,7 @@
           <a:p>
             <a:fld id="{3CCBED00-5564-41D1-AC67-095095423CF7}" type="datetimeFigureOut">
               <a:rPr lang="en-US" smtClean="0"/>
-              <a:t>1/12/19</a:t>
+              <a:t>1/13/19</a:t>
             </a:fld>
             <a:endParaRPr lang="en-US"/>
           </a:p>
@@ -2094,7 +4435,7 @@
           <p:cNvPr id="3" name="Footer Placeholder 2">
             <a:extLst>
               <a:ext uri="{FF2B5EF4-FFF2-40B4-BE49-F238E27FC236}">
-                <a16:creationId xmlns:a16="http://schemas.microsoft.com/office/drawing/2014/main" id="{FF06F9D6-F6D7-45F4-972C-EA778FEC5590}"/>
+                <a16:creationId xmlns:a16="http://schemas.microsoft.com/office/drawing/2014/main" id="{BCD3157F-4325-44E9-8CA2-20C1A06188F4}"/>
               </a:ext>
             </a:extLst>
           </p:cNvPr>
@@ -2119,7 +4460,7 @@
           <p:cNvPr id="4" name="Slide Number Placeholder 3">
             <a:extLst>
               <a:ext uri="{FF2B5EF4-FFF2-40B4-BE49-F238E27FC236}">
-                <a16:creationId xmlns:a16="http://schemas.microsoft.com/office/drawing/2014/main" id="{9BD9EFF0-CA69-45D2-A1B6-8D0125826439}"/>
+                <a16:creationId xmlns:a16="http://schemas.microsoft.com/office/drawing/2014/main" id="{725932A5-443F-44AD-A0D5-F03F1E81F8A1}"/>
               </a:ext>
             </a:extLst>
           </p:cNvPr>
@@ -2146,7 +4487,7 @@
     </p:spTree>
     <p:extLst>
       <p:ext uri="{BB962C8B-B14F-4D97-AF65-F5344CB8AC3E}">
-        <p14:creationId xmlns:p14="http://schemas.microsoft.com/office/powerpoint/2010/main" val="4182536009"/>
+        <p14:creationId xmlns:p14="http://schemas.microsoft.com/office/powerpoint/2010/main" val="2139427118"/>
       </p:ext>
     </p:extLst>
   </p:cSld>
@@ -2178,7 +4519,7 @@
           <p:cNvPr id="2" name="Title 1">
             <a:extLst>
               <a:ext uri="{FF2B5EF4-FFF2-40B4-BE49-F238E27FC236}">
-                <a16:creationId xmlns:a16="http://schemas.microsoft.com/office/drawing/2014/main" id="{4408AAA0-45B5-41B7-8BF4-4DAB59285BA6}"/>
+                <a16:creationId xmlns:a16="http://schemas.microsoft.com/office/drawing/2014/main" id="{382A300B-5D89-4A38-9B86-E552F2E1D406}"/>
               </a:ext>
             </a:extLst>
           </p:cNvPr>
@@ -2215,7 +4556,7 @@
           <p:cNvPr id="3" name="Content Placeholder 2">
             <a:extLst>
               <a:ext uri="{FF2B5EF4-FFF2-40B4-BE49-F238E27FC236}">
-                <a16:creationId xmlns:a16="http://schemas.microsoft.com/office/drawing/2014/main" id="{CCE6CF42-8306-410D-B466-3A29C4BE437F}"/>
+                <a16:creationId xmlns:a16="http://schemas.microsoft.com/office/drawing/2014/main" id="{CDE373A7-BA5A-47B7-861F-4547BB242940}"/>
               </a:ext>
             </a:extLst>
           </p:cNvPr>
@@ -2305,7 +4646,7 @@
           <p:cNvPr id="4" name="Text Placeholder 3">
             <a:extLst>
               <a:ext uri="{FF2B5EF4-FFF2-40B4-BE49-F238E27FC236}">
-                <a16:creationId xmlns:a16="http://schemas.microsoft.com/office/drawing/2014/main" id="{B0532214-6BCC-4ABD-86AA-586B25050F18}"/>
+                <a16:creationId xmlns:a16="http://schemas.microsoft.com/office/drawing/2014/main" id="{6EE5FB91-9B6B-4C04-9299-9E51761D4BD7}"/>
               </a:ext>
             </a:extLst>
           </p:cNvPr>
@@ -2376,7 +4717,7 @@
           <p:cNvPr id="5" name="Date Placeholder 4">
             <a:extLst>
               <a:ext uri="{FF2B5EF4-FFF2-40B4-BE49-F238E27FC236}">
-                <a16:creationId xmlns:a16="http://schemas.microsoft.com/office/drawing/2014/main" id="{26C531B5-1604-4505-B005-E193803C8FEB}"/>
+                <a16:creationId xmlns:a16="http://schemas.microsoft.com/office/drawing/2014/main" id="{2CF02CED-4A06-45F8-861C-4A36FB34E3E4}"/>
               </a:ext>
             </a:extLst>
           </p:cNvPr>
@@ -2394,7 +4735,7 @@
           <a:p>
             <a:fld id="{3CCBED00-5564-41D1-AC67-095095423CF7}" type="datetimeFigureOut">
               <a:rPr lang="en-US" smtClean="0"/>
-              <a:t>1/12/19</a:t>
+              <a:t>1/13/19</a:t>
             </a:fld>
             <a:endParaRPr lang="en-US"/>
           </a:p>
@@ -2405,7 +4746,7 @@
           <p:cNvPr id="6" name="Footer Placeholder 5">
             <a:extLst>
               <a:ext uri="{FF2B5EF4-FFF2-40B4-BE49-F238E27FC236}">
-                <a16:creationId xmlns:a16="http://schemas.microsoft.com/office/drawing/2014/main" id="{12CBACEA-9800-4808-AB36-03D5D5DE8AF5}"/>
+                <a16:creationId xmlns:a16="http://schemas.microsoft.com/office/drawing/2014/main" id="{D1525163-6DE3-4D91-A733-B39214BBFBCC}"/>
               </a:ext>
             </a:extLst>
           </p:cNvPr>
@@ -2430,7 +4771,7 @@
           <p:cNvPr id="7" name="Slide Number Placeholder 6">
             <a:extLst>
               <a:ext uri="{FF2B5EF4-FFF2-40B4-BE49-F238E27FC236}">
-                <a16:creationId xmlns:a16="http://schemas.microsoft.com/office/drawing/2014/main" id="{6A8B4080-7C8A-480F-AAB0-1B51A3F9F41B}"/>
+                <a16:creationId xmlns:a16="http://schemas.microsoft.com/office/drawing/2014/main" id="{75B79C93-F5AD-405F-A4BF-010AC2ACE416}"/>
               </a:ext>
             </a:extLst>
           </p:cNvPr>
@@ -2457,7 +4798,7 @@
     </p:spTree>
     <p:extLst>
       <p:ext uri="{BB962C8B-B14F-4D97-AF65-F5344CB8AC3E}">
-        <p14:creationId xmlns:p14="http://schemas.microsoft.com/office/powerpoint/2010/main" val="4183820694"/>
+        <p14:creationId xmlns:p14="http://schemas.microsoft.com/office/powerpoint/2010/main" val="3284003156"/>
       </p:ext>
     </p:extLst>
   </p:cSld>
@@ -2489,7 +4830,7 @@
           <p:cNvPr id="2" name="Title 1">
             <a:extLst>
               <a:ext uri="{FF2B5EF4-FFF2-40B4-BE49-F238E27FC236}">
-                <a16:creationId xmlns:a16="http://schemas.microsoft.com/office/drawing/2014/main" id="{E1F0D32D-3A95-416F-93B3-54325DE0FFDD}"/>
+                <a16:creationId xmlns:a16="http://schemas.microsoft.com/office/drawing/2014/main" id="{34F497B2-F51E-4A9B-B8FD-EC16B23B1064}"/>
               </a:ext>
             </a:extLst>
           </p:cNvPr>
@@ -2526,7 +4867,7 @@
           <p:cNvPr id="3" name="Picture Placeholder 2">
             <a:extLst>
               <a:ext uri="{FF2B5EF4-FFF2-40B4-BE49-F238E27FC236}">
-                <a16:creationId xmlns:a16="http://schemas.microsoft.com/office/drawing/2014/main" id="{916E4E83-03BC-4718-923F-8A04369CE5A7}"/>
+                <a16:creationId xmlns:a16="http://schemas.microsoft.com/office/drawing/2014/main" id="{0ABFA785-2285-4CAC-988B-07E190635E9D}"/>
               </a:ext>
             </a:extLst>
           </p:cNvPr>
@@ -2593,7 +4934,7 @@
           <p:cNvPr id="4" name="Text Placeholder 3">
             <a:extLst>
               <a:ext uri="{FF2B5EF4-FFF2-40B4-BE49-F238E27FC236}">
-                <a16:creationId xmlns:a16="http://schemas.microsoft.com/office/drawing/2014/main" id="{CD570C84-8B16-406A-AA38-8E8D84358E18}"/>
+                <a16:creationId xmlns:a16="http://schemas.microsoft.com/office/drawing/2014/main" id="{5834DB8B-9A21-4548-B654-55A3CE1EBA54}"/>
               </a:ext>
             </a:extLst>
           </p:cNvPr>
@@ -2664,7 +5005,7 @@
           <p:cNvPr id="5" name="Date Placeholder 4">
             <a:extLst>
               <a:ext uri="{FF2B5EF4-FFF2-40B4-BE49-F238E27FC236}">
-                <a16:creationId xmlns:a16="http://schemas.microsoft.com/office/drawing/2014/main" id="{C3612938-63E4-457C-B3C3-0BC436B77C82}"/>
+                <a16:creationId xmlns:a16="http://schemas.microsoft.com/office/drawing/2014/main" id="{D5D9E8F6-D12F-4FFD-9C1B-EFDC0F47863D}"/>
               </a:ext>
             </a:extLst>
           </p:cNvPr>
@@ -2682,7 +5023,7 @@
           <a:p>
             <a:fld id="{3CCBED00-5564-41D1-AC67-095095423CF7}" type="datetimeFigureOut">
               <a:rPr lang="en-US" smtClean="0"/>
-              <a:t>1/12/19</a:t>
+              <a:t>1/13/19</a:t>
             </a:fld>
             <a:endParaRPr lang="en-US"/>
           </a:p>
@@ -2693,7 +5034,7 @@
           <p:cNvPr id="6" name="Footer Placeholder 5">
             <a:extLst>
               <a:ext uri="{FF2B5EF4-FFF2-40B4-BE49-F238E27FC236}">
-                <a16:creationId xmlns:a16="http://schemas.microsoft.com/office/drawing/2014/main" id="{ED497DE5-062D-494A-9AD0-08B5308785F4}"/>
+                <a16:creationId xmlns:a16="http://schemas.microsoft.com/office/drawing/2014/main" id="{F8DC6342-0BAA-434B-B106-A02169311C35}"/>
               </a:ext>
             </a:extLst>
           </p:cNvPr>
@@ -2718,7 +5059,7 @@
           <p:cNvPr id="7" name="Slide Number Placeholder 6">
             <a:extLst>
               <a:ext uri="{FF2B5EF4-FFF2-40B4-BE49-F238E27FC236}">
-                <a16:creationId xmlns:a16="http://schemas.microsoft.com/office/drawing/2014/main" id="{3EFC10A8-948F-4B94-BE10-EBBF706B0DCC}"/>
+                <a16:creationId xmlns:a16="http://schemas.microsoft.com/office/drawing/2014/main" id="{20AAAA29-126D-41BD-BFCD-970A9DC3294D}"/>
               </a:ext>
             </a:extLst>
           </p:cNvPr>
@@ -2745,7 +5086,7 @@
     </p:spTree>
     <p:extLst>
       <p:ext uri="{BB962C8B-B14F-4D97-AF65-F5344CB8AC3E}">
-        <p14:creationId xmlns:p14="http://schemas.microsoft.com/office/powerpoint/2010/main" val="272788074"/>
+        <p14:creationId xmlns:p14="http://schemas.microsoft.com/office/powerpoint/2010/main" val="1556266723"/>
       </p:ext>
     </p:extLst>
   </p:cSld>
@@ -2782,7 +5123,7 @@
           <p:cNvPr id="2" name="Title Placeholder 1">
             <a:extLst>
               <a:ext uri="{FF2B5EF4-FFF2-40B4-BE49-F238E27FC236}">
-                <a16:creationId xmlns:a16="http://schemas.microsoft.com/office/drawing/2014/main" id="{0F5D7669-AC88-43AF-98CF-432741E36A04}"/>
+                <a16:creationId xmlns:a16="http://schemas.microsoft.com/office/drawing/2014/main" id="{C6446706-789E-43B6-A533-3DAF28B4FAE0}"/>
               </a:ext>
             </a:extLst>
           </p:cNvPr>
@@ -2820,7 +5161,7 @@
           <p:cNvPr id="3" name="Text Placeholder 2">
             <a:extLst>
               <a:ext uri="{FF2B5EF4-FFF2-40B4-BE49-F238E27FC236}">
-                <a16:creationId xmlns:a16="http://schemas.microsoft.com/office/drawing/2014/main" id="{7F6A8073-AA5F-460C-B4B6-8ACC10CEA353}"/>
+                <a16:creationId xmlns:a16="http://schemas.microsoft.com/office/drawing/2014/main" id="{B8E9127C-EC19-4EC9-89C0-4C05EB479109}"/>
               </a:ext>
             </a:extLst>
           </p:cNvPr>
@@ -2887,7 +5228,7 @@
           <p:cNvPr id="4" name="Date Placeholder 3">
             <a:extLst>
               <a:ext uri="{FF2B5EF4-FFF2-40B4-BE49-F238E27FC236}">
-                <a16:creationId xmlns:a16="http://schemas.microsoft.com/office/drawing/2014/main" id="{ECC9B58A-53D7-4BD5-83AF-9FA5551D5803}"/>
+                <a16:creationId xmlns:a16="http://schemas.microsoft.com/office/drawing/2014/main" id="{DF424468-0CA9-4C95-B785-87FC5D416086}"/>
               </a:ext>
             </a:extLst>
           </p:cNvPr>
@@ -2923,7 +5264,7 @@
           <a:p>
             <a:fld id="{3CCBED00-5564-41D1-AC67-095095423CF7}" type="datetimeFigureOut">
               <a:rPr lang="en-US" smtClean="0"/>
-              <a:t>1/12/19</a:t>
+              <a:t>1/13/19</a:t>
             </a:fld>
             <a:endParaRPr lang="en-US"/>
           </a:p>
@@ -2934,7 +5275,7 @@
           <p:cNvPr id="5" name="Footer Placeholder 4">
             <a:extLst>
               <a:ext uri="{FF2B5EF4-FFF2-40B4-BE49-F238E27FC236}">
-                <a16:creationId xmlns:a16="http://schemas.microsoft.com/office/drawing/2014/main" id="{FB7862EB-8DB8-4369-8EC0-FD1F9CDC7C8E}"/>
+                <a16:creationId xmlns:a16="http://schemas.microsoft.com/office/drawing/2014/main" id="{865B4A79-B5EA-4C4C-B92D-427FBAA84919}"/>
               </a:ext>
             </a:extLst>
           </p:cNvPr>
@@ -2977,7 +5318,7 @@
           <p:cNvPr id="6" name="Slide Number Placeholder 5">
             <a:extLst>
               <a:ext uri="{FF2B5EF4-FFF2-40B4-BE49-F238E27FC236}">
-                <a16:creationId xmlns:a16="http://schemas.microsoft.com/office/drawing/2014/main" id="{7B9541FE-807A-4EB2-91D9-0E4C074A4618}"/>
+                <a16:creationId xmlns:a16="http://schemas.microsoft.com/office/drawing/2014/main" id="{A44F9021-E043-4C01-91F4-39CABC2CFC91}"/>
               </a:ext>
             </a:extLst>
           </p:cNvPr>
@@ -3022,23 +5363,23 @@
     </p:spTree>
     <p:extLst>
       <p:ext uri="{BB962C8B-B14F-4D97-AF65-F5344CB8AC3E}">
-        <p14:creationId xmlns:p14="http://schemas.microsoft.com/office/powerpoint/2010/main" val="2215121053"/>
+        <p14:creationId xmlns:p14="http://schemas.microsoft.com/office/powerpoint/2010/main" val="743308810"/>
       </p:ext>
     </p:extLst>
   </p:cSld>
   <p:clrMap bg1="lt1" tx1="dk1" bg2="lt2" tx2="dk2" accent1="accent1" accent2="accent2" accent3="accent3" accent4="accent4" accent5="accent5" accent6="accent6" hlink="hlink" folHlink="folHlink"/>
   <p:sldLayoutIdLst>
-    <p:sldLayoutId id="2147483649" r:id="rId1"/>
-    <p:sldLayoutId id="2147483650" r:id="rId2"/>
-    <p:sldLayoutId id="2147483651" r:id="rId3"/>
-    <p:sldLayoutId id="2147483652" r:id="rId4"/>
-    <p:sldLayoutId id="2147483653" r:id="rId5"/>
-    <p:sldLayoutId id="2147483654" r:id="rId6"/>
-    <p:sldLayoutId id="2147483655" r:id="rId7"/>
-    <p:sldLayoutId id="2147483656" r:id="rId8"/>
-    <p:sldLayoutId id="2147483657" r:id="rId9"/>
-    <p:sldLayoutId id="2147483658" r:id="rId10"/>
-    <p:sldLayoutId id="2147483659" r:id="rId11"/>
+    <p:sldLayoutId id="2147483679" r:id="rId1"/>
+    <p:sldLayoutId id="2147483680" r:id="rId2"/>
+    <p:sldLayoutId id="2147483681" r:id="rId3"/>
+    <p:sldLayoutId id="2147483682" r:id="rId4"/>
+    <p:sldLayoutId id="2147483683" r:id="rId5"/>
+    <p:sldLayoutId id="2147483684" r:id="rId6"/>
+    <p:sldLayoutId id="2147483685" r:id="rId7"/>
+    <p:sldLayoutId id="2147483686" r:id="rId8"/>
+    <p:sldLayoutId id="2147483687" r:id="rId9"/>
+    <p:sldLayoutId id="2147483688" r:id="rId10"/>
+    <p:sldLayoutId id="2147483689" r:id="rId11"/>
   </p:sldLayoutIdLst>
   <p:txStyles>
     <p:titleStyle>
@@ -3442,12 +5783,76 @@
           <a:chExt cx="0" cy="0"/>
         </a:xfrm>
       </p:grpSpPr>
+      <p:sp>
+        <p:nvSpPr>
+          <p:cNvPr id="2" name="Title 1">
+            <a:extLst>
+              <a:ext uri="{FF2B5EF4-FFF2-40B4-BE49-F238E27FC236}">
+                <a16:creationId xmlns:a16="http://schemas.microsoft.com/office/drawing/2014/main" id="{11DE04F3-3988-4C7F-9838-C809D14BC559}"/>
+              </a:ext>
+            </a:extLst>
+          </p:cNvPr>
+          <p:cNvSpPr>
+            <a:spLocks noGrp="1"/>
+          </p:cNvSpPr>
+          <p:nvPr>
+            <p:ph type="title"/>
+          </p:nvPr>
+        </p:nvSpPr>
+        <p:spPr/>
+        <p:txBody>
+          <a:bodyPr/>
+          <a:lstStyle/>
+          <a:p>
+            <a:r>
+              <a:rPr lang="en-US" b="1" dirty="0"/>
+              <a:t>Why so complex?</a:t>
+            </a:r>
+            <a:endParaRPr lang="en-US" dirty="0"/>
+          </a:p>
+        </p:txBody>
+      </p:sp>
+      <p:sp>
+        <p:nvSpPr>
+          <p:cNvPr id="3" name="Content Placeholder 2">
+            <a:extLst>
+              <a:ext uri="{FF2B5EF4-FFF2-40B4-BE49-F238E27FC236}">
+                <a16:creationId xmlns:a16="http://schemas.microsoft.com/office/drawing/2014/main" id="{92B7AAD0-E3E7-494F-A344-3C85AAD6D56C}"/>
+              </a:ext>
+            </a:extLst>
+          </p:cNvPr>
+          <p:cNvSpPr>
+            <a:spLocks noGrp="1"/>
+          </p:cNvSpPr>
+          <p:nvPr>
+            <p:ph idx="1"/>
+          </p:nvPr>
+        </p:nvSpPr>
+        <p:spPr>
+          <a:xfrm>
+            <a:off x="838199" y="1825624"/>
+            <a:ext cx="10515600" cy="764413"/>
+          </a:xfrm>
+        </p:spPr>
+        <p:txBody>
+          <a:bodyPr>
+            <a:normAutofit/>
+          </a:bodyPr>
+          <a:lstStyle/>
+          <a:p>
+            <a:r>
+              <a:rPr lang="en-US" dirty="0"/>
+              <a:t>Interpretability – we can see what happens there.</a:t>
+            </a:r>
+          </a:p>
+        </p:txBody>
+      </p:sp>
       <p:pic>
         <p:nvPicPr>
-          <p:cNvPr id="4" name="Picture 3">
-            <a:extLst>
-              <a:ext uri="{FF2B5EF4-FFF2-40B4-BE49-F238E27FC236}">
-                <a16:creationId xmlns:a16="http://schemas.microsoft.com/office/drawing/2014/main" id="{EE10CBA3-3E5E-48A6-BC68-464FF464AEDC}"/>
+          <p:cNvPr id="16" name="Picture 15">
+            <a:extLst>
+              <a:ext uri="{FF2B5EF4-FFF2-40B4-BE49-F238E27FC236}">
+                <a16:creationId xmlns:a16="http://schemas.microsoft.com/office/drawing/2014/main" id="{6C86B5DC-1430-4651-92C1-A2F52B709C04}"/>
               </a:ext>
             </a:extLst>
           </p:cNvPr>
@@ -3456,16 +5861,15 @@
           </p:cNvPicPr>
           <p:nvPr/>
         </p:nvPicPr>
-        <p:blipFill>
-          <a:blip r:embed="rId2"/>
-          <a:stretch>
-            <a:fillRect/>
-          </a:stretch>
+        <p:blipFill rotWithShape="1">
+          <a:blip r:embed="rId3"/>
+          <a:srcRect t="28816" b="30237"/>
+          <a:stretch/>
         </p:blipFill>
         <p:spPr>
           <a:xfrm>
-            <a:off x="2188218" y="2197100"/>
-            <a:ext cx="9420225" cy="4295775"/>
+            <a:off x="1475163" y="2590038"/>
+            <a:ext cx="9241673" cy="2245009"/>
           </a:xfrm>
           <a:prstGeom prst="rect">
             <a:avLst/>
@@ -3474,98 +5878,223 @@
       </p:pic>
       <p:sp>
         <p:nvSpPr>
-          <p:cNvPr id="2" name="Title 1">
-            <a:extLst>
-              <a:ext uri="{FF2B5EF4-FFF2-40B4-BE49-F238E27FC236}">
-                <a16:creationId xmlns:a16="http://schemas.microsoft.com/office/drawing/2014/main" id="{E46A37ED-7300-4D12-87FA-6BDAF4F26C03}"/>
-              </a:ext>
-            </a:extLst>
-          </p:cNvPr>
-          <p:cNvSpPr>
-            <a:spLocks noGrp="1"/>
-          </p:cNvSpPr>
-          <p:nvPr>
-            <p:ph type="title"/>
-          </p:nvPr>
+          <p:cNvPr id="5" name="TextBox 4">
+            <a:extLst>
+              <a:ext uri="{FF2B5EF4-FFF2-40B4-BE49-F238E27FC236}">
+                <a16:creationId xmlns:a16="http://schemas.microsoft.com/office/drawing/2014/main" id="{BFAD7094-C9E8-4644-92FF-622D406F66B1}"/>
+              </a:ext>
+            </a:extLst>
+          </p:cNvPr>
+          <p:cNvSpPr txBox="1"/>
+          <p:nvPr/>
         </p:nvSpPr>
         <p:spPr>
           <a:xfrm>
-            <a:off x="838200" y="365125"/>
-            <a:ext cx="10515600" cy="1325563"/>
+            <a:off x="413360" y="5317598"/>
+            <a:ext cx="2906038" cy="1200329"/>
           </a:xfrm>
+          <a:prstGeom prst="rect">
+            <a:avLst/>
+          </a:prstGeom>
+          <a:noFill/>
+          <a:ln>
+            <a:solidFill>
+              <a:srgbClr val="FF0000"/>
+            </a:solidFill>
+          </a:ln>
         </p:spPr>
         <p:txBody>
-          <a:bodyPr/>
-          <a:lstStyle/>
-          <a:p>
-            <a:r>
-              <a:rPr lang="en-US" dirty="0"/>
-              <a:t>Synthetic training data</a:t>
-            </a:r>
-          </a:p>
-        </p:txBody>
-      </p:sp>
-      <p:sp>
-        <p:nvSpPr>
-          <p:cNvPr id="3" name="Content Placeholder 2">
-            <a:extLst>
-              <a:ext uri="{FF2B5EF4-FFF2-40B4-BE49-F238E27FC236}">
-                <a16:creationId xmlns:a16="http://schemas.microsoft.com/office/drawing/2014/main" id="{FBC670EB-095C-48AB-8D06-861705E0D262}"/>
-              </a:ext>
-            </a:extLst>
-          </p:cNvPr>
-          <p:cNvSpPr>
-            <a:spLocks noGrp="1"/>
-          </p:cNvSpPr>
-          <p:nvPr>
-            <p:ph idx="1"/>
-          </p:nvPr>
+          <a:bodyPr wrap="square" rtlCol="0">
+            <a:spAutoFit/>
+          </a:bodyPr>
+          <a:lstStyle/>
+          <a:p>
+            <a:r>
+              <a:rPr lang="en-US" sz="2400" dirty="0"/>
+              <a:t>The kernel predicted for reference image is only denoise. </a:t>
+            </a:r>
+          </a:p>
+        </p:txBody>
+      </p:sp>
+      <p:cxnSp>
+        <p:nvCxnSpPr>
+          <p:cNvPr id="9" name="Straight Arrow Connector 8">
+            <a:extLst>
+              <a:ext uri="{FF2B5EF4-FFF2-40B4-BE49-F238E27FC236}">
+                <a16:creationId xmlns:a16="http://schemas.microsoft.com/office/drawing/2014/main" id="{24C55050-D132-40E3-96FE-7DB88B74E70F}"/>
+              </a:ext>
+            </a:extLst>
+          </p:cNvPr>
+          <p:cNvCxnSpPr>
+            <a:cxnSpLocks/>
+            <a:stCxn id="5" idx="0"/>
+          </p:cNvCxnSpPr>
+          <p:nvPr/>
+        </p:nvCxnSpPr>
+        <p:spPr>
+          <a:xfrm flipV="1">
+            <a:off x="1866379" y="4584526"/>
+            <a:ext cx="162837" cy="733072"/>
+          </a:xfrm>
+          <a:prstGeom prst="straightConnector1">
+            <a:avLst/>
+          </a:prstGeom>
+          <a:ln>
+            <a:solidFill>
+              <a:srgbClr val="FF0000"/>
+            </a:solidFill>
+            <a:tailEnd type="triangle"/>
+          </a:ln>
+        </p:spPr>
+        <p:style>
+          <a:lnRef idx="1">
+            <a:schemeClr val="accent1"/>
+          </a:lnRef>
+          <a:fillRef idx="0">
+            <a:schemeClr val="accent1"/>
+          </a:fillRef>
+          <a:effectRef idx="0">
+            <a:schemeClr val="accent1"/>
+          </a:effectRef>
+          <a:fontRef idx="minor">
+            <a:schemeClr val="tx1"/>
+          </a:fontRef>
+        </p:style>
+      </p:cxnSp>
+      <p:sp>
+        <p:nvSpPr>
+          <p:cNvPr id="7" name="TextBox 6">
+            <a:extLst>
+              <a:ext uri="{FF2B5EF4-FFF2-40B4-BE49-F238E27FC236}">
+                <a16:creationId xmlns:a16="http://schemas.microsoft.com/office/drawing/2014/main" id="{1137E711-9613-4BA3-85B4-C4AD757051EE}"/>
+              </a:ext>
+            </a:extLst>
+          </p:cNvPr>
+          <p:cNvSpPr txBox="1"/>
+          <p:nvPr/>
         </p:nvSpPr>
         <p:spPr>
           <a:xfrm>
-            <a:off x="838200" y="1825625"/>
-            <a:ext cx="10515600" cy="4351338"/>
+            <a:off x="7002870" y="5317598"/>
+            <a:ext cx="2906038" cy="830997"/>
           </a:xfrm>
+          <a:prstGeom prst="rect">
+            <a:avLst/>
+          </a:prstGeom>
+          <a:noFill/>
+          <a:ln>
+            <a:solidFill>
+              <a:srgbClr val="FF0000"/>
+            </a:solidFill>
+          </a:ln>
         </p:spPr>
         <p:txBody>
-          <a:bodyPr/>
-          <a:lstStyle/>
-          <a:p>
-            <a:r>
-              <a:rPr lang="en-US" dirty="0"/>
-              <a:t>Crop randomly</a:t>
-            </a:r>
-          </a:p>
-          <a:p>
-            <a:r>
-              <a:rPr lang="en-US" dirty="0"/>
-              <a:t>Scale colors</a:t>
-            </a:r>
-          </a:p>
-          <a:p>
-            <a:r>
-              <a:rPr lang="en-US" dirty="0"/>
-              <a:t>Add noise. </a:t>
-            </a:r>
-          </a:p>
-          <a:p>
-            <a:pPr marL="0" indent="0">
-              <a:buNone/>
-            </a:pPr>
-            <a:br>
-              <a:rPr lang="en-US" dirty="0"/>
-            </a:br>
-            <a:br>
-              <a:rPr lang="en-US" dirty="0"/>
-            </a:br>
-            <a:endParaRPr lang="en-US" dirty="0"/>
-          </a:p>
-        </p:txBody>
-      </p:sp>
+          <a:bodyPr wrap="square" rtlCol="0">
+            <a:spAutoFit/>
+          </a:bodyPr>
+          <a:lstStyle/>
+          <a:p>
+            <a:r>
+              <a:rPr lang="en-US" sz="2400" dirty="0"/>
+              <a:t>Other kernels both align and denoise.</a:t>
+            </a:r>
+          </a:p>
+        </p:txBody>
+      </p:sp>
+      <p:cxnSp>
+        <p:nvCxnSpPr>
+          <p:cNvPr id="8" name="Straight Arrow Connector 7">
+            <a:extLst>
+              <a:ext uri="{FF2B5EF4-FFF2-40B4-BE49-F238E27FC236}">
+                <a16:creationId xmlns:a16="http://schemas.microsoft.com/office/drawing/2014/main" id="{7078923E-267A-4A6D-B9E7-1920621CADF1}"/>
+              </a:ext>
+            </a:extLst>
+          </p:cNvPr>
+          <p:cNvCxnSpPr>
+            <a:cxnSpLocks/>
+            <a:stCxn id="7" idx="0"/>
+          </p:cNvCxnSpPr>
+          <p:nvPr/>
+        </p:nvCxnSpPr>
+        <p:spPr>
+          <a:xfrm flipH="1" flipV="1">
+            <a:off x="6701425" y="4584526"/>
+            <a:ext cx="1754464" cy="733072"/>
+          </a:xfrm>
+          <a:prstGeom prst="straightConnector1">
+            <a:avLst/>
+          </a:prstGeom>
+          <a:ln>
+            <a:solidFill>
+              <a:srgbClr val="FF0000"/>
+            </a:solidFill>
+            <a:tailEnd type="triangle"/>
+          </a:ln>
+        </p:spPr>
+        <p:style>
+          <a:lnRef idx="1">
+            <a:schemeClr val="accent1"/>
+          </a:lnRef>
+          <a:fillRef idx="0">
+            <a:schemeClr val="accent1"/>
+          </a:fillRef>
+          <a:effectRef idx="0">
+            <a:schemeClr val="accent1"/>
+          </a:effectRef>
+          <a:fontRef idx="minor">
+            <a:schemeClr val="tx1"/>
+          </a:fontRef>
+        </p:style>
+      </p:cxnSp>
+      <p:cxnSp>
+        <p:nvCxnSpPr>
+          <p:cNvPr id="12" name="Straight Arrow Connector 11">
+            <a:extLst>
+              <a:ext uri="{FF2B5EF4-FFF2-40B4-BE49-F238E27FC236}">
+                <a16:creationId xmlns:a16="http://schemas.microsoft.com/office/drawing/2014/main" id="{B3CB1C59-1935-44B6-92AE-68D19F3D7958}"/>
+              </a:ext>
+            </a:extLst>
+          </p:cNvPr>
+          <p:cNvCxnSpPr>
+            <a:cxnSpLocks/>
+            <a:stCxn id="7" idx="0"/>
+          </p:cNvCxnSpPr>
+          <p:nvPr/>
+        </p:nvCxnSpPr>
+        <p:spPr>
+          <a:xfrm flipV="1">
+            <a:off x="8455889" y="4584526"/>
+            <a:ext cx="1453019" cy="733072"/>
+          </a:xfrm>
+          <a:prstGeom prst="straightConnector1">
+            <a:avLst/>
+          </a:prstGeom>
+          <a:ln>
+            <a:solidFill>
+              <a:srgbClr val="FF0000"/>
+            </a:solidFill>
+            <a:tailEnd type="triangle"/>
+          </a:ln>
+        </p:spPr>
+        <p:style>
+          <a:lnRef idx="1">
+            <a:schemeClr val="accent1"/>
+          </a:lnRef>
+          <a:fillRef idx="0">
+            <a:schemeClr val="accent1"/>
+          </a:fillRef>
+          <a:effectRef idx="0">
+            <a:schemeClr val="accent1"/>
+          </a:effectRef>
+          <a:fontRef idx="minor">
+            <a:schemeClr val="tx1"/>
+          </a:fontRef>
+        </p:style>
+      </p:cxnSp>
     </p:spTree>
     <p:extLst>
       <p:ext uri="{BB962C8B-B14F-4D97-AF65-F5344CB8AC3E}">
-        <p14:creationId xmlns:p14="http://schemas.microsoft.com/office/powerpoint/2010/main" val="2352474685"/>
+        <p14:creationId xmlns:p14="http://schemas.microsoft.com/office/powerpoint/2010/main" val="1473991849"/>
       </p:ext>
     </p:extLst>
   </p:cSld>
@@ -3597,7 +6126,7 @@
           <p:cNvPr id="2" name="Title 1">
             <a:extLst>
               <a:ext uri="{FF2B5EF4-FFF2-40B4-BE49-F238E27FC236}">
-                <a16:creationId xmlns:a16="http://schemas.microsoft.com/office/drawing/2014/main" id="{102EC03F-2ACE-4396-ACEB-93D6C37C1084}"/>
+                <a16:creationId xmlns:a16="http://schemas.microsoft.com/office/drawing/2014/main" id="{11DE04F3-3988-4C7F-9838-C809D14BC559}"/>
               </a:ext>
             </a:extLst>
           </p:cNvPr>
@@ -3614,9 +6143,10 @@
           <a:lstStyle/>
           <a:p>
             <a:r>
-              <a:rPr lang="en-US" dirty="0"/>
-              <a:t>Synthetic training data</a:t>
-            </a:r>
+              <a:rPr lang="en-US" b="1" dirty="0"/>
+              <a:t>Why so complex?</a:t>
+            </a:r>
+            <a:endParaRPr lang="en-US" dirty="0"/>
           </a:p>
         </p:txBody>
       </p:sp>
@@ -3625,7 +6155,7 @@
           <p:cNvPr id="3" name="Content Placeholder 2">
             <a:extLst>
               <a:ext uri="{FF2B5EF4-FFF2-40B4-BE49-F238E27FC236}">
-                <a16:creationId xmlns:a16="http://schemas.microsoft.com/office/drawing/2014/main" id="{33BC8C38-C270-4D3D-B4D1-400EA1FAA432}"/>
+                <a16:creationId xmlns:a16="http://schemas.microsoft.com/office/drawing/2014/main" id="{92B7AAD0-E3E7-494F-A344-3C85AAD6D56C}"/>
               </a:ext>
             </a:extLst>
           </p:cNvPr>
@@ -3636,28 +6166,188 @@
             <p:ph idx="1"/>
           </p:nvPr>
         </p:nvSpPr>
-        <p:spPr/>
-        <p:txBody>
-          <a:bodyPr/>
-          <a:lstStyle/>
-          <a:p>
-            <a:r>
-              <a:rPr lang="en-US" dirty="0"/>
-              <a:t>Can we denoise real-world data by training on “fake” data?</a:t>
-            </a:r>
-          </a:p>
-          <a:p>
-            <a:r>
-              <a:rPr lang="en-US" dirty="0"/>
-              <a:t>Yes, we can</a:t>
-            </a:r>
-          </a:p>
-        </p:txBody>
-      </p:sp>
+        <p:spPr>
+          <a:xfrm>
+            <a:off x="838199" y="1825624"/>
+            <a:ext cx="10515600" cy="764413"/>
+          </a:xfrm>
+        </p:spPr>
+        <p:txBody>
+          <a:bodyPr>
+            <a:normAutofit/>
+          </a:bodyPr>
+          <a:lstStyle/>
+          <a:p>
+            <a:r>
+              <a:rPr lang="en-US" dirty="0"/>
+              <a:t>Interpretability – we can see what happens there.</a:t>
+            </a:r>
+          </a:p>
+        </p:txBody>
+      </p:sp>
+      <p:pic>
+        <p:nvPicPr>
+          <p:cNvPr id="16" name="Picture 15">
+            <a:extLst>
+              <a:ext uri="{FF2B5EF4-FFF2-40B4-BE49-F238E27FC236}">
+                <a16:creationId xmlns:a16="http://schemas.microsoft.com/office/drawing/2014/main" id="{6C86B5DC-1430-4651-92C1-A2F52B709C04}"/>
+              </a:ext>
+            </a:extLst>
+          </p:cNvPr>
+          <p:cNvPicPr>
+            <a:picLocks noChangeAspect="1"/>
+          </p:cNvPicPr>
+          <p:nvPr/>
+        </p:nvPicPr>
+        <p:blipFill rotWithShape="1">
+          <a:blip r:embed="rId3"/>
+          <a:srcRect t="28816" b="30237"/>
+          <a:stretch/>
+        </p:blipFill>
+        <p:spPr>
+          <a:xfrm>
+            <a:off x="1475163" y="2590038"/>
+            <a:ext cx="9241673" cy="2245009"/>
+          </a:xfrm>
+          <a:prstGeom prst="rect">
+            <a:avLst/>
+          </a:prstGeom>
+        </p:spPr>
+      </p:pic>
+      <p:sp>
+        <p:nvSpPr>
+          <p:cNvPr id="7" name="TextBox 6">
+            <a:extLst>
+              <a:ext uri="{FF2B5EF4-FFF2-40B4-BE49-F238E27FC236}">
+                <a16:creationId xmlns:a16="http://schemas.microsoft.com/office/drawing/2014/main" id="{1137E711-9613-4BA3-85B4-C4AD757051EE}"/>
+              </a:ext>
+            </a:extLst>
+          </p:cNvPr>
+          <p:cNvSpPr txBox="1"/>
+          <p:nvPr/>
+        </p:nvSpPr>
+        <p:spPr>
+          <a:xfrm>
+            <a:off x="4472613" y="5298624"/>
+            <a:ext cx="3080582" cy="1200329"/>
+          </a:xfrm>
+          <a:prstGeom prst="rect">
+            <a:avLst/>
+          </a:prstGeom>
+          <a:noFill/>
+          <a:ln>
+            <a:solidFill>
+              <a:srgbClr val="FF0000"/>
+            </a:solidFill>
+          </a:ln>
+        </p:spPr>
+        <p:txBody>
+          <a:bodyPr wrap="square" rtlCol="0">
+            <a:spAutoFit/>
+          </a:bodyPr>
+          <a:lstStyle/>
+          <a:p>
+            <a:r>
+              <a:rPr lang="en-US" sz="2400" dirty="0"/>
+              <a:t>Patches with too much misalignment are set to zero by the kernels. </a:t>
+            </a:r>
+          </a:p>
+        </p:txBody>
+      </p:sp>
+      <p:cxnSp>
+        <p:nvCxnSpPr>
+          <p:cNvPr id="8" name="Straight Arrow Connector 7">
+            <a:extLst>
+              <a:ext uri="{FF2B5EF4-FFF2-40B4-BE49-F238E27FC236}">
+                <a16:creationId xmlns:a16="http://schemas.microsoft.com/office/drawing/2014/main" id="{7078923E-267A-4A6D-B9E7-1920621CADF1}"/>
+              </a:ext>
+            </a:extLst>
+          </p:cNvPr>
+          <p:cNvCxnSpPr>
+            <a:cxnSpLocks/>
+            <a:stCxn id="7" idx="0"/>
+          </p:cNvCxnSpPr>
+          <p:nvPr/>
+        </p:nvCxnSpPr>
+        <p:spPr>
+          <a:xfrm flipH="1" flipV="1">
+            <a:off x="5586608" y="4546948"/>
+            <a:ext cx="426296" cy="751676"/>
+          </a:xfrm>
+          <a:prstGeom prst="straightConnector1">
+            <a:avLst/>
+          </a:prstGeom>
+          <a:ln>
+            <a:solidFill>
+              <a:srgbClr val="FF0000"/>
+            </a:solidFill>
+            <a:tailEnd type="triangle"/>
+          </a:ln>
+        </p:spPr>
+        <p:style>
+          <a:lnRef idx="1">
+            <a:schemeClr val="accent1"/>
+          </a:lnRef>
+          <a:fillRef idx="0">
+            <a:schemeClr val="accent1"/>
+          </a:fillRef>
+          <a:effectRef idx="0">
+            <a:schemeClr val="accent1"/>
+          </a:effectRef>
+          <a:fontRef idx="minor">
+            <a:schemeClr val="tx1"/>
+          </a:fontRef>
+        </p:style>
+      </p:cxnSp>
+      <p:cxnSp>
+        <p:nvCxnSpPr>
+          <p:cNvPr id="12" name="Straight Arrow Connector 11">
+            <a:extLst>
+              <a:ext uri="{FF2B5EF4-FFF2-40B4-BE49-F238E27FC236}">
+                <a16:creationId xmlns:a16="http://schemas.microsoft.com/office/drawing/2014/main" id="{B3CB1C59-1935-44B6-92AE-68D19F3D7958}"/>
+              </a:ext>
+            </a:extLst>
+          </p:cNvPr>
+          <p:cNvCxnSpPr>
+            <a:cxnSpLocks/>
+            <a:stCxn id="7" idx="0"/>
+          </p:cNvCxnSpPr>
+          <p:nvPr/>
+        </p:nvCxnSpPr>
+        <p:spPr>
+          <a:xfrm flipV="1">
+            <a:off x="6012904" y="4546950"/>
+            <a:ext cx="1527764" cy="751674"/>
+          </a:xfrm>
+          <a:prstGeom prst="straightConnector1">
+            <a:avLst/>
+          </a:prstGeom>
+          <a:ln>
+            <a:solidFill>
+              <a:srgbClr val="FF0000"/>
+            </a:solidFill>
+            <a:tailEnd type="triangle"/>
+          </a:ln>
+        </p:spPr>
+        <p:style>
+          <a:lnRef idx="1">
+            <a:schemeClr val="accent1"/>
+          </a:lnRef>
+          <a:fillRef idx="0">
+            <a:schemeClr val="accent1"/>
+          </a:fillRef>
+          <a:effectRef idx="0">
+            <a:schemeClr val="accent1"/>
+          </a:effectRef>
+          <a:fontRef idx="minor">
+            <a:schemeClr val="tx1"/>
+          </a:fontRef>
+        </p:style>
+      </p:cxnSp>
     </p:spTree>
     <p:extLst>
       <p:ext uri="{BB962C8B-B14F-4D97-AF65-F5344CB8AC3E}">
-        <p14:creationId xmlns:p14="http://schemas.microsoft.com/office/powerpoint/2010/main" val="2559332467"/>
+        <p14:creationId xmlns:p14="http://schemas.microsoft.com/office/powerpoint/2010/main" val="4062783693"/>
       </p:ext>
     </p:extLst>
   </p:cSld>
@@ -3689,7 +6379,7 @@
           <p:cNvPr id="2" name="Title 1">
             <a:extLst>
               <a:ext uri="{FF2B5EF4-FFF2-40B4-BE49-F238E27FC236}">
-                <a16:creationId xmlns:a16="http://schemas.microsoft.com/office/drawing/2014/main" id="{102EC03F-2ACE-4396-ACEB-93D6C37C1084}"/>
+                <a16:creationId xmlns:a16="http://schemas.microsoft.com/office/drawing/2014/main" id="{27CD5962-8F1A-4577-9E6B-82C5C3D59EEF}"/>
               </a:ext>
             </a:extLst>
           </p:cNvPr>
@@ -3706,8 +6396,66 @@
           <a:lstStyle/>
           <a:p>
             <a:r>
-              <a:rPr lang="en-US" dirty="0"/>
-              <a:t>Results</a:t>
+              <a:rPr lang="en-US" b="1" dirty="0"/>
+              <a:t>How it learns?</a:t>
+            </a:r>
+          </a:p>
+        </p:txBody>
+      </p:sp>
+      <p:sp>
+        <p:nvSpPr>
+          <p:cNvPr id="3" name="Content Placeholder 2">
+            <a:extLst>
+              <a:ext uri="{FF2B5EF4-FFF2-40B4-BE49-F238E27FC236}">
+                <a16:creationId xmlns:a16="http://schemas.microsoft.com/office/drawing/2014/main" id="{6D781224-2C97-4A97-8E4B-727EEAEE10DF}"/>
+              </a:ext>
+            </a:extLst>
+          </p:cNvPr>
+          <p:cNvSpPr>
+            <a:spLocks noGrp="1"/>
+          </p:cNvSpPr>
+          <p:nvPr>
+            <p:ph idx="1"/>
+          </p:nvPr>
+        </p:nvSpPr>
+        <p:spPr/>
+        <p:txBody>
+          <a:bodyPr/>
+          <a:lstStyle/>
+          <a:p>
+            <a:r>
+              <a:rPr lang="en-US" dirty="0"/>
+              <a:t>As we know, “learning” is basically finding “good enough” local minimum of a loss function. </a:t>
+            </a:r>
+          </a:p>
+          <a:p>
+            <a:r>
+              <a:rPr lang="en-US" dirty="0"/>
+              <a:t>Basic loss function: </a:t>
+            </a:r>
+          </a:p>
+          <a:p>
+            <a:endParaRPr lang="en-US" dirty="0"/>
+          </a:p>
+          <a:p>
+            <a:endParaRPr lang="en-US" dirty="0"/>
+          </a:p>
+          <a:p>
+            <a:r>
+              <a:rPr lang="en-US" dirty="0"/>
+              <a:t>Weighted average of: L2 dist. of images, L1 dist. of gradients.</a:t>
+            </a:r>
+          </a:p>
+          <a:p>
+            <a:r>
+              <a:rPr lang="en-US" dirty="0"/>
+              <a:t>Г – transformation of  RGB values to prevent exploding gradient.</a:t>
+            </a:r>
+          </a:p>
+          <a:p>
+            <a:r>
+              <a:rPr lang="en-US" dirty="0"/>
+              <a:t>This loss finds a local minima which is not “good enough”. </a:t>
             </a:r>
           </a:p>
         </p:txBody>
@@ -3717,7 +6465,7 @@
           <p:cNvPr id="4" name="Picture 3">
             <a:extLst>
               <a:ext uri="{FF2B5EF4-FFF2-40B4-BE49-F238E27FC236}">
-                <a16:creationId xmlns:a16="http://schemas.microsoft.com/office/drawing/2014/main" id="{F6A08EB1-75EC-4504-A635-735448609346}"/>
+                <a16:creationId xmlns:a16="http://schemas.microsoft.com/office/drawing/2014/main" id="{D8F5222F-89E0-4C3F-A7F6-9AEC289B3AF5}"/>
               </a:ext>
             </a:extLst>
           </p:cNvPr>
@@ -3727,7 +6475,958 @@
           <p:nvPr/>
         </p:nvPicPr>
         <p:blipFill>
-          <a:blip r:embed="rId2"/>
+          <a:blip r:embed="rId3"/>
+          <a:stretch>
+            <a:fillRect/>
+          </a:stretch>
+        </p:blipFill>
+        <p:spPr>
+          <a:xfrm>
+            <a:off x="1569668" y="3363238"/>
+            <a:ext cx="8877300" cy="771525"/>
+          </a:xfrm>
+          <a:prstGeom prst="rect">
+            <a:avLst/>
+          </a:prstGeom>
+        </p:spPr>
+      </p:pic>
+    </p:spTree>
+    <p:extLst>
+      <p:ext uri="{BB962C8B-B14F-4D97-AF65-F5344CB8AC3E}">
+        <p14:creationId xmlns:p14="http://schemas.microsoft.com/office/powerpoint/2010/main" val="2530634748"/>
+      </p:ext>
+    </p:extLst>
+  </p:cSld>
+  <p:clrMapOvr>
+    <a:masterClrMapping/>
+  </p:clrMapOvr>
+</p:sld>
+</file>
+
+<file path=ppt/slides/slide13.xml><?xml version="1.0" encoding="utf-8"?>
+<p:sld xmlns:a="http://schemas.openxmlformats.org/drawingml/2006/main" xmlns:r="http://schemas.openxmlformats.org/officeDocument/2006/relationships" xmlns:p="http://schemas.openxmlformats.org/presentationml/2006/main">
+  <p:cSld>
+    <p:spTree>
+      <p:nvGrpSpPr>
+        <p:cNvPr id="1" name=""/>
+        <p:cNvGrpSpPr/>
+        <p:nvPr/>
+      </p:nvGrpSpPr>
+      <p:grpSpPr>
+        <a:xfrm>
+          <a:off x="0" y="0"/>
+          <a:ext cx="0" cy="0"/>
+          <a:chOff x="0" y="0"/>
+          <a:chExt cx="0" cy="0"/>
+        </a:xfrm>
+      </p:grpSpPr>
+      <p:pic>
+        <p:nvPicPr>
+          <p:cNvPr id="5" name="Picture 4">
+            <a:extLst>
+              <a:ext uri="{FF2B5EF4-FFF2-40B4-BE49-F238E27FC236}">
+                <a16:creationId xmlns:a16="http://schemas.microsoft.com/office/drawing/2014/main" id="{B89F97E9-0DA8-41E0-B7F7-83695175E942}"/>
+              </a:ext>
+            </a:extLst>
+          </p:cNvPr>
+          <p:cNvPicPr>
+            <a:picLocks noChangeAspect="1"/>
+          </p:cNvPicPr>
+          <p:nvPr/>
+        </p:nvPicPr>
+        <p:blipFill>
+          <a:blip r:embed="rId3"/>
+          <a:stretch>
+            <a:fillRect/>
+          </a:stretch>
+        </p:blipFill>
+        <p:spPr>
+          <a:xfrm>
+            <a:off x="1280160" y="2872817"/>
+            <a:ext cx="9679578" cy="1384563"/>
+          </a:xfrm>
+          <a:prstGeom prst="rect">
+            <a:avLst/>
+          </a:prstGeom>
+        </p:spPr>
+      </p:pic>
+      <p:sp>
+        <p:nvSpPr>
+          <p:cNvPr id="2" name="Title 1">
+            <a:extLst>
+              <a:ext uri="{FF2B5EF4-FFF2-40B4-BE49-F238E27FC236}">
+                <a16:creationId xmlns:a16="http://schemas.microsoft.com/office/drawing/2014/main" id="{27CD5962-8F1A-4577-9E6B-82C5C3D59EEF}"/>
+              </a:ext>
+            </a:extLst>
+          </p:cNvPr>
+          <p:cNvSpPr>
+            <a:spLocks noGrp="1"/>
+          </p:cNvSpPr>
+          <p:nvPr>
+            <p:ph type="title"/>
+          </p:nvPr>
+        </p:nvSpPr>
+        <p:spPr/>
+        <p:txBody>
+          <a:bodyPr/>
+          <a:lstStyle/>
+          <a:p>
+            <a:r>
+              <a:rPr lang="en-US" b="1" dirty="0"/>
+              <a:t>How it learns?</a:t>
+            </a:r>
+          </a:p>
+        </p:txBody>
+      </p:sp>
+      <p:sp>
+        <p:nvSpPr>
+          <p:cNvPr id="3" name="Content Placeholder 2">
+            <a:extLst>
+              <a:ext uri="{FF2B5EF4-FFF2-40B4-BE49-F238E27FC236}">
+                <a16:creationId xmlns:a16="http://schemas.microsoft.com/office/drawing/2014/main" id="{6D781224-2C97-4A97-8E4B-727EEAEE10DF}"/>
+              </a:ext>
+            </a:extLst>
+          </p:cNvPr>
+          <p:cNvSpPr>
+            <a:spLocks noGrp="1"/>
+          </p:cNvSpPr>
+          <p:nvPr>
+            <p:ph idx="1"/>
+          </p:nvPr>
+        </p:nvSpPr>
+        <p:spPr/>
+        <p:txBody>
+          <a:bodyPr/>
+          <a:lstStyle/>
+          <a:p>
+            <a:r>
+              <a:rPr lang="en-US" dirty="0"/>
+              <a:t>As we know, “learning” is basically finding “good enough” local minimum of a loss function. </a:t>
+            </a:r>
+          </a:p>
+          <a:p>
+            <a:r>
+              <a:rPr lang="en-US" dirty="0"/>
+              <a:t>Basic loss function: </a:t>
+            </a:r>
+          </a:p>
+          <a:p>
+            <a:endParaRPr lang="en-US" dirty="0"/>
+          </a:p>
+          <a:p>
+            <a:endParaRPr lang="en-US" dirty="0"/>
+          </a:p>
+          <a:p>
+            <a:r>
+              <a:rPr lang="en-US" dirty="0"/>
+              <a:t>Weighted average of: L2 dist. of images, L1 dist. of gradients.</a:t>
+            </a:r>
+          </a:p>
+          <a:p>
+            <a:r>
+              <a:rPr lang="en-US" dirty="0"/>
+              <a:t>Г – transformation of  RGB values to prevent exploding gradient.</a:t>
+            </a:r>
+          </a:p>
+          <a:p>
+            <a:r>
+              <a:rPr lang="en-US" dirty="0"/>
+              <a:t>This loss finds a local minima which is not “good enough”. </a:t>
+            </a:r>
+          </a:p>
+        </p:txBody>
+      </p:sp>
+    </p:spTree>
+    <p:extLst>
+      <p:ext uri="{BB962C8B-B14F-4D97-AF65-F5344CB8AC3E}">
+        <p14:creationId xmlns:p14="http://schemas.microsoft.com/office/powerpoint/2010/main" val="574047570"/>
+      </p:ext>
+    </p:extLst>
+  </p:cSld>
+  <p:clrMapOvr>
+    <a:masterClrMapping/>
+  </p:clrMapOvr>
+</p:sld>
+</file>
+
+<file path=ppt/slides/slide14.xml><?xml version="1.0" encoding="utf-8"?>
+<p:sld xmlns:a="http://schemas.openxmlformats.org/drawingml/2006/main" xmlns:r="http://schemas.openxmlformats.org/officeDocument/2006/relationships" xmlns:p="http://schemas.openxmlformats.org/presentationml/2006/main">
+  <p:cSld>
+    <p:spTree>
+      <p:nvGrpSpPr>
+        <p:cNvPr id="1" name=""/>
+        <p:cNvGrpSpPr/>
+        <p:nvPr/>
+      </p:nvGrpSpPr>
+      <p:grpSpPr>
+        <a:xfrm>
+          <a:off x="0" y="0"/>
+          <a:ext cx="0" cy="0"/>
+          <a:chOff x="0" y="0"/>
+          <a:chExt cx="0" cy="0"/>
+        </a:xfrm>
+      </p:grpSpPr>
+      <p:pic>
+        <p:nvPicPr>
+          <p:cNvPr id="5" name="Picture 4">
+            <a:extLst>
+              <a:ext uri="{FF2B5EF4-FFF2-40B4-BE49-F238E27FC236}">
+                <a16:creationId xmlns:a16="http://schemas.microsoft.com/office/drawing/2014/main" id="{66C4A548-D93E-4500-BE65-FC83BD8927D8}"/>
+              </a:ext>
+            </a:extLst>
+          </p:cNvPr>
+          <p:cNvPicPr>
+            <a:picLocks noChangeAspect="1"/>
+          </p:cNvPicPr>
+          <p:nvPr/>
+        </p:nvPicPr>
+        <p:blipFill>
+          <a:blip r:embed="rId3"/>
+          <a:stretch>
+            <a:fillRect/>
+          </a:stretch>
+        </p:blipFill>
+        <p:spPr>
+          <a:xfrm>
+            <a:off x="2391949" y="1334887"/>
+            <a:ext cx="8961851" cy="5157988"/>
+          </a:xfrm>
+          <a:prstGeom prst="rect">
+            <a:avLst/>
+          </a:prstGeom>
+        </p:spPr>
+      </p:pic>
+      <p:sp>
+        <p:nvSpPr>
+          <p:cNvPr id="2" name="Title 1">
+            <a:extLst>
+              <a:ext uri="{FF2B5EF4-FFF2-40B4-BE49-F238E27FC236}">
+                <a16:creationId xmlns:a16="http://schemas.microsoft.com/office/drawing/2014/main" id="{27CD5962-8F1A-4577-9E6B-82C5C3D59EEF}"/>
+              </a:ext>
+            </a:extLst>
+          </p:cNvPr>
+          <p:cNvSpPr>
+            <a:spLocks noGrp="1"/>
+          </p:cNvSpPr>
+          <p:nvPr>
+            <p:ph type="title"/>
+          </p:nvPr>
+        </p:nvSpPr>
+        <p:spPr/>
+        <p:txBody>
+          <a:bodyPr/>
+          <a:lstStyle/>
+          <a:p>
+            <a:r>
+              <a:rPr lang="en-US" b="1" dirty="0"/>
+              <a:t>Annealed loss term</a:t>
+            </a:r>
+            <a:r>
+              <a:rPr lang="en-US" dirty="0"/>
+              <a:t> </a:t>
+            </a:r>
+          </a:p>
+        </p:txBody>
+      </p:sp>
+      <p:sp>
+        <p:nvSpPr>
+          <p:cNvPr id="3" name="Content Placeholder 2">
+            <a:extLst>
+              <a:ext uri="{FF2B5EF4-FFF2-40B4-BE49-F238E27FC236}">
+                <a16:creationId xmlns:a16="http://schemas.microsoft.com/office/drawing/2014/main" id="{6D781224-2C97-4A97-8E4B-727EEAEE10DF}"/>
+              </a:ext>
+            </a:extLst>
+          </p:cNvPr>
+          <p:cNvSpPr>
+            <a:spLocks noGrp="1"/>
+          </p:cNvSpPr>
+          <p:nvPr>
+            <p:ph idx="1"/>
+          </p:nvPr>
+        </p:nvSpPr>
+        <p:spPr/>
+        <p:txBody>
+          <a:bodyPr/>
+          <a:lstStyle/>
+          <a:p>
+            <a:r>
+              <a:rPr lang="en-US" dirty="0"/>
+              <a:t>As in basic loos function, we want to </a:t>
+            </a:r>
+          </a:p>
+          <a:p>
+            <a:pPr marL="0" indent="0">
+              <a:buNone/>
+            </a:pPr>
+            <a:r>
+              <a:rPr lang="en-US" dirty="0"/>
+              <a:t>	minimize the distance between final </a:t>
+            </a:r>
+          </a:p>
+          <a:p>
+            <a:pPr marL="0" indent="0">
+              <a:buNone/>
+            </a:pPr>
+            <a:r>
+              <a:rPr lang="en-US" dirty="0"/>
+              <a:t>	result and ground truth.</a:t>
+            </a:r>
+          </a:p>
+          <a:p>
+            <a:r>
+              <a:rPr lang="en-US" dirty="0"/>
+              <a:t>Also we want to minimize the dist. between</a:t>
+            </a:r>
+          </a:p>
+          <a:p>
+            <a:pPr marL="0" indent="0">
+              <a:buNone/>
+            </a:pPr>
+            <a:r>
+              <a:rPr lang="en-US" dirty="0"/>
+              <a:t>	each frame before averaging</a:t>
+            </a:r>
+          </a:p>
+          <a:p>
+            <a:pPr marL="0" indent="0">
+              <a:buNone/>
+            </a:pPr>
+            <a:r>
+              <a:rPr lang="en-US" dirty="0"/>
+              <a:t>	and ground truth.  </a:t>
+            </a:r>
+          </a:p>
+          <a:p>
+            <a:pPr marL="0" indent="0">
+              <a:buNone/>
+            </a:pPr>
+            <a:endParaRPr lang="en-US" dirty="0"/>
+          </a:p>
+          <a:p>
+            <a:pPr marL="0" indent="0">
+              <a:buNone/>
+            </a:pPr>
+            <a:endParaRPr lang="en-US" dirty="0"/>
+          </a:p>
+        </p:txBody>
+      </p:sp>
+    </p:spTree>
+    <p:extLst>
+      <p:ext uri="{BB962C8B-B14F-4D97-AF65-F5344CB8AC3E}">
+        <p14:creationId xmlns:p14="http://schemas.microsoft.com/office/powerpoint/2010/main" val="3143412228"/>
+      </p:ext>
+    </p:extLst>
+  </p:cSld>
+  <p:clrMapOvr>
+    <a:masterClrMapping/>
+  </p:clrMapOvr>
+</p:sld>
+</file>
+
+<file path=ppt/slides/slide15.xml><?xml version="1.0" encoding="utf-8"?>
+<p:sld xmlns:a="http://schemas.openxmlformats.org/drawingml/2006/main" xmlns:r="http://schemas.openxmlformats.org/officeDocument/2006/relationships" xmlns:p="http://schemas.openxmlformats.org/presentationml/2006/main">
+  <p:cSld>
+    <p:spTree>
+      <p:nvGrpSpPr>
+        <p:cNvPr id="1" name=""/>
+        <p:cNvGrpSpPr/>
+        <p:nvPr/>
+      </p:nvGrpSpPr>
+      <p:grpSpPr>
+        <a:xfrm>
+          <a:off x="0" y="0"/>
+          <a:ext cx="0" cy="0"/>
+          <a:chOff x="0" y="0"/>
+          <a:chExt cx="0" cy="0"/>
+        </a:xfrm>
+      </p:grpSpPr>
+      <p:sp>
+        <p:nvSpPr>
+          <p:cNvPr id="2" name="Title 1">
+            <a:extLst>
+              <a:ext uri="{FF2B5EF4-FFF2-40B4-BE49-F238E27FC236}">
+                <a16:creationId xmlns:a16="http://schemas.microsoft.com/office/drawing/2014/main" id="{E46A37ED-7300-4D12-87FA-6BDAF4F26C03}"/>
+              </a:ext>
+            </a:extLst>
+          </p:cNvPr>
+          <p:cNvSpPr>
+            <a:spLocks noGrp="1"/>
+          </p:cNvSpPr>
+          <p:nvPr>
+            <p:ph type="title"/>
+          </p:nvPr>
+        </p:nvSpPr>
+        <p:spPr/>
+        <p:txBody>
+          <a:bodyPr/>
+          <a:lstStyle/>
+          <a:p>
+            <a:r>
+              <a:rPr lang="en-US" b="1" dirty="0"/>
+              <a:t>Noise level as Network input</a:t>
+            </a:r>
+          </a:p>
+        </p:txBody>
+      </p:sp>
+      <p:sp>
+        <p:nvSpPr>
+          <p:cNvPr id="3" name="Content Placeholder 2">
+            <a:extLst>
+              <a:ext uri="{FF2B5EF4-FFF2-40B4-BE49-F238E27FC236}">
+                <a16:creationId xmlns:a16="http://schemas.microsoft.com/office/drawing/2014/main" id="{FBC670EB-095C-48AB-8D06-861705E0D262}"/>
+              </a:ext>
+            </a:extLst>
+          </p:cNvPr>
+          <p:cNvSpPr>
+            <a:spLocks noGrp="1"/>
+          </p:cNvSpPr>
+          <p:nvPr>
+            <p:ph idx="1"/>
+          </p:nvPr>
+        </p:nvSpPr>
+        <p:spPr>
+          <a:xfrm>
+            <a:off x="838199" y="1825625"/>
+            <a:ext cx="9796397" cy="4351338"/>
+          </a:xfrm>
+        </p:spPr>
+        <p:txBody>
+          <a:bodyPr>
+            <a:normAutofit/>
+          </a:bodyPr>
+          <a:lstStyle/>
+          <a:p>
+            <a:r>
+              <a:rPr lang="en-US" dirty="0"/>
+              <a:t>In addition to images burst the network take as input the noise level estimation of the burst.</a:t>
+            </a:r>
+          </a:p>
+          <a:p>
+            <a:endParaRPr lang="en-US" dirty="0"/>
+          </a:p>
+        </p:txBody>
+      </p:sp>
+      <p:pic>
+        <p:nvPicPr>
+          <p:cNvPr id="5" name="Picture 4">
+            <a:extLst>
+              <a:ext uri="{FF2B5EF4-FFF2-40B4-BE49-F238E27FC236}">
+                <a16:creationId xmlns:a16="http://schemas.microsoft.com/office/drawing/2014/main" id="{04247A2E-3AA3-4844-AE2F-CF573E785979}"/>
+              </a:ext>
+            </a:extLst>
+          </p:cNvPr>
+          <p:cNvPicPr>
+            <a:picLocks noChangeAspect="1"/>
+          </p:cNvPicPr>
+          <p:nvPr/>
+        </p:nvPicPr>
+        <p:blipFill>
+          <a:blip r:embed="rId3"/>
+          <a:stretch>
+            <a:fillRect/>
+          </a:stretch>
+        </p:blipFill>
+        <p:spPr>
+          <a:xfrm>
+            <a:off x="1128712" y="2928241"/>
+            <a:ext cx="9934575" cy="3305175"/>
+          </a:xfrm>
+          <a:prstGeom prst="rect">
+            <a:avLst/>
+          </a:prstGeom>
+        </p:spPr>
+      </p:pic>
+    </p:spTree>
+    <p:extLst>
+      <p:ext uri="{BB962C8B-B14F-4D97-AF65-F5344CB8AC3E}">
+        <p14:creationId xmlns:p14="http://schemas.microsoft.com/office/powerpoint/2010/main" val="1450111426"/>
+      </p:ext>
+    </p:extLst>
+  </p:cSld>
+  <p:clrMapOvr>
+    <a:masterClrMapping/>
+  </p:clrMapOvr>
+</p:sld>
+</file>
+
+<file path=ppt/slides/slide16.xml><?xml version="1.0" encoding="utf-8"?>
+<p:sld xmlns:a="http://schemas.openxmlformats.org/drawingml/2006/main" xmlns:r="http://schemas.openxmlformats.org/officeDocument/2006/relationships" xmlns:p="http://schemas.openxmlformats.org/presentationml/2006/main">
+  <p:cSld>
+    <p:spTree>
+      <p:nvGrpSpPr>
+        <p:cNvPr id="1" name=""/>
+        <p:cNvGrpSpPr/>
+        <p:nvPr/>
+      </p:nvGrpSpPr>
+      <p:grpSpPr>
+        <a:xfrm>
+          <a:off x="0" y="0"/>
+          <a:ext cx="0" cy="0"/>
+          <a:chOff x="0" y="0"/>
+          <a:chExt cx="0" cy="0"/>
+        </a:xfrm>
+      </p:grpSpPr>
+      <p:sp>
+        <p:nvSpPr>
+          <p:cNvPr id="2" name="Title 1">
+            <a:extLst>
+              <a:ext uri="{FF2B5EF4-FFF2-40B4-BE49-F238E27FC236}">
+                <a16:creationId xmlns:a16="http://schemas.microsoft.com/office/drawing/2014/main" id="{11DE04F3-3988-4C7F-9838-C809D14BC559}"/>
+              </a:ext>
+            </a:extLst>
+          </p:cNvPr>
+          <p:cNvSpPr>
+            <a:spLocks noGrp="1"/>
+          </p:cNvSpPr>
+          <p:nvPr>
+            <p:ph type="title"/>
+          </p:nvPr>
+        </p:nvSpPr>
+        <p:spPr/>
+        <p:txBody>
+          <a:bodyPr/>
+          <a:lstStyle/>
+          <a:p>
+            <a:r>
+              <a:rPr lang="en-US" b="1" dirty="0"/>
+              <a:t>Noise level as Network input</a:t>
+            </a:r>
+          </a:p>
+        </p:txBody>
+      </p:sp>
+      <p:sp>
+        <p:nvSpPr>
+          <p:cNvPr id="3" name="Content Placeholder 2">
+            <a:extLst>
+              <a:ext uri="{FF2B5EF4-FFF2-40B4-BE49-F238E27FC236}">
+                <a16:creationId xmlns:a16="http://schemas.microsoft.com/office/drawing/2014/main" id="{92B7AAD0-E3E7-494F-A344-3C85AAD6D56C}"/>
+              </a:ext>
+            </a:extLst>
+          </p:cNvPr>
+          <p:cNvSpPr>
+            <a:spLocks noGrp="1"/>
+          </p:cNvSpPr>
+          <p:nvPr>
+            <p:ph idx="1"/>
+          </p:nvPr>
+        </p:nvSpPr>
+        <p:spPr>
+          <a:xfrm>
+            <a:off x="838200" y="1825625"/>
+            <a:ext cx="4885412" cy="3021948"/>
+          </a:xfrm>
+        </p:spPr>
+        <p:txBody>
+          <a:bodyPr>
+            <a:normAutofit lnSpcReduction="10000"/>
+          </a:bodyPr>
+          <a:lstStyle/>
+          <a:p>
+            <a:r>
+              <a:rPr lang="en-US" dirty="0"/>
+              <a:t>Including the noise estimate lets the network generalize beyond the noise levels on which it was trained.</a:t>
+            </a:r>
+          </a:p>
+          <a:p>
+            <a:r>
+              <a:rPr lang="en-US" dirty="0"/>
+              <a:t>Good performance with unseen noise levels compared to “blind” network. </a:t>
+            </a:r>
+            <a:br>
+              <a:rPr lang="en-US" dirty="0"/>
+            </a:br>
+            <a:endParaRPr lang="en-US" dirty="0"/>
+          </a:p>
+        </p:txBody>
+      </p:sp>
+      <p:pic>
+        <p:nvPicPr>
+          <p:cNvPr id="9" name="Picture 8">
+            <a:extLst>
+              <a:ext uri="{FF2B5EF4-FFF2-40B4-BE49-F238E27FC236}">
+                <a16:creationId xmlns:a16="http://schemas.microsoft.com/office/drawing/2014/main" id="{C919972F-7BD7-4210-924C-5AC16672596A}"/>
+              </a:ext>
+            </a:extLst>
+          </p:cNvPr>
+          <p:cNvPicPr>
+            <a:picLocks noChangeAspect="1"/>
+          </p:cNvPicPr>
+          <p:nvPr/>
+        </p:nvPicPr>
+        <p:blipFill>
+          <a:blip r:embed="rId3">
+            <a:extLst>
+              <a:ext uri="{BEBA8EAE-BF5A-486C-A8C5-ECC9F3942E4B}">
+                <a14:imgProps xmlns:a14="http://schemas.microsoft.com/office/drawing/2010/main">
+                  <a14:imgLayer r:embed="rId4">
+                    <a14:imgEffect>
+                      <a14:sharpenSoften amount="50000"/>
+                    </a14:imgEffect>
+                  </a14:imgLayer>
+                </a14:imgProps>
+              </a:ext>
+            </a:extLst>
+          </a:blip>
+          <a:stretch>
+            <a:fillRect/>
+          </a:stretch>
+        </p:blipFill>
+        <p:spPr>
+          <a:xfrm>
+            <a:off x="5723612" y="1842414"/>
+            <a:ext cx="5838825" cy="3810000"/>
+          </a:xfrm>
+          <a:prstGeom prst="rect">
+            <a:avLst/>
+          </a:prstGeom>
+        </p:spPr>
+      </p:pic>
+    </p:spTree>
+    <p:extLst>
+      <p:ext uri="{BB962C8B-B14F-4D97-AF65-F5344CB8AC3E}">
+        <p14:creationId xmlns:p14="http://schemas.microsoft.com/office/powerpoint/2010/main" val="2707744959"/>
+      </p:ext>
+    </p:extLst>
+  </p:cSld>
+  <p:clrMapOvr>
+    <a:masterClrMapping/>
+  </p:clrMapOvr>
+</p:sld>
+</file>
+
+<file path=ppt/slides/slide17.xml><?xml version="1.0" encoding="utf-8"?>
+<p:sld xmlns:a="http://schemas.openxmlformats.org/drawingml/2006/main" xmlns:r="http://schemas.openxmlformats.org/officeDocument/2006/relationships" xmlns:p="http://schemas.openxmlformats.org/presentationml/2006/main">
+  <p:cSld>
+    <p:spTree>
+      <p:nvGrpSpPr>
+        <p:cNvPr id="1" name=""/>
+        <p:cNvGrpSpPr/>
+        <p:nvPr/>
+      </p:nvGrpSpPr>
+      <p:grpSpPr>
+        <a:xfrm>
+          <a:off x="0" y="0"/>
+          <a:ext cx="0" cy="0"/>
+          <a:chOff x="0" y="0"/>
+          <a:chExt cx="0" cy="0"/>
+        </a:xfrm>
+      </p:grpSpPr>
+      <p:sp>
+        <p:nvSpPr>
+          <p:cNvPr id="2" name="Title 1">
+            <a:extLst>
+              <a:ext uri="{FF2B5EF4-FFF2-40B4-BE49-F238E27FC236}">
+                <a16:creationId xmlns:a16="http://schemas.microsoft.com/office/drawing/2014/main" id="{E46A37ED-7300-4D12-87FA-6BDAF4F26C03}"/>
+              </a:ext>
+            </a:extLst>
+          </p:cNvPr>
+          <p:cNvSpPr>
+            <a:spLocks noGrp="1"/>
+          </p:cNvSpPr>
+          <p:nvPr>
+            <p:ph type="title"/>
+          </p:nvPr>
+        </p:nvSpPr>
+        <p:spPr/>
+        <p:txBody>
+          <a:bodyPr/>
+          <a:lstStyle/>
+          <a:p>
+            <a:r>
+              <a:rPr lang="en-US" b="1" dirty="0"/>
+              <a:t>Synthetic training data</a:t>
+            </a:r>
+          </a:p>
+        </p:txBody>
+      </p:sp>
+      <p:sp>
+        <p:nvSpPr>
+          <p:cNvPr id="3" name="Content Placeholder 2">
+            <a:extLst>
+              <a:ext uri="{FF2B5EF4-FFF2-40B4-BE49-F238E27FC236}">
+                <a16:creationId xmlns:a16="http://schemas.microsoft.com/office/drawing/2014/main" id="{FBC670EB-095C-48AB-8D06-861705E0D262}"/>
+              </a:ext>
+            </a:extLst>
+          </p:cNvPr>
+          <p:cNvSpPr>
+            <a:spLocks noGrp="1"/>
+          </p:cNvSpPr>
+          <p:nvPr>
+            <p:ph idx="1"/>
+          </p:nvPr>
+        </p:nvSpPr>
+        <p:spPr/>
+        <p:txBody>
+          <a:bodyPr/>
+          <a:lstStyle/>
+          <a:p>
+            <a:r>
+              <a:rPr lang="en-US" dirty="0"/>
+              <a:t>Gathering ground truth data for image restoration tasks</a:t>
+            </a:r>
+            <a:br>
+              <a:rPr lang="en-US" dirty="0"/>
+            </a:br>
+            <a:r>
+              <a:rPr lang="en-US" dirty="0"/>
+              <a:t>is challenging. </a:t>
+            </a:r>
+          </a:p>
+          <a:p>
+            <a:r>
+              <a:rPr lang="en-US" dirty="0"/>
+              <a:t>Burst denoising adds an additional complication. </a:t>
+            </a:r>
+          </a:p>
+          <a:p>
+            <a:r>
+              <a:rPr lang="en-US" dirty="0"/>
+              <a:t>Because deep neural networks require millions of</a:t>
+            </a:r>
+            <a:br>
+              <a:rPr lang="en-US" dirty="0"/>
+            </a:br>
+            <a:r>
+              <a:rPr lang="en-US" dirty="0"/>
+              <a:t>image patches during training, it is impractical to use real</a:t>
+            </a:r>
+            <a:br>
+              <a:rPr lang="en-US" dirty="0"/>
+            </a:br>
+            <a:r>
+              <a:rPr lang="en-US" dirty="0"/>
+              <a:t>pairs of noisy and noise-free ground truth bursts.</a:t>
+            </a:r>
+          </a:p>
+          <a:p>
+            <a:r>
+              <a:rPr lang="en-US" dirty="0"/>
+              <a:t>Let’s fake it! </a:t>
+            </a:r>
+            <a:br>
+              <a:rPr lang="en-US" dirty="0"/>
+            </a:br>
+            <a:br>
+              <a:rPr lang="en-US" dirty="0"/>
+            </a:br>
+            <a:endParaRPr lang="en-US" dirty="0"/>
+          </a:p>
+        </p:txBody>
+      </p:sp>
+    </p:spTree>
+    <p:extLst>
+      <p:ext uri="{BB962C8B-B14F-4D97-AF65-F5344CB8AC3E}">
+        <p14:creationId xmlns:p14="http://schemas.microsoft.com/office/powerpoint/2010/main" val="447609578"/>
+      </p:ext>
+    </p:extLst>
+  </p:cSld>
+  <p:clrMapOvr>
+    <a:masterClrMapping/>
+  </p:clrMapOvr>
+</p:sld>
+</file>
+
+<file path=ppt/slides/slide18.xml><?xml version="1.0" encoding="utf-8"?>
+<p:sld xmlns:a="http://schemas.openxmlformats.org/drawingml/2006/main" xmlns:r="http://schemas.openxmlformats.org/officeDocument/2006/relationships" xmlns:p="http://schemas.openxmlformats.org/presentationml/2006/main">
+  <p:cSld>
+    <p:spTree>
+      <p:nvGrpSpPr>
+        <p:cNvPr id="1" name=""/>
+        <p:cNvGrpSpPr/>
+        <p:nvPr/>
+      </p:nvGrpSpPr>
+      <p:grpSpPr>
+        <a:xfrm>
+          <a:off x="0" y="0"/>
+          <a:ext cx="0" cy="0"/>
+          <a:chOff x="0" y="0"/>
+          <a:chExt cx="0" cy="0"/>
+        </a:xfrm>
+      </p:grpSpPr>
+      <p:pic>
+        <p:nvPicPr>
+          <p:cNvPr id="4" name="Picture 3">
+            <a:extLst>
+              <a:ext uri="{FF2B5EF4-FFF2-40B4-BE49-F238E27FC236}">
+                <a16:creationId xmlns:a16="http://schemas.microsoft.com/office/drawing/2014/main" id="{EE10CBA3-3E5E-48A6-BC68-464FF464AEDC}"/>
+              </a:ext>
+            </a:extLst>
+          </p:cNvPr>
+          <p:cNvPicPr>
+            <a:picLocks noChangeAspect="1"/>
+          </p:cNvPicPr>
+          <p:nvPr/>
+        </p:nvPicPr>
+        <p:blipFill>
+          <a:blip r:embed="rId3"/>
+          <a:stretch>
+            <a:fillRect/>
+          </a:stretch>
+        </p:blipFill>
+        <p:spPr>
+          <a:xfrm>
+            <a:off x="2188218" y="2197100"/>
+            <a:ext cx="9420225" cy="4295775"/>
+          </a:xfrm>
+          <a:prstGeom prst="rect">
+            <a:avLst/>
+          </a:prstGeom>
+        </p:spPr>
+      </p:pic>
+      <p:sp>
+        <p:nvSpPr>
+          <p:cNvPr id="2" name="Title 1">
+            <a:extLst>
+              <a:ext uri="{FF2B5EF4-FFF2-40B4-BE49-F238E27FC236}">
+                <a16:creationId xmlns:a16="http://schemas.microsoft.com/office/drawing/2014/main" id="{E46A37ED-7300-4D12-87FA-6BDAF4F26C03}"/>
+              </a:ext>
+            </a:extLst>
+          </p:cNvPr>
+          <p:cNvSpPr>
+            <a:spLocks noGrp="1"/>
+          </p:cNvSpPr>
+          <p:nvPr>
+            <p:ph type="title"/>
+          </p:nvPr>
+        </p:nvSpPr>
+        <p:spPr/>
+        <p:txBody>
+          <a:bodyPr/>
+          <a:lstStyle/>
+          <a:p>
+            <a:r>
+              <a:rPr lang="en-US" b="1" dirty="0"/>
+              <a:t>Generating synthetic data</a:t>
+            </a:r>
+          </a:p>
+        </p:txBody>
+      </p:sp>
+      <p:sp>
+        <p:nvSpPr>
+          <p:cNvPr id="3" name="Content Placeholder 2">
+            <a:extLst>
+              <a:ext uri="{FF2B5EF4-FFF2-40B4-BE49-F238E27FC236}">
+                <a16:creationId xmlns:a16="http://schemas.microsoft.com/office/drawing/2014/main" id="{FBC670EB-095C-48AB-8D06-861705E0D262}"/>
+              </a:ext>
+            </a:extLst>
+          </p:cNvPr>
+          <p:cNvSpPr>
+            <a:spLocks noGrp="1"/>
+          </p:cNvSpPr>
+          <p:nvPr>
+            <p:ph idx="1"/>
+          </p:nvPr>
+        </p:nvSpPr>
+        <p:spPr/>
+        <p:txBody>
+          <a:bodyPr/>
+          <a:lstStyle/>
+          <a:p>
+            <a:r>
+              <a:rPr lang="en-US" dirty="0"/>
+              <a:t>Crop randomly</a:t>
+            </a:r>
+          </a:p>
+          <a:p>
+            <a:r>
+              <a:rPr lang="en-US" dirty="0"/>
+              <a:t>Scale colors</a:t>
+            </a:r>
+          </a:p>
+          <a:p>
+            <a:r>
+              <a:rPr lang="en-US" dirty="0"/>
+              <a:t>Add noise. </a:t>
+            </a:r>
+          </a:p>
+          <a:p>
+            <a:pPr marL="0" indent="0">
+              <a:buNone/>
+            </a:pPr>
+            <a:br>
+              <a:rPr lang="en-US" dirty="0"/>
+            </a:br>
+            <a:br>
+              <a:rPr lang="en-US" dirty="0"/>
+            </a:br>
+            <a:endParaRPr lang="en-US" dirty="0"/>
+          </a:p>
+        </p:txBody>
+      </p:sp>
+    </p:spTree>
+    <p:extLst>
+      <p:ext uri="{BB962C8B-B14F-4D97-AF65-F5344CB8AC3E}">
+        <p14:creationId xmlns:p14="http://schemas.microsoft.com/office/powerpoint/2010/main" val="2352474685"/>
+      </p:ext>
+    </p:extLst>
+  </p:cSld>
+  <p:clrMapOvr>
+    <a:masterClrMapping/>
+  </p:clrMapOvr>
+</p:sld>
+</file>
+
+<file path=ppt/slides/slide19.xml><?xml version="1.0" encoding="utf-8"?>
+<p:sld xmlns:a="http://schemas.openxmlformats.org/drawingml/2006/main" xmlns:r="http://schemas.openxmlformats.org/officeDocument/2006/relationships" xmlns:p="http://schemas.openxmlformats.org/presentationml/2006/main">
+  <p:cSld>
+    <p:spTree>
+      <p:nvGrpSpPr>
+        <p:cNvPr id="1" name=""/>
+        <p:cNvGrpSpPr/>
+        <p:nvPr/>
+      </p:nvGrpSpPr>
+      <p:grpSpPr>
+        <a:xfrm>
+          <a:off x="0" y="0"/>
+          <a:ext cx="0" cy="0"/>
+          <a:chOff x="0" y="0"/>
+          <a:chExt cx="0" cy="0"/>
+        </a:xfrm>
+      </p:grpSpPr>
+      <p:sp>
+        <p:nvSpPr>
+          <p:cNvPr id="2" name="Title 1">
+            <a:extLst>
+              <a:ext uri="{FF2B5EF4-FFF2-40B4-BE49-F238E27FC236}">
+                <a16:creationId xmlns:a16="http://schemas.microsoft.com/office/drawing/2014/main" id="{102EC03F-2ACE-4396-ACEB-93D6C37C1084}"/>
+              </a:ext>
+            </a:extLst>
+          </p:cNvPr>
+          <p:cNvSpPr>
+            <a:spLocks noGrp="1"/>
+          </p:cNvSpPr>
+          <p:nvPr>
+            <p:ph type="title"/>
+          </p:nvPr>
+        </p:nvSpPr>
+        <p:spPr/>
+        <p:txBody>
+          <a:bodyPr/>
+          <a:lstStyle/>
+          <a:p>
+            <a:r>
+              <a:rPr lang="en-US" b="1" dirty="0"/>
+              <a:t>Results</a:t>
+            </a:r>
+          </a:p>
+        </p:txBody>
+      </p:sp>
+      <p:pic>
+        <p:nvPicPr>
+          <p:cNvPr id="4" name="Picture 3">
+            <a:extLst>
+              <a:ext uri="{FF2B5EF4-FFF2-40B4-BE49-F238E27FC236}">
+                <a16:creationId xmlns:a16="http://schemas.microsoft.com/office/drawing/2014/main" id="{F6A08EB1-75EC-4504-A635-735448609346}"/>
+              </a:ext>
+            </a:extLst>
+          </p:cNvPr>
+          <p:cNvPicPr>
+            <a:picLocks noChangeAspect="1"/>
+          </p:cNvPicPr>
+          <p:nvPr/>
+        </p:nvPicPr>
+        <p:blipFill>
+          <a:blip r:embed="rId3"/>
           <a:stretch>
             <a:fillRect/>
           </a:stretch>
@@ -3755,7 +7454,7 @@
 </p:sld>
 </file>
 
-<file path=ppt/slides/slide13.xml><?xml version="1.0" encoding="utf-8"?>
+<file path=ppt/slides/slide2.xml><?xml version="1.0" encoding="utf-8"?>
 <p:sld xmlns:a="http://schemas.openxmlformats.org/drawingml/2006/main" xmlns:r="http://schemas.openxmlformats.org/officeDocument/2006/relationships" xmlns:p="http://schemas.openxmlformats.org/presentationml/2006/main">
   <p:cSld>
     <p:spTree>
@@ -3777,7 +7476,7 @@
           <p:cNvPr id="2" name="Title 1">
             <a:extLst>
               <a:ext uri="{FF2B5EF4-FFF2-40B4-BE49-F238E27FC236}">
-                <a16:creationId xmlns:a16="http://schemas.microsoft.com/office/drawing/2014/main" id="{102EC03F-2ACE-4396-ACEB-93D6C37C1084}"/>
+                <a16:creationId xmlns:a16="http://schemas.microsoft.com/office/drawing/2014/main" id="{F58AC501-B0E2-404E-BB90-EF1BDBD3BFA9}"/>
               </a:ext>
             </a:extLst>
           </p:cNvPr>
@@ -3794,18 +7493,70 @@
           <a:lstStyle/>
           <a:p>
             <a:r>
-              <a:rPr lang="en-US" dirty="0"/>
-              <a:t>Results</a:t>
-            </a:r>
+              <a:rPr lang="en-US" b="1" dirty="0"/>
+              <a:t>What is Burst Denoising?</a:t>
+            </a:r>
+            <a:endParaRPr lang="en-US" dirty="0"/>
+          </a:p>
+        </p:txBody>
+      </p:sp>
+      <p:sp>
+        <p:nvSpPr>
+          <p:cNvPr id="3" name="Content Placeholder 2">
+            <a:extLst>
+              <a:ext uri="{FF2B5EF4-FFF2-40B4-BE49-F238E27FC236}">
+                <a16:creationId xmlns:a16="http://schemas.microsoft.com/office/drawing/2014/main" id="{56831F7D-E5AF-4F71-9B61-A360520A62F0}"/>
+              </a:ext>
+            </a:extLst>
+          </p:cNvPr>
+          <p:cNvSpPr>
+            <a:spLocks noGrp="1"/>
+          </p:cNvSpPr>
+          <p:nvPr>
+            <p:ph idx="1"/>
+          </p:nvPr>
+        </p:nvSpPr>
+        <p:spPr>
+          <a:xfrm>
+            <a:off x="838200" y="1825625"/>
+            <a:ext cx="5257800" cy="4351338"/>
+          </a:xfrm>
+        </p:spPr>
+        <p:txBody>
+          <a:bodyPr>
+            <a:normAutofit/>
+          </a:bodyPr>
+          <a:lstStyle/>
+          <a:p>
+            <a:r>
+              <a:rPr lang="en-US" dirty="0"/>
+              <a:t>Burst mode - multiple shots in a short time.</a:t>
+            </a:r>
+          </a:p>
+          <a:p>
+            <a:r>
+              <a:rPr lang="en-US" dirty="0"/>
+              <a:t>Burst Denoising – Using the noisy images from the burst to reconstruct the original image. </a:t>
+            </a:r>
+          </a:p>
+          <a:p>
+            <a:r>
+              <a:rPr lang="en-US" dirty="0"/>
+              <a:t>In this paper Encoder-Decoder architecture is used to denoise a burst. </a:t>
+            </a:r>
+            <a:br>
+              <a:rPr lang="en-US" dirty="0"/>
+            </a:br>
+            <a:endParaRPr lang="en-US" dirty="0"/>
           </a:p>
         </p:txBody>
       </p:sp>
       <p:pic>
         <p:nvPicPr>
-          <p:cNvPr id="7" name="Picture 6">
-            <a:extLst>
-              <a:ext uri="{FF2B5EF4-FFF2-40B4-BE49-F238E27FC236}">
-                <a16:creationId xmlns:a16="http://schemas.microsoft.com/office/drawing/2014/main" id="{AA88E32C-39EB-4497-9E05-E7999A124A64}"/>
+          <p:cNvPr id="4" name="Picture 3">
+            <a:extLst>
+              <a:ext uri="{FF2B5EF4-FFF2-40B4-BE49-F238E27FC236}">
+                <a16:creationId xmlns:a16="http://schemas.microsoft.com/office/drawing/2014/main" id="{65881C3B-62E7-4881-9CE2-7B8B679FDC8F}"/>
               </a:ext>
             </a:extLst>
           </p:cNvPr>
@@ -3815,7 +7566,267 @@
           <p:nvPr/>
         </p:nvPicPr>
         <p:blipFill>
-          <a:blip r:embed="rId2"/>
+          <a:blip r:embed="rId3"/>
+          <a:stretch>
+            <a:fillRect/>
+          </a:stretch>
+        </p:blipFill>
+        <p:spPr>
+          <a:xfrm>
+            <a:off x="6358850" y="1825625"/>
+            <a:ext cx="5286375" cy="3886200"/>
+          </a:xfrm>
+          <a:prstGeom prst="rect">
+            <a:avLst/>
+          </a:prstGeom>
+        </p:spPr>
+      </p:pic>
+    </p:spTree>
+    <p:extLst>
+      <p:ext uri="{BB962C8B-B14F-4D97-AF65-F5344CB8AC3E}">
+        <p14:creationId xmlns:p14="http://schemas.microsoft.com/office/powerpoint/2010/main" val="1059675643"/>
+      </p:ext>
+    </p:extLst>
+  </p:cSld>
+  <p:clrMapOvr>
+    <a:masterClrMapping/>
+  </p:clrMapOvr>
+</p:sld>
+</file>
+
+<file path=ppt/slides/slide20.xml><?xml version="1.0" encoding="utf-8"?>
+<p:sld xmlns:a="http://schemas.openxmlformats.org/drawingml/2006/main" xmlns:r="http://schemas.openxmlformats.org/officeDocument/2006/relationships" xmlns:p="http://schemas.openxmlformats.org/presentationml/2006/main">
+  <p:cSld>
+    <p:spTree>
+      <p:nvGrpSpPr>
+        <p:cNvPr id="1" name=""/>
+        <p:cNvGrpSpPr/>
+        <p:nvPr/>
+      </p:nvGrpSpPr>
+      <p:grpSpPr>
+        <a:xfrm>
+          <a:off x="0" y="0"/>
+          <a:ext cx="0" cy="0"/>
+          <a:chOff x="0" y="0"/>
+          <a:chExt cx="0" cy="0"/>
+        </a:xfrm>
+      </p:grpSpPr>
+      <p:sp>
+        <p:nvSpPr>
+          <p:cNvPr id="2" name="Title 1">
+            <a:extLst>
+              <a:ext uri="{FF2B5EF4-FFF2-40B4-BE49-F238E27FC236}">
+                <a16:creationId xmlns:a16="http://schemas.microsoft.com/office/drawing/2014/main" id="{102EC03F-2ACE-4396-ACEB-93D6C37C1084}"/>
+              </a:ext>
+            </a:extLst>
+          </p:cNvPr>
+          <p:cNvSpPr>
+            <a:spLocks noGrp="1"/>
+          </p:cNvSpPr>
+          <p:nvPr>
+            <p:ph type="title"/>
+          </p:nvPr>
+        </p:nvSpPr>
+        <p:spPr/>
+        <p:txBody>
+          <a:bodyPr/>
+          <a:lstStyle/>
+          <a:p>
+            <a:r>
+              <a:rPr lang="en-US" b="1" dirty="0"/>
+              <a:t>More results</a:t>
+            </a:r>
+          </a:p>
+        </p:txBody>
+      </p:sp>
+      <p:pic>
+        <p:nvPicPr>
+          <p:cNvPr id="4" name="Picture 3">
+            <a:extLst>
+              <a:ext uri="{FF2B5EF4-FFF2-40B4-BE49-F238E27FC236}">
+                <a16:creationId xmlns:a16="http://schemas.microsoft.com/office/drawing/2014/main" id="{3AA691D8-52E9-4718-9256-168E13F1062A}"/>
+              </a:ext>
+            </a:extLst>
+          </p:cNvPr>
+          <p:cNvPicPr>
+            <a:picLocks noChangeAspect="1"/>
+          </p:cNvPicPr>
+          <p:nvPr/>
+        </p:nvPicPr>
+        <p:blipFill>
+          <a:blip r:embed="rId3"/>
+          <a:stretch>
+            <a:fillRect/>
+          </a:stretch>
+        </p:blipFill>
+        <p:spPr>
+          <a:xfrm>
+            <a:off x="648679" y="1690688"/>
+            <a:ext cx="4581525" cy="4248150"/>
+          </a:xfrm>
+          <a:prstGeom prst="rect">
+            <a:avLst/>
+          </a:prstGeom>
+        </p:spPr>
+      </p:pic>
+      <p:pic>
+        <p:nvPicPr>
+          <p:cNvPr id="5" name="Picture 4">
+            <a:extLst>
+              <a:ext uri="{FF2B5EF4-FFF2-40B4-BE49-F238E27FC236}">
+                <a16:creationId xmlns:a16="http://schemas.microsoft.com/office/drawing/2014/main" id="{89369DB2-063D-49A8-B97C-084BCABFB012}"/>
+              </a:ext>
+            </a:extLst>
+          </p:cNvPr>
+          <p:cNvPicPr>
+            <a:picLocks noChangeAspect="1"/>
+          </p:cNvPicPr>
+          <p:nvPr/>
+        </p:nvPicPr>
+        <p:blipFill>
+          <a:blip r:embed="rId4"/>
+          <a:stretch>
+            <a:fillRect/>
+          </a:stretch>
+        </p:blipFill>
+        <p:spPr>
+          <a:xfrm>
+            <a:off x="6448425" y="1690688"/>
+            <a:ext cx="4905375" cy="4229100"/>
+          </a:xfrm>
+          <a:prstGeom prst="rect">
+            <a:avLst/>
+          </a:prstGeom>
+        </p:spPr>
+      </p:pic>
+      <p:sp>
+        <p:nvSpPr>
+          <p:cNvPr id="9" name="Arrow: Right 8">
+            <a:extLst>
+              <a:ext uri="{FF2B5EF4-FFF2-40B4-BE49-F238E27FC236}">
+                <a16:creationId xmlns:a16="http://schemas.microsoft.com/office/drawing/2014/main" id="{84BBC869-3575-4289-ADE9-8B0960FD2507}"/>
+              </a:ext>
+            </a:extLst>
+          </p:cNvPr>
+          <p:cNvSpPr/>
+          <p:nvPr/>
+        </p:nvSpPr>
+        <p:spPr>
+          <a:xfrm>
+            <a:off x="5449742" y="3164492"/>
+            <a:ext cx="779144" cy="1066800"/>
+          </a:xfrm>
+          <a:prstGeom prst="rightArrow">
+            <a:avLst/>
+          </a:prstGeom>
+          <a:solidFill>
+            <a:schemeClr val="bg1"/>
+          </a:solidFill>
+          <a:ln>
+            <a:solidFill>
+              <a:schemeClr val="tx1"/>
+            </a:solidFill>
+          </a:ln>
+        </p:spPr>
+        <p:style>
+          <a:lnRef idx="2">
+            <a:schemeClr val="accent1">
+              <a:shade val="50000"/>
+            </a:schemeClr>
+          </a:lnRef>
+          <a:fillRef idx="1">
+            <a:schemeClr val="accent1"/>
+          </a:fillRef>
+          <a:effectRef idx="0">
+            <a:schemeClr val="accent1"/>
+          </a:effectRef>
+          <a:fontRef idx="minor">
+            <a:schemeClr val="lt1"/>
+          </a:fontRef>
+        </p:style>
+        <p:txBody>
+          <a:bodyPr rtlCol="0" anchor="ctr"/>
+          <a:lstStyle/>
+          <a:p>
+            <a:pPr algn="ctr"/>
+            <a:endParaRPr lang="en-US"/>
+          </a:p>
+        </p:txBody>
+      </p:sp>
+    </p:spTree>
+    <p:extLst>
+      <p:ext uri="{BB962C8B-B14F-4D97-AF65-F5344CB8AC3E}">
+        <p14:creationId xmlns:p14="http://schemas.microsoft.com/office/powerpoint/2010/main" val="2111355881"/>
+      </p:ext>
+    </p:extLst>
+  </p:cSld>
+  <p:clrMapOvr>
+    <a:masterClrMapping/>
+  </p:clrMapOvr>
+</p:sld>
+</file>
+
+<file path=ppt/slides/slide21.xml><?xml version="1.0" encoding="utf-8"?>
+<p:sld xmlns:a="http://schemas.openxmlformats.org/drawingml/2006/main" xmlns:r="http://schemas.openxmlformats.org/officeDocument/2006/relationships" xmlns:p="http://schemas.openxmlformats.org/presentationml/2006/main">
+  <p:cSld>
+    <p:spTree>
+      <p:nvGrpSpPr>
+        <p:cNvPr id="1" name=""/>
+        <p:cNvGrpSpPr/>
+        <p:nvPr/>
+      </p:nvGrpSpPr>
+      <p:grpSpPr>
+        <a:xfrm>
+          <a:off x="0" y="0"/>
+          <a:ext cx="0" cy="0"/>
+          <a:chOff x="0" y="0"/>
+          <a:chExt cx="0" cy="0"/>
+        </a:xfrm>
+      </p:grpSpPr>
+      <p:sp>
+        <p:nvSpPr>
+          <p:cNvPr id="2" name="Title 1">
+            <a:extLst>
+              <a:ext uri="{FF2B5EF4-FFF2-40B4-BE49-F238E27FC236}">
+                <a16:creationId xmlns:a16="http://schemas.microsoft.com/office/drawing/2014/main" id="{102EC03F-2ACE-4396-ACEB-93D6C37C1084}"/>
+              </a:ext>
+            </a:extLst>
+          </p:cNvPr>
+          <p:cNvSpPr>
+            <a:spLocks noGrp="1"/>
+          </p:cNvSpPr>
+          <p:nvPr>
+            <p:ph type="title"/>
+          </p:nvPr>
+        </p:nvSpPr>
+        <p:spPr/>
+        <p:txBody>
+          <a:bodyPr/>
+          <a:lstStyle/>
+          <a:p>
+            <a:r>
+              <a:rPr lang="en-US" b="1" dirty="0"/>
+              <a:t>And more results</a:t>
+            </a:r>
+          </a:p>
+        </p:txBody>
+      </p:sp>
+      <p:pic>
+        <p:nvPicPr>
+          <p:cNvPr id="7" name="Picture 6">
+            <a:extLst>
+              <a:ext uri="{FF2B5EF4-FFF2-40B4-BE49-F238E27FC236}">
+                <a16:creationId xmlns:a16="http://schemas.microsoft.com/office/drawing/2014/main" id="{AA88E32C-39EB-4497-9E05-E7999A124A64}"/>
+              </a:ext>
+            </a:extLst>
+          </p:cNvPr>
+          <p:cNvPicPr>
+            <a:picLocks noChangeAspect="1"/>
+          </p:cNvPicPr>
+          <p:nvPr/>
+        </p:nvPicPr>
+        <p:blipFill>
+          <a:blip r:embed="rId3"/>
           <a:stretch>
             <a:fillRect/>
           </a:stretch>
@@ -3897,7 +7908,7 @@
 </p:sld>
 </file>
 
-<file path=ppt/slides/slide14.xml><?xml version="1.0" encoding="utf-8"?>
+<file path=ppt/slides/slide22.xml><?xml version="1.0" encoding="utf-8"?>
 <p:sld xmlns:a="http://schemas.openxmlformats.org/drawingml/2006/main" xmlns:r="http://schemas.openxmlformats.org/officeDocument/2006/relationships" xmlns:p="http://schemas.openxmlformats.org/presentationml/2006/main">
   <p:cSld>
     <p:spTree>
@@ -3919,7 +7930,7 @@
           <p:cNvPr id="2" name="Title 1">
             <a:extLst>
               <a:ext uri="{FF2B5EF4-FFF2-40B4-BE49-F238E27FC236}">
-                <a16:creationId xmlns:a16="http://schemas.microsoft.com/office/drawing/2014/main" id="{102EC03F-2ACE-4396-ACEB-93D6C37C1084}"/>
+                <a16:creationId xmlns:a16="http://schemas.microsoft.com/office/drawing/2014/main" id="{9763EF74-801E-4CE5-B33A-29C60F9A0EA6}"/>
               </a:ext>
             </a:extLst>
           </p:cNvPr>
@@ -3936,232 +7947,79 @@
           <a:lstStyle/>
           <a:p>
             <a:r>
-              <a:rPr lang="en-US" dirty="0"/>
-              <a:t>Results</a:t>
-            </a:r>
-          </a:p>
-        </p:txBody>
-      </p:sp>
-      <p:pic>
-        <p:nvPicPr>
-          <p:cNvPr id="4" name="Picture 3">
-            <a:extLst>
-              <a:ext uri="{FF2B5EF4-FFF2-40B4-BE49-F238E27FC236}">
-                <a16:creationId xmlns:a16="http://schemas.microsoft.com/office/drawing/2014/main" id="{3AA691D8-52E9-4718-9256-168E13F1062A}"/>
-              </a:ext>
-            </a:extLst>
-          </p:cNvPr>
-          <p:cNvPicPr>
-            <a:picLocks noChangeAspect="1"/>
-          </p:cNvPicPr>
-          <p:nvPr/>
-        </p:nvPicPr>
-        <p:blipFill>
-          <a:blip r:embed="rId2"/>
-          <a:stretch>
-            <a:fillRect/>
-          </a:stretch>
-        </p:blipFill>
-        <p:spPr>
-          <a:xfrm>
-            <a:off x="648679" y="1690688"/>
-            <a:ext cx="4581525" cy="4248150"/>
-          </a:xfrm>
-          <a:prstGeom prst="rect">
-            <a:avLst/>
-          </a:prstGeom>
-        </p:spPr>
-      </p:pic>
-      <p:pic>
-        <p:nvPicPr>
-          <p:cNvPr id="5" name="Picture 4">
-            <a:extLst>
-              <a:ext uri="{FF2B5EF4-FFF2-40B4-BE49-F238E27FC236}">
-                <a16:creationId xmlns:a16="http://schemas.microsoft.com/office/drawing/2014/main" id="{89369DB2-063D-49A8-B97C-084BCABFB012}"/>
-              </a:ext>
-            </a:extLst>
-          </p:cNvPr>
-          <p:cNvPicPr>
-            <a:picLocks noChangeAspect="1"/>
-          </p:cNvPicPr>
-          <p:nvPr/>
-        </p:nvPicPr>
-        <p:blipFill>
-          <a:blip r:embed="rId3"/>
-          <a:stretch>
-            <a:fillRect/>
-          </a:stretch>
-        </p:blipFill>
-        <p:spPr>
-          <a:xfrm>
-            <a:off x="6448425" y="1690688"/>
-            <a:ext cx="4905375" cy="4229100"/>
-          </a:xfrm>
-          <a:prstGeom prst="rect">
-            <a:avLst/>
-          </a:prstGeom>
-        </p:spPr>
-      </p:pic>
-      <p:sp>
-        <p:nvSpPr>
-          <p:cNvPr id="9" name="Arrow: Right 8">
-            <a:extLst>
-              <a:ext uri="{FF2B5EF4-FFF2-40B4-BE49-F238E27FC236}">
-                <a16:creationId xmlns:a16="http://schemas.microsoft.com/office/drawing/2014/main" id="{84BBC869-3575-4289-ADE9-8B0960FD2507}"/>
-              </a:ext>
-            </a:extLst>
-          </p:cNvPr>
-          <p:cNvSpPr/>
-          <p:nvPr/>
-        </p:nvSpPr>
-        <p:spPr>
-          <a:xfrm>
-            <a:off x="5449742" y="3164492"/>
-            <a:ext cx="779144" cy="1066800"/>
-          </a:xfrm>
-          <a:prstGeom prst="rightArrow">
-            <a:avLst/>
-          </a:prstGeom>
-          <a:solidFill>
-            <a:schemeClr val="bg1"/>
-          </a:solidFill>
-          <a:ln>
-            <a:solidFill>
-              <a:schemeClr val="tx1"/>
-            </a:solidFill>
-          </a:ln>
-        </p:spPr>
-        <p:style>
-          <a:lnRef idx="2">
-            <a:schemeClr val="accent1">
-              <a:shade val="50000"/>
-            </a:schemeClr>
-          </a:lnRef>
-          <a:fillRef idx="1">
-            <a:schemeClr val="accent1"/>
-          </a:fillRef>
-          <a:effectRef idx="0">
-            <a:schemeClr val="accent1"/>
-          </a:effectRef>
-          <a:fontRef idx="minor">
-            <a:schemeClr val="lt1"/>
-          </a:fontRef>
-        </p:style>
-        <p:txBody>
-          <a:bodyPr rtlCol="0" anchor="ctr"/>
-          <a:lstStyle/>
-          <a:p>
-            <a:pPr algn="ctr"/>
-            <a:endParaRPr lang="en-US"/>
-          </a:p>
-        </p:txBody>
-      </p:sp>
-    </p:spTree>
-    <p:extLst>
-      <p:ext uri="{BB962C8B-B14F-4D97-AF65-F5344CB8AC3E}">
-        <p14:creationId xmlns:p14="http://schemas.microsoft.com/office/powerpoint/2010/main" val="2111355881"/>
-      </p:ext>
-    </p:extLst>
-  </p:cSld>
-  <p:clrMapOvr>
-    <a:masterClrMapping/>
-  </p:clrMapOvr>
-</p:sld>
-</file>
-
-<file path=ppt/slides/slide15.xml><?xml version="1.0" encoding="utf-8"?>
-<p:sld xmlns:a="http://schemas.openxmlformats.org/drawingml/2006/main" xmlns:r="http://schemas.openxmlformats.org/officeDocument/2006/relationships" xmlns:p="http://schemas.openxmlformats.org/presentationml/2006/main">
-  <p:cSld>
-    <p:spTree>
-      <p:nvGrpSpPr>
-        <p:cNvPr id="1" name=""/>
-        <p:cNvGrpSpPr/>
-        <p:nvPr/>
-      </p:nvGrpSpPr>
-      <p:grpSpPr>
-        <a:xfrm>
-          <a:off x="0" y="0"/>
-          <a:ext cx="0" cy="0"/>
-          <a:chOff x="0" y="0"/>
-          <a:chExt cx="0" cy="0"/>
-        </a:xfrm>
-      </p:grpSpPr>
-      <p:sp>
-        <p:nvSpPr>
-          <p:cNvPr id="2" name="Title 1">
-            <a:extLst>
-              <a:ext uri="{FF2B5EF4-FFF2-40B4-BE49-F238E27FC236}">
-                <a16:creationId xmlns:a16="http://schemas.microsoft.com/office/drawing/2014/main" id="{9763EF74-801E-4CE5-B33A-29C60F9A0EA6}"/>
-              </a:ext>
-            </a:extLst>
-          </p:cNvPr>
-          <p:cNvSpPr>
-            <a:spLocks noGrp="1"/>
-          </p:cNvSpPr>
-          <p:nvPr>
-            <p:ph type="title"/>
-          </p:nvPr>
-        </p:nvSpPr>
-        <p:spPr/>
-        <p:txBody>
-          <a:bodyPr/>
-          <a:lstStyle/>
-          <a:p>
-            <a:r>
-              <a:rPr lang="en-US" dirty="0"/>
-              <a:t>Papers </a:t>
-            </a:r>
-            <a:r>
-              <a:rPr lang="en-US" dirty="0" err="1"/>
-              <a:t>contributinos</a:t>
-            </a:r>
+              <a:rPr lang="en-US" b="1" dirty="0"/>
+              <a:t>Papers contributions</a:t>
+            </a:r>
+          </a:p>
+        </p:txBody>
+      </p:sp>
+      <p:sp>
+        <p:nvSpPr>
+          <p:cNvPr id="3" name="Content Placeholder 2">
+            <a:extLst>
+              <a:ext uri="{FF2B5EF4-FFF2-40B4-BE49-F238E27FC236}">
+                <a16:creationId xmlns:a16="http://schemas.microsoft.com/office/drawing/2014/main" id="{F38657E3-97FA-4C35-A42E-C88D59B94F8A}"/>
+              </a:ext>
+            </a:extLst>
+          </p:cNvPr>
+          <p:cNvSpPr>
+            <a:spLocks noGrp="1"/>
+          </p:cNvSpPr>
+          <p:nvPr>
+            <p:ph idx="1"/>
+          </p:nvPr>
+        </p:nvSpPr>
+        <p:spPr/>
+        <p:txBody>
+          <a:bodyPr>
+            <a:normAutofit lnSpcReduction="10000"/>
+          </a:bodyPr>
+          <a:lstStyle/>
+          <a:p>
+            <a:r>
+              <a:rPr lang="en-US" dirty="0"/>
+              <a:t>A network that outperforms the state of-the-art on synthetic and real data by predicting a denoising kernel </a:t>
+            </a:r>
+          </a:p>
+          <a:p>
+            <a:pPr marL="0" indent="0">
+              <a:buNone/>
+            </a:pPr>
             <a:endParaRPr lang="en-US" dirty="0"/>
           </a:p>
-        </p:txBody>
-      </p:sp>
-      <p:sp>
-        <p:nvSpPr>
-          <p:cNvPr id="3" name="Content Placeholder 2">
-            <a:extLst>
-              <a:ext uri="{FF2B5EF4-FFF2-40B4-BE49-F238E27FC236}">
-                <a16:creationId xmlns:a16="http://schemas.microsoft.com/office/drawing/2014/main" id="{F38657E3-97FA-4C35-A42E-C88D59B94F8A}"/>
-              </a:ext>
-            </a:extLst>
-          </p:cNvPr>
-          <p:cNvSpPr>
-            <a:spLocks noGrp="1"/>
-          </p:cNvSpPr>
-          <p:nvPr>
-            <p:ph idx="1"/>
-          </p:nvPr>
-        </p:nvSpPr>
-        <p:spPr/>
-        <p:txBody>
-          <a:bodyPr/>
-          <a:lstStyle/>
-          <a:p>
-            <a:r>
-              <a:rPr lang="en-US" dirty="0" err="1"/>
-              <a:t>Outperfrom</a:t>
-            </a:r>
-            <a:r>
-              <a:rPr lang="en-US" dirty="0"/>
-              <a:t> state of the art </a:t>
-            </a:r>
-            <a:r>
-              <a:rPr lang="en-US" dirty="0" err="1"/>
-              <a:t>algos</a:t>
-            </a:r>
-            <a:r>
-              <a:rPr lang="en-US" dirty="0"/>
-              <a:t>.</a:t>
-            </a:r>
-          </a:p>
-          <a:p>
-            <a:r>
-              <a:rPr lang="en-US" dirty="0"/>
-              <a:t>Pipeline which creates synthetic data for training. </a:t>
-            </a:r>
+          <a:p>
+            <a:r>
+              <a:rPr lang="en-US" dirty="0"/>
+              <a:t>A procedure for converting images taken from the internet into synthetic training data.</a:t>
+            </a:r>
+            <a:br>
+              <a:rPr lang="en-US" dirty="0"/>
+            </a:br>
+            <a:endParaRPr lang="en-US" dirty="0"/>
+          </a:p>
+          <a:p>
+            <a:r>
+              <a:rPr lang="en-US" dirty="0"/>
+              <a:t>A demonstration that a network that takes the noise</a:t>
+            </a:r>
+            <a:br>
+              <a:rPr lang="en-US" dirty="0"/>
+            </a:br>
+            <a:r>
+              <a:rPr lang="en-US" dirty="0"/>
+              <a:t>level of the input imagery as input during training and</a:t>
+            </a:r>
+            <a:br>
+              <a:rPr lang="en-US" dirty="0"/>
+            </a:br>
+            <a:r>
+              <a:rPr lang="en-US" dirty="0"/>
+              <a:t>testing generalizes to a much wider range of noise levels than a blind denoising network </a:t>
+            </a:r>
+            <a:br>
+              <a:rPr lang="en-US" dirty="0"/>
+            </a:br>
+            <a:endParaRPr lang="en-US" dirty="0"/>
           </a:p>
         </p:txBody>
       </p:sp>
@@ -4169,151 +8027,6 @@
     <p:extLst>
       <p:ext uri="{BB962C8B-B14F-4D97-AF65-F5344CB8AC3E}">
         <p14:creationId xmlns:p14="http://schemas.microsoft.com/office/powerpoint/2010/main" val="2019864432"/>
-      </p:ext>
-    </p:extLst>
-  </p:cSld>
-  <p:clrMapOvr>
-    <a:masterClrMapping/>
-  </p:clrMapOvr>
-</p:sld>
-</file>
-
-<file path=ppt/slides/slide2.xml><?xml version="1.0" encoding="utf-8"?>
-<p:sld xmlns:a="http://schemas.openxmlformats.org/drawingml/2006/main" xmlns:r="http://schemas.openxmlformats.org/officeDocument/2006/relationships" xmlns:p="http://schemas.openxmlformats.org/presentationml/2006/main">
-  <p:cSld>
-    <p:spTree>
-      <p:nvGrpSpPr>
-        <p:cNvPr id="1" name=""/>
-        <p:cNvGrpSpPr/>
-        <p:nvPr/>
-      </p:nvGrpSpPr>
-      <p:grpSpPr>
-        <a:xfrm>
-          <a:off x="0" y="0"/>
-          <a:ext cx="0" cy="0"/>
-          <a:chOff x="0" y="0"/>
-          <a:chExt cx="0" cy="0"/>
-        </a:xfrm>
-      </p:grpSpPr>
-      <p:sp>
-        <p:nvSpPr>
-          <p:cNvPr id="2" name="Title 1">
-            <a:extLst>
-              <a:ext uri="{FF2B5EF4-FFF2-40B4-BE49-F238E27FC236}">
-                <a16:creationId xmlns:a16="http://schemas.microsoft.com/office/drawing/2014/main" id="{F58AC501-B0E2-404E-BB90-EF1BDBD3BFA9}"/>
-              </a:ext>
-            </a:extLst>
-          </p:cNvPr>
-          <p:cNvSpPr>
-            <a:spLocks noGrp="1"/>
-          </p:cNvSpPr>
-          <p:nvPr>
-            <p:ph type="title"/>
-          </p:nvPr>
-        </p:nvSpPr>
-        <p:spPr>
-          <a:xfrm>
-            <a:off x="838200" y="365125"/>
-            <a:ext cx="10515600" cy="1325563"/>
-          </a:xfrm>
-        </p:spPr>
-        <p:txBody>
-          <a:bodyPr/>
-          <a:lstStyle/>
-          <a:p>
-            <a:r>
-              <a:rPr lang="en-US" b="1" dirty="0"/>
-              <a:t>What is Burst Denoising?</a:t>
-            </a:r>
-            <a:endParaRPr lang="en-US" dirty="0"/>
-          </a:p>
-        </p:txBody>
-      </p:sp>
-      <p:sp>
-        <p:nvSpPr>
-          <p:cNvPr id="3" name="Content Placeholder 2">
-            <a:extLst>
-              <a:ext uri="{FF2B5EF4-FFF2-40B4-BE49-F238E27FC236}">
-                <a16:creationId xmlns:a16="http://schemas.microsoft.com/office/drawing/2014/main" id="{56831F7D-E5AF-4F71-9B61-A360520A62F0}"/>
-              </a:ext>
-            </a:extLst>
-          </p:cNvPr>
-          <p:cNvSpPr>
-            <a:spLocks noGrp="1"/>
-          </p:cNvSpPr>
-          <p:nvPr>
-            <p:ph idx="1"/>
-          </p:nvPr>
-        </p:nvSpPr>
-        <p:spPr>
-          <a:xfrm>
-            <a:off x="838200" y="1825625"/>
-            <a:ext cx="5257800" cy="4351338"/>
-          </a:xfrm>
-        </p:spPr>
-        <p:txBody>
-          <a:bodyPr>
-            <a:normAutofit fontScale="92500" lnSpcReduction="10000"/>
-          </a:bodyPr>
-          <a:lstStyle/>
-          <a:p>
-            <a:r>
-              <a:rPr lang="en-US" dirty="0"/>
-              <a:t>Burst mode - Modern cellphones camera are able to take multiple shots in a short time.</a:t>
-            </a:r>
-          </a:p>
-          <a:p>
-            <a:r>
-              <a:rPr lang="en-US" dirty="0"/>
-              <a:t>Burst Denoising – Using the noisy images from the burst we can reconstruct the original captured scene. </a:t>
-            </a:r>
-          </a:p>
-          <a:p>
-            <a:r>
-              <a:rPr lang="en-US" dirty="0"/>
-              <a:t>In our case, an Encoder-Decoder were used to predict the filters which will denoise the images in an optimal way. </a:t>
-            </a:r>
-            <a:br>
-              <a:rPr lang="en-US" dirty="0"/>
-            </a:br>
-            <a:endParaRPr lang="en-US" dirty="0"/>
-          </a:p>
-        </p:txBody>
-      </p:sp>
-      <p:pic>
-        <p:nvPicPr>
-          <p:cNvPr id="4" name="Picture 3">
-            <a:extLst>
-              <a:ext uri="{FF2B5EF4-FFF2-40B4-BE49-F238E27FC236}">
-                <a16:creationId xmlns:a16="http://schemas.microsoft.com/office/drawing/2014/main" id="{65881C3B-62E7-4881-9CE2-7B8B679FDC8F}"/>
-              </a:ext>
-            </a:extLst>
-          </p:cNvPr>
-          <p:cNvPicPr>
-            <a:picLocks noChangeAspect="1"/>
-          </p:cNvPicPr>
-          <p:nvPr/>
-        </p:nvPicPr>
-        <p:blipFill>
-          <a:blip r:embed="rId2"/>
-          <a:stretch>
-            <a:fillRect/>
-          </a:stretch>
-        </p:blipFill>
-        <p:spPr>
-          <a:xfrm>
-            <a:off x="6358850" y="1825625"/>
-            <a:ext cx="5286375" cy="3886200"/>
-          </a:xfrm>
-          <a:prstGeom prst="rect">
-            <a:avLst/>
-          </a:prstGeom>
-        </p:spPr>
-      </p:pic>
-    </p:spTree>
-    <p:extLst>
-      <p:ext uri="{BB962C8B-B14F-4D97-AF65-F5344CB8AC3E}">
-        <p14:creationId xmlns:p14="http://schemas.microsoft.com/office/powerpoint/2010/main" val="1059675643"/>
       </p:ext>
     </p:extLst>
   </p:cSld>
@@ -4363,11 +8076,7 @@
           <a:p>
             <a:r>
               <a:rPr lang="en-US" b="1" dirty="0"/>
-              <a:t>CNN - C</a:t>
-            </a:r>
-            <a:r>
-              <a:rPr lang="en-US" dirty="0"/>
-              <a:t>onvolutional Neural Networks </a:t>
+              <a:t>CNN - Convolutional Neural Networks </a:t>
             </a:r>
           </a:p>
         </p:txBody>
@@ -4434,7 +8143,19 @@
           <p:nvPr/>
         </p:nvPicPr>
         <p:blipFill>
-          <a:blip r:embed="rId2"/>
+          <a:blip r:embed="rId3">
+            <a:extLst>
+              <a:ext uri="{BEBA8EAE-BF5A-486C-A8C5-ECC9F3942E4B}">
+                <a14:imgProps xmlns:a14="http://schemas.microsoft.com/office/drawing/2010/main">
+                  <a14:imgLayer r:embed="rId4">
+                    <a14:imgEffect>
+                      <a14:sharpenSoften amount="25000"/>
+                    </a14:imgEffect>
+                  </a14:imgLayer>
+                </a14:imgProps>
+              </a:ext>
+            </a:extLst>
+          </a:blip>
           <a:stretch>
             <a:fillRect/>
           </a:stretch>
@@ -4502,11 +8223,7 @@
           <a:p>
             <a:r>
               <a:rPr lang="en-US" b="1" dirty="0"/>
-              <a:t>CNN - C</a:t>
-            </a:r>
-            <a:r>
-              <a:rPr lang="en-US" dirty="0"/>
-              <a:t>onvolutional Neural Networks </a:t>
+              <a:t>CNN - Convolutional Neural Networks </a:t>
             </a:r>
           </a:p>
         </p:txBody>
@@ -4571,7 +8288,7 @@
           <p:nvPr/>
         </p:nvPicPr>
         <p:blipFill>
-          <a:blip r:embed="rId2"/>
+          <a:blip r:embed="rId3"/>
           <a:stretch>
             <a:fillRect/>
           </a:stretch>
@@ -4639,7 +8356,7 @@
           <a:p>
             <a:r>
               <a:rPr lang="en-US" b="1" dirty="0"/>
-              <a:t>Kernel Prediction Network</a:t>
+              <a:t>KPN - Kernel Prediction Network</a:t>
             </a:r>
             <a:endParaRPr lang="en-US" dirty="0"/>
           </a:p>
@@ -4681,7 +8398,7 @@
             </a:r>
             <a:r>
               <a:rPr lang="en-US" dirty="0"/>
-              <a:t> which will denoise the burst.</a:t>
+              <a:t> which denoise the images.</a:t>
             </a:r>
           </a:p>
         </p:txBody>
@@ -4701,7 +8418,7 @@
           <p:nvPr/>
         </p:nvPicPr>
         <p:blipFill>
-          <a:blip r:embed="rId2"/>
+          <a:blip r:embed="rId3"/>
           <a:stretch>
             <a:fillRect/>
           </a:stretch>
@@ -4751,7 +8468,7 @@
           <p:cNvPr id="2" name="Title 1">
             <a:extLst>
               <a:ext uri="{FF2B5EF4-FFF2-40B4-BE49-F238E27FC236}">
-                <a16:creationId xmlns:a16="http://schemas.microsoft.com/office/drawing/2014/main" id="{27CD5962-8F1A-4577-9E6B-82C5C3D59EEF}"/>
+                <a16:creationId xmlns:a16="http://schemas.microsoft.com/office/drawing/2014/main" id="{11DE04F3-3988-4C7F-9838-C809D14BC559}"/>
               </a:ext>
             </a:extLst>
           </p:cNvPr>
@@ -4762,20 +8479,16 @@
             <p:ph type="title"/>
           </p:nvPr>
         </p:nvSpPr>
-        <p:spPr>
-          <a:xfrm>
-            <a:off x="838200" y="365125"/>
-            <a:ext cx="10515600" cy="1325563"/>
-          </a:xfrm>
-        </p:spPr>
-        <p:txBody>
-          <a:bodyPr/>
-          <a:lstStyle/>
-          <a:p>
-            <a:r>
-              <a:rPr lang="en-US" dirty="0"/>
-              <a:t>How it learns?</a:t>
-            </a:r>
+        <p:spPr/>
+        <p:txBody>
+          <a:bodyPr/>
+          <a:lstStyle/>
+          <a:p>
+            <a:r>
+              <a:rPr lang="en-US" b="1" dirty="0"/>
+              <a:t>KPN – In details</a:t>
+            </a:r>
+            <a:endParaRPr lang="en-US" dirty="0"/>
           </a:p>
         </p:txBody>
       </p:sp>
@@ -4784,7 +8497,7 @@
           <p:cNvPr id="3" name="Content Placeholder 2">
             <a:extLst>
               <a:ext uri="{FF2B5EF4-FFF2-40B4-BE49-F238E27FC236}">
-                <a16:creationId xmlns:a16="http://schemas.microsoft.com/office/drawing/2014/main" id="{6D781224-2C97-4A97-8E4B-727EEAEE10DF}"/>
+                <a16:creationId xmlns:a16="http://schemas.microsoft.com/office/drawing/2014/main" id="{92B7AAD0-E3E7-494F-A344-3C85AAD6D56C}"/>
               </a:ext>
             </a:extLst>
           </p:cNvPr>
@@ -4798,56 +8511,50 @@
         <p:spPr>
           <a:xfrm>
             <a:off x="838200" y="1825625"/>
-            <a:ext cx="10515600" cy="4351338"/>
+            <a:ext cx="3019816" cy="4312128"/>
           </a:xfrm>
         </p:spPr>
         <p:txBody>
-          <a:bodyPr/>
-          <a:lstStyle/>
-          <a:p>
-            <a:r>
-              <a:rPr lang="en-US" dirty="0"/>
-              <a:t>As we know, “learning” is basically finding “good enough” local minima of a loss function. </a:t>
-            </a:r>
-          </a:p>
-          <a:p>
-            <a:r>
-              <a:rPr lang="en-US" dirty="0"/>
-              <a:t>Basic loss function: </a:t>
-            </a:r>
-          </a:p>
-          <a:p>
-            <a:endParaRPr lang="en-US" dirty="0"/>
-          </a:p>
-          <a:p>
-            <a:endParaRPr lang="en-US" dirty="0"/>
-          </a:p>
-          <a:p>
-            <a:r>
-              <a:rPr lang="en-US" dirty="0"/>
-              <a:t>Weighted average of: L2 dist. of images, L1 dist. of gradients.</a:t>
-            </a:r>
-          </a:p>
-          <a:p>
-            <a:r>
-              <a:rPr lang="en-US" dirty="0"/>
-              <a:t>Г – transformation of  RGB values to prevent exploding gradient.</a:t>
-            </a:r>
-          </a:p>
-          <a:p>
-            <a:r>
-              <a:rPr lang="en-US" dirty="0"/>
-              <a:t>This loss finds a local minima which is not “good enough”. </a:t>
+          <a:bodyPr>
+            <a:normAutofit/>
+          </a:bodyPr>
+          <a:lstStyle/>
+          <a:p>
+            <a:r>
+              <a:rPr lang="en-US" dirty="0"/>
+              <a:t>For a given burst of N images, and kernel size </a:t>
+            </a:r>
+            <a:r>
+              <a:rPr lang="en-US" dirty="0" err="1"/>
+              <a:t>KxK</a:t>
+            </a:r>
+            <a:r>
+              <a:rPr lang="en-US" dirty="0"/>
+              <a:t>.</a:t>
+            </a:r>
+          </a:p>
+          <a:p>
+            <a:r>
+              <a:rPr lang="en-US" dirty="0"/>
+              <a:t>N patches of size </a:t>
+            </a:r>
+            <a:r>
+              <a:rPr lang="en-US" dirty="0" err="1"/>
+              <a:t>KxK</a:t>
+            </a:r>
+            <a:r>
+              <a:rPr lang="en-US" dirty="0"/>
+              <a:t> extracted from the image. </a:t>
             </a:r>
           </a:p>
         </p:txBody>
       </p:sp>
       <p:pic>
         <p:nvPicPr>
-          <p:cNvPr id="4" name="Picture 3">
-            <a:extLst>
-              <a:ext uri="{FF2B5EF4-FFF2-40B4-BE49-F238E27FC236}">
-                <a16:creationId xmlns:a16="http://schemas.microsoft.com/office/drawing/2014/main" id="{D8F5222F-89E0-4C3F-A7F6-9AEC289B3AF5}"/>
+          <p:cNvPr id="6" name="Picture 5">
+            <a:extLst>
+              <a:ext uri="{FF2B5EF4-FFF2-40B4-BE49-F238E27FC236}">
+                <a16:creationId xmlns:a16="http://schemas.microsoft.com/office/drawing/2014/main" id="{557D1BBE-4B6F-4C8F-9A31-1E2AE268B8EC}"/>
               </a:ext>
             </a:extLst>
           </p:cNvPr>
@@ -4857,15 +8564,15 @@
           <p:nvPr/>
         </p:nvPicPr>
         <p:blipFill>
-          <a:blip r:embed="rId2"/>
+          <a:blip r:embed="rId3"/>
           <a:stretch>
             <a:fillRect/>
           </a:stretch>
         </p:blipFill>
         <p:spPr>
           <a:xfrm>
-            <a:off x="1569668" y="3363238"/>
-            <a:ext cx="8877300" cy="771525"/>
+            <a:off x="3858016" y="1825625"/>
+            <a:ext cx="7943850" cy="4495800"/>
           </a:xfrm>
           <a:prstGeom prst="rect">
             <a:avLst/>
@@ -4875,7 +8582,7 @@
     </p:spTree>
     <p:extLst>
       <p:ext uri="{BB962C8B-B14F-4D97-AF65-F5344CB8AC3E}">
-        <p14:creationId xmlns:p14="http://schemas.microsoft.com/office/powerpoint/2010/main" val="2530634748"/>
+        <p14:creationId xmlns:p14="http://schemas.microsoft.com/office/powerpoint/2010/main" val="4053364399"/>
       </p:ext>
     </p:extLst>
   </p:cSld>
@@ -4902,12 +8609,93 @@
           <a:chExt cx="0" cy="0"/>
         </a:xfrm>
       </p:grpSpPr>
+      <p:sp>
+        <p:nvSpPr>
+          <p:cNvPr id="2" name="Title 1">
+            <a:extLst>
+              <a:ext uri="{FF2B5EF4-FFF2-40B4-BE49-F238E27FC236}">
+                <a16:creationId xmlns:a16="http://schemas.microsoft.com/office/drawing/2014/main" id="{11DE04F3-3988-4C7F-9838-C809D14BC559}"/>
+              </a:ext>
+            </a:extLst>
+          </p:cNvPr>
+          <p:cNvSpPr>
+            <a:spLocks noGrp="1"/>
+          </p:cNvSpPr>
+          <p:nvPr>
+            <p:ph type="title"/>
+          </p:nvPr>
+        </p:nvSpPr>
+        <p:spPr/>
+        <p:txBody>
+          <a:bodyPr/>
+          <a:lstStyle/>
+          <a:p>
+            <a:r>
+              <a:rPr lang="en-US" b="1" dirty="0"/>
+              <a:t>KPN – In details</a:t>
+            </a:r>
+            <a:endParaRPr lang="en-US" dirty="0"/>
+          </a:p>
+        </p:txBody>
+      </p:sp>
+      <p:sp>
+        <p:nvSpPr>
+          <p:cNvPr id="3" name="Content Placeholder 2">
+            <a:extLst>
+              <a:ext uri="{FF2B5EF4-FFF2-40B4-BE49-F238E27FC236}">
+                <a16:creationId xmlns:a16="http://schemas.microsoft.com/office/drawing/2014/main" id="{92B7AAD0-E3E7-494F-A344-3C85AAD6D56C}"/>
+              </a:ext>
+            </a:extLst>
+          </p:cNvPr>
+          <p:cNvSpPr>
+            <a:spLocks noGrp="1"/>
+          </p:cNvSpPr>
+          <p:nvPr>
+            <p:ph idx="1"/>
+          </p:nvPr>
+        </p:nvSpPr>
+        <p:spPr>
+          <a:xfrm>
+            <a:off x="838199" y="1825625"/>
+            <a:ext cx="3145077" cy="4312128"/>
+          </a:xfrm>
+        </p:spPr>
+        <p:txBody>
+          <a:bodyPr>
+            <a:normAutofit/>
+          </a:bodyPr>
+          <a:lstStyle/>
+          <a:p>
+            <a:r>
+              <a:rPr lang="en-US" dirty="0"/>
+              <a:t>The first image of the burst is selected as “reference image”.</a:t>
+            </a:r>
+          </a:p>
+          <a:p>
+            <a:r>
+              <a:rPr lang="en-US" dirty="0"/>
+              <a:t>KPN produces a </a:t>
+            </a:r>
+            <a:r>
+              <a:rPr lang="en-US" dirty="0" err="1"/>
+              <a:t>KxK</a:t>
+            </a:r>
+            <a:r>
+              <a:rPr lang="en-US" dirty="0"/>
+              <a:t> kernel for each patch.</a:t>
+            </a:r>
+          </a:p>
+          <a:p>
+            <a:endParaRPr lang="en-US" dirty="0"/>
+          </a:p>
+        </p:txBody>
+      </p:sp>
       <p:pic>
         <p:nvPicPr>
           <p:cNvPr id="5" name="Picture 4">
             <a:extLst>
               <a:ext uri="{FF2B5EF4-FFF2-40B4-BE49-F238E27FC236}">
-                <a16:creationId xmlns:a16="http://schemas.microsoft.com/office/drawing/2014/main" id="{B89F97E9-0DA8-41E0-B7F7-83695175E942}"/>
+                <a16:creationId xmlns:a16="http://schemas.microsoft.com/office/drawing/2014/main" id="{0CBFE97B-7769-49D8-B0C4-43857F13C8C5}"/>
               </a:ext>
             </a:extLst>
           </p:cNvPr>
@@ -4917,121 +8705,25 @@
           <p:nvPr/>
         </p:nvPicPr>
         <p:blipFill>
-          <a:blip r:embed="rId2"/>
+          <a:blip r:embed="rId3"/>
           <a:stretch>
             <a:fillRect/>
           </a:stretch>
         </p:blipFill>
         <p:spPr>
           <a:xfrm>
-            <a:off x="1280160" y="2872817"/>
-            <a:ext cx="9679578" cy="1384563"/>
+            <a:off x="3858016" y="1825625"/>
+            <a:ext cx="7943850" cy="4495800"/>
           </a:xfrm>
           <a:prstGeom prst="rect">
             <a:avLst/>
           </a:prstGeom>
         </p:spPr>
       </p:pic>
-      <p:sp>
-        <p:nvSpPr>
-          <p:cNvPr id="3" name="Content Placeholder 2">
-            <a:extLst>
-              <a:ext uri="{FF2B5EF4-FFF2-40B4-BE49-F238E27FC236}">
-                <a16:creationId xmlns:a16="http://schemas.microsoft.com/office/drawing/2014/main" id="{6D781224-2C97-4A97-8E4B-727EEAEE10DF}"/>
-              </a:ext>
-            </a:extLst>
-          </p:cNvPr>
-          <p:cNvSpPr>
-            <a:spLocks noGrp="1"/>
-          </p:cNvSpPr>
-          <p:nvPr>
-            <p:ph idx="1"/>
-          </p:nvPr>
-        </p:nvSpPr>
-        <p:spPr>
-          <a:xfrm>
-            <a:off x="838200" y="1825625"/>
-            <a:ext cx="10515600" cy="4351338"/>
-          </a:xfrm>
-        </p:spPr>
-        <p:txBody>
-          <a:bodyPr/>
-          <a:lstStyle/>
-          <a:p>
-            <a:r>
-              <a:rPr lang="en-US" dirty="0"/>
-              <a:t>As we know, “learning” is basically finding “good enough” local minima of a loss function. </a:t>
-            </a:r>
-          </a:p>
-          <a:p>
-            <a:r>
-              <a:rPr lang="en-US" dirty="0"/>
-              <a:t>Basic loss function: </a:t>
-            </a:r>
-          </a:p>
-          <a:p>
-            <a:endParaRPr lang="en-US" dirty="0"/>
-          </a:p>
-          <a:p>
-            <a:endParaRPr lang="en-US" dirty="0"/>
-          </a:p>
-          <a:p>
-            <a:r>
-              <a:rPr lang="en-US" dirty="0"/>
-              <a:t>Weighted average of: L2 dist. of images, L1 dist. of gradients.</a:t>
-            </a:r>
-          </a:p>
-          <a:p>
-            <a:r>
-              <a:rPr lang="en-US" dirty="0"/>
-              <a:t>Г – transformation of  RGB values to prevent exploding gradient.</a:t>
-            </a:r>
-          </a:p>
-          <a:p>
-            <a:r>
-              <a:rPr lang="en-US" dirty="0"/>
-              <a:t>This loss finds a local minima which is not “good enough”. </a:t>
-            </a:r>
-          </a:p>
-        </p:txBody>
-      </p:sp>
-      <p:sp>
-        <p:nvSpPr>
-          <p:cNvPr id="2" name="Title 1">
-            <a:extLst>
-              <a:ext uri="{FF2B5EF4-FFF2-40B4-BE49-F238E27FC236}">
-                <a16:creationId xmlns:a16="http://schemas.microsoft.com/office/drawing/2014/main" id="{27CD5962-8F1A-4577-9E6B-82C5C3D59EEF}"/>
-              </a:ext>
-            </a:extLst>
-          </p:cNvPr>
-          <p:cNvSpPr>
-            <a:spLocks noGrp="1"/>
-          </p:cNvSpPr>
-          <p:nvPr>
-            <p:ph type="title"/>
-          </p:nvPr>
-        </p:nvSpPr>
-        <p:spPr>
-          <a:xfrm>
-            <a:off x="838200" y="365125"/>
-            <a:ext cx="10515600" cy="1325563"/>
-          </a:xfrm>
-        </p:spPr>
-        <p:txBody>
-          <a:bodyPr/>
-          <a:lstStyle/>
-          <a:p>
-            <a:r>
-              <a:rPr lang="en-US" dirty="0"/>
-              <a:t>How it learns?</a:t>
-            </a:r>
-          </a:p>
-        </p:txBody>
-      </p:sp>
     </p:spTree>
     <p:extLst>
       <p:ext uri="{BB962C8B-B14F-4D97-AF65-F5344CB8AC3E}">
-        <p14:creationId xmlns:p14="http://schemas.microsoft.com/office/powerpoint/2010/main" val="574047570"/>
+        <p14:creationId xmlns:p14="http://schemas.microsoft.com/office/powerpoint/2010/main" val="2521266346"/>
       </p:ext>
     </p:extLst>
   </p:cSld>
@@ -5058,164 +8750,474 @@
           <a:chExt cx="0" cy="0"/>
         </a:xfrm>
       </p:grpSpPr>
-      <p:pic>
-        <p:nvPicPr>
-          <p:cNvPr id="5" name="Picture 4">
-            <a:extLst>
-              <a:ext uri="{FF2B5EF4-FFF2-40B4-BE49-F238E27FC236}">
-                <a16:creationId xmlns:a16="http://schemas.microsoft.com/office/drawing/2014/main" id="{66C4A548-D93E-4500-BE65-FC83BD8927D8}"/>
-              </a:ext>
-            </a:extLst>
-          </p:cNvPr>
-          <p:cNvPicPr>
-            <a:picLocks noChangeAspect="1"/>
-          </p:cNvPicPr>
-          <p:nvPr/>
-        </p:nvPicPr>
-        <p:blipFill>
-          <a:blip r:embed="rId2"/>
-          <a:stretch>
-            <a:fillRect/>
-          </a:stretch>
-        </p:blipFill>
+      <p:sp>
+        <p:nvSpPr>
+          <p:cNvPr id="2" name="Title 1">
+            <a:extLst>
+              <a:ext uri="{FF2B5EF4-FFF2-40B4-BE49-F238E27FC236}">
+                <a16:creationId xmlns:a16="http://schemas.microsoft.com/office/drawing/2014/main" id="{11DE04F3-3988-4C7F-9838-C809D14BC559}"/>
+              </a:ext>
+            </a:extLst>
+          </p:cNvPr>
+          <p:cNvSpPr>
+            <a:spLocks noGrp="1"/>
+          </p:cNvSpPr>
+          <p:nvPr>
+            <p:ph type="title"/>
+          </p:nvPr>
+        </p:nvSpPr>
+        <p:spPr/>
+        <p:txBody>
+          <a:bodyPr/>
+          <a:lstStyle/>
+          <a:p>
+            <a:r>
+              <a:rPr lang="en-US" b="1" dirty="0"/>
+              <a:t>KPN – In details</a:t>
+            </a:r>
+            <a:endParaRPr lang="en-US" dirty="0"/>
+          </a:p>
+        </p:txBody>
+      </p:sp>
+      <p:sp>
+        <p:nvSpPr>
+          <p:cNvPr id="3" name="Content Placeholder 2">
+            <a:extLst>
+              <a:ext uri="{FF2B5EF4-FFF2-40B4-BE49-F238E27FC236}">
+                <a16:creationId xmlns:a16="http://schemas.microsoft.com/office/drawing/2014/main" id="{92B7AAD0-E3E7-494F-A344-3C85AAD6D56C}"/>
+              </a:ext>
+            </a:extLst>
+          </p:cNvPr>
+          <p:cNvSpPr>
+            <a:spLocks noGrp="1"/>
+          </p:cNvSpPr>
+          <p:nvPr>
+            <p:ph idx="1"/>
+          </p:nvPr>
+        </p:nvSpPr>
         <p:spPr>
           <a:xfrm>
-            <a:off x="2391949" y="1334887"/>
-            <a:ext cx="8961851" cy="5157988"/>
-          </a:xfrm>
-          <a:prstGeom prst="rect">
-            <a:avLst/>
-          </a:prstGeom>
-        </p:spPr>
-      </p:pic>
-      <p:sp>
-        <p:nvSpPr>
-          <p:cNvPr id="2" name="Title 1">
-            <a:extLst>
-              <a:ext uri="{FF2B5EF4-FFF2-40B4-BE49-F238E27FC236}">
-                <a16:creationId xmlns:a16="http://schemas.microsoft.com/office/drawing/2014/main" id="{27CD5962-8F1A-4577-9E6B-82C5C3D59EEF}"/>
-              </a:ext>
-            </a:extLst>
-          </p:cNvPr>
-          <p:cNvSpPr>
-            <a:spLocks noGrp="1"/>
-          </p:cNvSpPr>
-          <p:nvPr>
-            <p:ph type="title"/>
-          </p:nvPr>
-        </p:nvSpPr>
-        <p:spPr>
-          <a:xfrm>
-            <a:off x="838200" y="365125"/>
-            <a:ext cx="10515600" cy="1325563"/>
+            <a:off x="838199" y="1825624"/>
+            <a:ext cx="10515600" cy="764413"/>
           </a:xfrm>
         </p:spPr>
         <p:txBody>
-          <a:bodyPr/>
-          <a:lstStyle/>
-          <a:p>
-            <a:r>
-              <a:rPr lang="en-US" b="1" dirty="0"/>
-              <a:t>Annealed loss term</a:t>
-            </a:r>
-            <a:r>
-              <a:rPr lang="en-US" dirty="0"/>
-              <a:t> </a:t>
-            </a:r>
-          </a:p>
-        </p:txBody>
-      </p:sp>
-      <p:sp>
-        <p:nvSpPr>
-          <p:cNvPr id="3" name="Content Placeholder 2">
-            <a:extLst>
-              <a:ext uri="{FF2B5EF4-FFF2-40B4-BE49-F238E27FC236}">
-                <a16:creationId xmlns:a16="http://schemas.microsoft.com/office/drawing/2014/main" id="{6D781224-2C97-4A97-8E4B-727EEAEE10DF}"/>
-              </a:ext>
-            </a:extLst>
-          </p:cNvPr>
-          <p:cNvSpPr>
-            <a:spLocks noGrp="1"/>
-          </p:cNvSpPr>
-          <p:nvPr>
-            <p:ph idx="1"/>
-          </p:nvPr>
-        </p:nvSpPr>
-        <p:spPr>
+          <a:bodyPr>
+            <a:normAutofit/>
+          </a:bodyPr>
+          <a:lstStyle/>
+          <a:p>
+            <a:r>
+              <a:rPr lang="en-US" dirty="0"/>
+              <a:t>Final pixel value is calculated. This process repeats for each pixel.</a:t>
+            </a:r>
+          </a:p>
+        </p:txBody>
+      </p:sp>
+      <p:grpSp>
+        <p:nvGrpSpPr>
+          <p:cNvPr id="30" name="Group 29">
+            <a:extLst>
+              <a:ext uri="{FF2B5EF4-FFF2-40B4-BE49-F238E27FC236}">
+                <a16:creationId xmlns:a16="http://schemas.microsoft.com/office/drawing/2014/main" id="{DB5BD327-8F04-45E7-B889-433FADB29101}"/>
+              </a:ext>
+            </a:extLst>
+          </p:cNvPr>
+          <p:cNvGrpSpPr/>
+          <p:nvPr/>
+        </p:nvGrpSpPr>
+        <p:grpSpPr>
           <a:xfrm>
-            <a:off x="838200" y="1825625"/>
-            <a:ext cx="10515600" cy="4351338"/>
+            <a:off x="1475162" y="2464778"/>
+            <a:ext cx="9241673" cy="3902837"/>
+            <a:chOff x="1475163" y="2590038"/>
+            <a:chExt cx="9241673" cy="3902837"/>
           </a:xfrm>
-        </p:spPr>
-        <p:txBody>
-          <a:bodyPr/>
-          <a:lstStyle/>
-          <a:p>
-            <a:r>
-              <a:rPr lang="en-US" dirty="0"/>
-              <a:t>As in basic loos function we want to </a:t>
-            </a:r>
-          </a:p>
-          <a:p>
-            <a:pPr marL="0" indent="0">
-              <a:buNone/>
-            </a:pPr>
-            <a:r>
-              <a:rPr lang="en-US" dirty="0"/>
-              <a:t>	minimize the distance between final </a:t>
-            </a:r>
-          </a:p>
-          <a:p>
-            <a:pPr marL="0" indent="0">
-              <a:buNone/>
-            </a:pPr>
-            <a:r>
-              <a:rPr lang="en-US" dirty="0"/>
-              <a:t>	result and ground truth.</a:t>
-            </a:r>
-          </a:p>
-          <a:p>
-            <a:r>
-              <a:rPr lang="en-US" dirty="0"/>
-              <a:t>Also we want to minimize the dist. between</a:t>
-            </a:r>
-          </a:p>
-          <a:p>
-            <a:pPr marL="0" indent="0">
-              <a:buNone/>
-            </a:pPr>
-            <a:r>
-              <a:rPr lang="en-US" dirty="0"/>
-              <a:t>	each frame before averaging</a:t>
-            </a:r>
-          </a:p>
-          <a:p>
-            <a:pPr marL="0" indent="0">
-              <a:buNone/>
-            </a:pPr>
-            <a:r>
-              <a:rPr lang="en-US" dirty="0"/>
-              <a:t>	and ground truth.  </a:t>
-            </a:r>
-          </a:p>
-          <a:p>
-            <a:pPr marL="0" indent="0">
-              <a:buNone/>
-            </a:pPr>
-            <a:endParaRPr lang="en-US" dirty="0"/>
-          </a:p>
-          <a:p>
-            <a:pPr marL="0" indent="0">
-              <a:buNone/>
-            </a:pPr>
-            <a:endParaRPr lang="en-US" dirty="0"/>
-          </a:p>
-        </p:txBody>
-      </p:sp>
+        </p:grpSpPr>
+        <p:pic>
+          <p:nvPicPr>
+            <p:cNvPr id="4" name="Picture 3">
+              <a:extLst>
+                <a:ext uri="{FF2B5EF4-FFF2-40B4-BE49-F238E27FC236}">
+                  <a16:creationId xmlns:a16="http://schemas.microsoft.com/office/drawing/2014/main" id="{0C222AB6-6A32-45A2-97AC-B80EA0D21DAA}"/>
+                </a:ext>
+              </a:extLst>
+            </p:cNvPr>
+            <p:cNvPicPr>
+              <a:picLocks noChangeAspect="1"/>
+            </p:cNvPicPr>
+            <p:nvPr/>
+          </p:nvPicPr>
+          <p:blipFill rotWithShape="1">
+            <a:blip r:embed="rId3"/>
+            <a:srcRect t="28816"/>
+            <a:stretch/>
+          </p:blipFill>
+          <p:spPr>
+            <a:xfrm>
+              <a:off x="1475163" y="2590038"/>
+              <a:ext cx="9241673" cy="3902837"/>
+            </a:xfrm>
+            <a:prstGeom prst="rect">
+              <a:avLst/>
+            </a:prstGeom>
+          </p:spPr>
+        </p:pic>
+        <p:cxnSp>
+          <p:nvCxnSpPr>
+            <p:cNvPr id="7" name="Straight Arrow Connector 6">
+              <a:extLst>
+                <a:ext uri="{FF2B5EF4-FFF2-40B4-BE49-F238E27FC236}">
+                  <a16:creationId xmlns:a16="http://schemas.microsoft.com/office/drawing/2014/main" id="{1A0A3F79-54B9-4FFE-A209-78F71237C3E2}"/>
+                </a:ext>
+              </a:extLst>
+            </p:cNvPr>
+            <p:cNvCxnSpPr/>
+            <p:nvPr/>
+          </p:nvCxnSpPr>
+          <p:spPr>
+            <a:xfrm>
+              <a:off x="2041742" y="4647156"/>
+              <a:ext cx="3820439" cy="1027134"/>
+            </a:xfrm>
+            <a:prstGeom prst="straightConnector1">
+              <a:avLst/>
+            </a:prstGeom>
+            <a:ln>
+              <a:solidFill>
+                <a:srgbClr val="FF0000"/>
+              </a:solidFill>
+              <a:tailEnd type="triangle"/>
+            </a:ln>
+          </p:spPr>
+          <p:style>
+            <a:lnRef idx="1">
+              <a:schemeClr val="accent1"/>
+            </a:lnRef>
+            <a:fillRef idx="0">
+              <a:schemeClr val="accent1"/>
+            </a:fillRef>
+            <a:effectRef idx="0">
+              <a:schemeClr val="accent1"/>
+            </a:effectRef>
+            <a:fontRef idx="minor">
+              <a:schemeClr val="tx1"/>
+            </a:fontRef>
+          </p:style>
+        </p:cxnSp>
+        <p:cxnSp>
+          <p:nvCxnSpPr>
+            <p:cNvPr id="8" name="Straight Arrow Connector 7">
+              <a:extLst>
+                <a:ext uri="{FF2B5EF4-FFF2-40B4-BE49-F238E27FC236}">
+                  <a16:creationId xmlns:a16="http://schemas.microsoft.com/office/drawing/2014/main" id="{110B3C95-E917-4673-BF10-59958EA6AC5F}"/>
+                </a:ext>
+              </a:extLst>
+            </p:cNvPr>
+            <p:cNvCxnSpPr>
+              <a:cxnSpLocks/>
+            </p:cNvCxnSpPr>
+            <p:nvPr/>
+          </p:nvCxnSpPr>
+          <p:spPr>
+            <a:xfrm>
+              <a:off x="3244241" y="4647156"/>
+              <a:ext cx="2617940" cy="1027134"/>
+            </a:xfrm>
+            <a:prstGeom prst="straightConnector1">
+              <a:avLst/>
+            </a:prstGeom>
+            <a:ln>
+              <a:solidFill>
+                <a:srgbClr val="FF0000"/>
+              </a:solidFill>
+              <a:tailEnd type="triangle"/>
+            </a:ln>
+          </p:spPr>
+          <p:style>
+            <a:lnRef idx="1">
+              <a:schemeClr val="accent1"/>
+            </a:lnRef>
+            <a:fillRef idx="0">
+              <a:schemeClr val="accent1"/>
+            </a:fillRef>
+            <a:effectRef idx="0">
+              <a:schemeClr val="accent1"/>
+            </a:effectRef>
+            <a:fontRef idx="minor">
+              <a:schemeClr val="tx1"/>
+            </a:fontRef>
+          </p:style>
+        </p:cxnSp>
+        <p:cxnSp>
+          <p:nvCxnSpPr>
+            <p:cNvPr id="11" name="Straight Arrow Connector 10">
+              <a:extLst>
+                <a:ext uri="{FF2B5EF4-FFF2-40B4-BE49-F238E27FC236}">
+                  <a16:creationId xmlns:a16="http://schemas.microsoft.com/office/drawing/2014/main" id="{F14BF728-9CBC-42F8-B811-E9AF1B8875DC}"/>
+                </a:ext>
+              </a:extLst>
+            </p:cNvPr>
+            <p:cNvCxnSpPr>
+              <a:cxnSpLocks/>
+            </p:cNvCxnSpPr>
+            <p:nvPr/>
+          </p:nvCxnSpPr>
+          <p:spPr>
+            <a:xfrm>
+              <a:off x="4409162" y="4647156"/>
+              <a:ext cx="1453019" cy="1027134"/>
+            </a:xfrm>
+            <a:prstGeom prst="straightConnector1">
+              <a:avLst/>
+            </a:prstGeom>
+            <a:ln>
+              <a:solidFill>
+                <a:srgbClr val="FF0000"/>
+              </a:solidFill>
+              <a:tailEnd type="triangle"/>
+            </a:ln>
+          </p:spPr>
+          <p:style>
+            <a:lnRef idx="1">
+              <a:schemeClr val="accent1"/>
+            </a:lnRef>
+            <a:fillRef idx="0">
+              <a:schemeClr val="accent1"/>
+            </a:fillRef>
+            <a:effectRef idx="0">
+              <a:schemeClr val="accent1"/>
+            </a:effectRef>
+            <a:fontRef idx="minor">
+              <a:schemeClr val="tx1"/>
+            </a:fontRef>
+          </p:style>
+        </p:cxnSp>
+        <p:cxnSp>
+          <p:nvCxnSpPr>
+            <p:cNvPr id="14" name="Straight Arrow Connector 13">
+              <a:extLst>
+                <a:ext uri="{FF2B5EF4-FFF2-40B4-BE49-F238E27FC236}">
+                  <a16:creationId xmlns:a16="http://schemas.microsoft.com/office/drawing/2014/main" id="{EC6D5233-DADB-4EC8-AA0D-B6E4934E18F2}"/>
+                </a:ext>
+              </a:extLst>
+            </p:cNvPr>
+            <p:cNvCxnSpPr>
+              <a:cxnSpLocks/>
+            </p:cNvCxnSpPr>
+            <p:nvPr/>
+          </p:nvCxnSpPr>
+          <p:spPr>
+            <a:xfrm>
+              <a:off x="5561556" y="4647156"/>
+              <a:ext cx="300625" cy="1027134"/>
+            </a:xfrm>
+            <a:prstGeom prst="straightConnector1">
+              <a:avLst/>
+            </a:prstGeom>
+            <a:ln>
+              <a:solidFill>
+                <a:srgbClr val="FF0000"/>
+              </a:solidFill>
+              <a:tailEnd type="triangle"/>
+            </a:ln>
+          </p:spPr>
+          <p:style>
+            <a:lnRef idx="1">
+              <a:schemeClr val="accent1"/>
+            </a:lnRef>
+            <a:fillRef idx="0">
+              <a:schemeClr val="accent1"/>
+            </a:fillRef>
+            <a:effectRef idx="0">
+              <a:schemeClr val="accent1"/>
+            </a:effectRef>
+            <a:fontRef idx="minor">
+              <a:schemeClr val="tx1"/>
+            </a:fontRef>
+          </p:style>
+        </p:cxnSp>
+        <p:cxnSp>
+          <p:nvCxnSpPr>
+            <p:cNvPr id="17" name="Straight Arrow Connector 16">
+              <a:extLst>
+                <a:ext uri="{FF2B5EF4-FFF2-40B4-BE49-F238E27FC236}">
+                  <a16:creationId xmlns:a16="http://schemas.microsoft.com/office/drawing/2014/main" id="{DB0F1A8C-BA72-48CD-94AA-CA8E7BB612C8}"/>
+                </a:ext>
+              </a:extLst>
+            </p:cNvPr>
+            <p:cNvCxnSpPr>
+              <a:cxnSpLocks/>
+            </p:cNvCxnSpPr>
+            <p:nvPr/>
+          </p:nvCxnSpPr>
+          <p:spPr>
+            <a:xfrm flipH="1">
+              <a:off x="5999967" y="4647156"/>
+              <a:ext cx="701458" cy="1027134"/>
+            </a:xfrm>
+            <a:prstGeom prst="straightConnector1">
+              <a:avLst/>
+            </a:prstGeom>
+            <a:ln>
+              <a:solidFill>
+                <a:srgbClr val="FF0000"/>
+              </a:solidFill>
+              <a:tailEnd type="triangle"/>
+            </a:ln>
+          </p:spPr>
+          <p:style>
+            <a:lnRef idx="1">
+              <a:schemeClr val="accent1"/>
+            </a:lnRef>
+            <a:fillRef idx="0">
+              <a:schemeClr val="accent1"/>
+            </a:fillRef>
+            <a:effectRef idx="0">
+              <a:schemeClr val="accent1"/>
+            </a:effectRef>
+            <a:fontRef idx="minor">
+              <a:schemeClr val="tx1"/>
+            </a:fontRef>
+          </p:style>
+        </p:cxnSp>
+        <p:cxnSp>
+          <p:nvCxnSpPr>
+            <p:cNvPr id="21" name="Straight Arrow Connector 20">
+              <a:extLst>
+                <a:ext uri="{FF2B5EF4-FFF2-40B4-BE49-F238E27FC236}">
+                  <a16:creationId xmlns:a16="http://schemas.microsoft.com/office/drawing/2014/main" id="{DE2365F7-EC12-48B9-8F91-6546F934C95B}"/>
+                </a:ext>
+              </a:extLst>
+            </p:cNvPr>
+            <p:cNvCxnSpPr>
+              <a:cxnSpLocks/>
+            </p:cNvCxnSpPr>
+            <p:nvPr/>
+          </p:nvCxnSpPr>
+          <p:spPr>
+            <a:xfrm flipH="1">
+              <a:off x="5999967" y="4647156"/>
+              <a:ext cx="1866378" cy="1027134"/>
+            </a:xfrm>
+            <a:prstGeom prst="straightConnector1">
+              <a:avLst/>
+            </a:prstGeom>
+            <a:ln>
+              <a:solidFill>
+                <a:srgbClr val="FF0000"/>
+              </a:solidFill>
+              <a:tailEnd type="triangle"/>
+            </a:ln>
+          </p:spPr>
+          <p:style>
+            <a:lnRef idx="1">
+              <a:schemeClr val="accent1"/>
+            </a:lnRef>
+            <a:fillRef idx="0">
+              <a:schemeClr val="accent1"/>
+            </a:fillRef>
+            <a:effectRef idx="0">
+              <a:schemeClr val="accent1"/>
+            </a:effectRef>
+            <a:fontRef idx="minor">
+              <a:schemeClr val="tx1"/>
+            </a:fontRef>
+          </p:style>
+        </p:cxnSp>
+        <p:cxnSp>
+          <p:nvCxnSpPr>
+            <p:cNvPr id="24" name="Straight Arrow Connector 23">
+              <a:extLst>
+                <a:ext uri="{FF2B5EF4-FFF2-40B4-BE49-F238E27FC236}">
+                  <a16:creationId xmlns:a16="http://schemas.microsoft.com/office/drawing/2014/main" id="{6B1BBA56-A5D1-448F-97CF-25AD93C8731E}"/>
+                </a:ext>
+              </a:extLst>
+            </p:cNvPr>
+            <p:cNvCxnSpPr>
+              <a:cxnSpLocks/>
+            </p:cNvCxnSpPr>
+            <p:nvPr/>
+          </p:nvCxnSpPr>
+          <p:spPr>
+            <a:xfrm flipH="1">
+              <a:off x="5999967" y="4647156"/>
+              <a:ext cx="2981196" cy="1027134"/>
+            </a:xfrm>
+            <a:prstGeom prst="straightConnector1">
+              <a:avLst/>
+            </a:prstGeom>
+            <a:ln>
+              <a:solidFill>
+                <a:srgbClr val="FF0000"/>
+              </a:solidFill>
+              <a:tailEnd type="triangle"/>
+            </a:ln>
+          </p:spPr>
+          <p:style>
+            <a:lnRef idx="1">
+              <a:schemeClr val="accent1"/>
+            </a:lnRef>
+            <a:fillRef idx="0">
+              <a:schemeClr val="accent1"/>
+            </a:fillRef>
+            <a:effectRef idx="0">
+              <a:schemeClr val="accent1"/>
+            </a:effectRef>
+            <a:fontRef idx="minor">
+              <a:schemeClr val="tx1"/>
+            </a:fontRef>
+          </p:style>
+        </p:cxnSp>
+        <p:cxnSp>
+          <p:nvCxnSpPr>
+            <p:cNvPr id="27" name="Straight Arrow Connector 26">
+              <a:extLst>
+                <a:ext uri="{FF2B5EF4-FFF2-40B4-BE49-F238E27FC236}">
+                  <a16:creationId xmlns:a16="http://schemas.microsoft.com/office/drawing/2014/main" id="{44F0A0BC-2E72-44E4-B305-77C8F9C3505C}"/>
+                </a:ext>
+              </a:extLst>
+            </p:cNvPr>
+            <p:cNvCxnSpPr>
+              <a:cxnSpLocks/>
+            </p:cNvCxnSpPr>
+            <p:nvPr/>
+          </p:nvCxnSpPr>
+          <p:spPr>
+            <a:xfrm flipH="1">
+              <a:off x="5999967" y="4647156"/>
+              <a:ext cx="4150292" cy="1027134"/>
+            </a:xfrm>
+            <a:prstGeom prst="straightConnector1">
+              <a:avLst/>
+            </a:prstGeom>
+            <a:ln>
+              <a:solidFill>
+                <a:srgbClr val="FF0000"/>
+              </a:solidFill>
+              <a:tailEnd type="triangle"/>
+            </a:ln>
+          </p:spPr>
+          <p:style>
+            <a:lnRef idx="1">
+              <a:schemeClr val="accent1"/>
+            </a:lnRef>
+            <a:fillRef idx="0">
+              <a:schemeClr val="accent1"/>
+            </a:fillRef>
+            <a:effectRef idx="0">
+              <a:schemeClr val="accent1"/>
+            </a:effectRef>
+            <a:fontRef idx="minor">
+              <a:schemeClr val="tx1"/>
+            </a:fontRef>
+          </p:style>
+        </p:cxnSp>
+      </p:grpSp>
     </p:spTree>
     <p:extLst>
       <p:ext uri="{BB962C8B-B14F-4D97-AF65-F5344CB8AC3E}">
-        <p14:creationId xmlns:p14="http://schemas.microsoft.com/office/powerpoint/2010/main" val="3143412228"/>
+        <p14:creationId xmlns:p14="http://schemas.microsoft.com/office/powerpoint/2010/main" val="3003349711"/>
       </p:ext>
     </p:extLst>
   </p:cSld>
@@ -5247,7 +9249,7 @@
           <p:cNvPr id="2" name="Title 1">
             <a:extLst>
               <a:ext uri="{FF2B5EF4-FFF2-40B4-BE49-F238E27FC236}">
-                <a16:creationId xmlns:a16="http://schemas.microsoft.com/office/drawing/2014/main" id="{E46A37ED-7300-4D12-87FA-6BDAF4F26C03}"/>
+                <a16:creationId xmlns:a16="http://schemas.microsoft.com/office/drawing/2014/main" id="{11DE04F3-3988-4C7F-9838-C809D14BC559}"/>
               </a:ext>
             </a:extLst>
           </p:cNvPr>
@@ -5264,9 +9266,10 @@
           <a:lstStyle/>
           <a:p>
             <a:r>
-              <a:rPr lang="en-US" dirty="0"/>
-              <a:t>Synthetic training data</a:t>
-            </a:r>
+              <a:rPr lang="en-US" b="1" dirty="0"/>
+              <a:t>Why so complex?</a:t>
+            </a:r>
+            <a:endParaRPr lang="en-US" dirty="0"/>
           </a:p>
         </p:txBody>
       </p:sp>
@@ -5275,7 +9278,7 @@
           <p:cNvPr id="3" name="Content Placeholder 2">
             <a:extLst>
               <a:ext uri="{FF2B5EF4-FFF2-40B4-BE49-F238E27FC236}">
-                <a16:creationId xmlns:a16="http://schemas.microsoft.com/office/drawing/2014/main" id="{FBC670EB-095C-48AB-8D06-861705E0D262}"/>
+                <a16:creationId xmlns:a16="http://schemas.microsoft.com/office/drawing/2014/main" id="{92B7AAD0-E3E7-494F-A344-3C85AAD6D56C}"/>
               </a:ext>
             </a:extLst>
           </p:cNvPr>
@@ -5286,68 +9289,143 @@
             <p:ph idx="1"/>
           </p:nvPr>
         </p:nvSpPr>
-        <p:spPr/>
-        <p:txBody>
-          <a:bodyPr/>
-          <a:lstStyle/>
-          <a:p>
-            <a:r>
-              <a:rPr lang="en-US" dirty="0"/>
-              <a:t>Gathering ground truth data for image restoration tasks</a:t>
-            </a:r>
-            <a:br>
-              <a:rPr lang="en-US" dirty="0"/>
-            </a:br>
-            <a:r>
-              <a:rPr lang="en-US" dirty="0"/>
-              <a:t>is challenging. </a:t>
-            </a:r>
-          </a:p>
-          <a:p>
-            <a:r>
-              <a:rPr lang="en-US" dirty="0"/>
-              <a:t>Burst denoising adds an additional complication. </a:t>
-            </a:r>
-          </a:p>
-          <a:p>
-            <a:r>
-              <a:rPr lang="en-US" dirty="0"/>
-              <a:t>Because deep neural networks require millions of</a:t>
-            </a:r>
-            <a:br>
-              <a:rPr lang="en-US" dirty="0"/>
-            </a:br>
-            <a:r>
-              <a:rPr lang="en-US" dirty="0"/>
-              <a:t>image patches during training, it is impractical to use real</a:t>
-            </a:r>
-            <a:br>
-              <a:rPr lang="en-US" dirty="0"/>
-            </a:br>
-            <a:r>
-              <a:rPr lang="en-US" dirty="0"/>
-              <a:t>pairs of noisy and noise-free ground truth bursts.</a:t>
-            </a:r>
-          </a:p>
-          <a:p>
-            <a:r>
-              <a:rPr lang="en-US" dirty="0"/>
-              <a:t>Let’s fake it! </a:t>
-            </a:r>
-            <a:br>
-              <a:rPr lang="en-US" dirty="0"/>
-            </a:br>
-            <a:br>
-              <a:rPr lang="en-US" dirty="0"/>
-            </a:br>
-            <a:endParaRPr lang="en-US" dirty="0"/>
-          </a:p>
-        </p:txBody>
-      </p:sp>
+        <p:spPr>
+          <a:xfrm>
+            <a:off x="838199" y="1825624"/>
+            <a:ext cx="10515600" cy="764413"/>
+          </a:xfrm>
+        </p:spPr>
+        <p:txBody>
+          <a:bodyPr>
+            <a:normAutofit/>
+          </a:bodyPr>
+          <a:lstStyle/>
+          <a:p>
+            <a:r>
+              <a:rPr lang="en-US" dirty="0"/>
+              <a:t>Interpretability – we can see what happens there.</a:t>
+            </a:r>
+          </a:p>
+        </p:txBody>
+      </p:sp>
+      <p:pic>
+        <p:nvPicPr>
+          <p:cNvPr id="16" name="Picture 15">
+            <a:extLst>
+              <a:ext uri="{FF2B5EF4-FFF2-40B4-BE49-F238E27FC236}">
+                <a16:creationId xmlns:a16="http://schemas.microsoft.com/office/drawing/2014/main" id="{6C86B5DC-1430-4651-92C1-A2F52B709C04}"/>
+              </a:ext>
+            </a:extLst>
+          </p:cNvPr>
+          <p:cNvPicPr>
+            <a:picLocks noChangeAspect="1"/>
+          </p:cNvPicPr>
+          <p:nvPr/>
+        </p:nvPicPr>
+        <p:blipFill rotWithShape="1">
+          <a:blip r:embed="rId3"/>
+          <a:srcRect t="28816" b="30237"/>
+          <a:stretch/>
+        </p:blipFill>
+        <p:spPr>
+          <a:xfrm>
+            <a:off x="1475163" y="2590038"/>
+            <a:ext cx="9241673" cy="2245009"/>
+          </a:xfrm>
+          <a:prstGeom prst="rect">
+            <a:avLst/>
+          </a:prstGeom>
+        </p:spPr>
+      </p:pic>
+      <p:sp>
+        <p:nvSpPr>
+          <p:cNvPr id="5" name="TextBox 4">
+            <a:extLst>
+              <a:ext uri="{FF2B5EF4-FFF2-40B4-BE49-F238E27FC236}">
+                <a16:creationId xmlns:a16="http://schemas.microsoft.com/office/drawing/2014/main" id="{BFAD7094-C9E8-4644-92FF-622D406F66B1}"/>
+              </a:ext>
+            </a:extLst>
+          </p:cNvPr>
+          <p:cNvSpPr txBox="1"/>
+          <p:nvPr/>
+        </p:nvSpPr>
+        <p:spPr>
+          <a:xfrm>
+            <a:off x="413360" y="5317598"/>
+            <a:ext cx="2906038" cy="1200329"/>
+          </a:xfrm>
+          <a:prstGeom prst="rect">
+            <a:avLst/>
+          </a:prstGeom>
+          <a:noFill/>
+          <a:ln>
+            <a:solidFill>
+              <a:srgbClr val="FF0000"/>
+            </a:solidFill>
+          </a:ln>
+        </p:spPr>
+        <p:txBody>
+          <a:bodyPr wrap="square" rtlCol="0">
+            <a:spAutoFit/>
+          </a:bodyPr>
+          <a:lstStyle/>
+          <a:p>
+            <a:r>
+              <a:rPr lang="en-US" sz="2400" dirty="0"/>
+              <a:t>The kernel predicted for reference image is only denoises. </a:t>
+            </a:r>
+          </a:p>
+        </p:txBody>
+      </p:sp>
+      <p:cxnSp>
+        <p:nvCxnSpPr>
+          <p:cNvPr id="9" name="Straight Arrow Connector 8">
+            <a:extLst>
+              <a:ext uri="{FF2B5EF4-FFF2-40B4-BE49-F238E27FC236}">
+                <a16:creationId xmlns:a16="http://schemas.microsoft.com/office/drawing/2014/main" id="{24C55050-D132-40E3-96FE-7DB88B74E70F}"/>
+              </a:ext>
+            </a:extLst>
+          </p:cNvPr>
+          <p:cNvCxnSpPr>
+            <a:cxnSpLocks/>
+            <a:stCxn id="5" idx="0"/>
+          </p:cNvCxnSpPr>
+          <p:nvPr/>
+        </p:nvCxnSpPr>
+        <p:spPr>
+          <a:xfrm flipV="1">
+            <a:off x="1866379" y="4584526"/>
+            <a:ext cx="162837" cy="733072"/>
+          </a:xfrm>
+          <a:prstGeom prst="straightConnector1">
+            <a:avLst/>
+          </a:prstGeom>
+          <a:ln>
+            <a:solidFill>
+              <a:srgbClr val="FF0000"/>
+            </a:solidFill>
+            <a:tailEnd type="triangle"/>
+          </a:ln>
+        </p:spPr>
+        <p:style>
+          <a:lnRef idx="1">
+            <a:schemeClr val="accent1"/>
+          </a:lnRef>
+          <a:fillRef idx="0">
+            <a:schemeClr val="accent1"/>
+          </a:fillRef>
+          <a:effectRef idx="0">
+            <a:schemeClr val="accent1"/>
+          </a:effectRef>
+          <a:fontRef idx="minor">
+            <a:schemeClr val="tx1"/>
+          </a:fontRef>
+        </p:style>
+      </p:cxnSp>
     </p:spTree>
     <p:extLst>
       <p:ext uri="{BB962C8B-B14F-4D97-AF65-F5344CB8AC3E}">
-        <p14:creationId xmlns:p14="http://schemas.microsoft.com/office/powerpoint/2010/main" val="1450111426"/>
+        <p14:creationId xmlns:p14="http://schemas.microsoft.com/office/powerpoint/2010/main" val="955224995"/>
       </p:ext>
     </p:extLst>
   </p:cSld>
@@ -5650,4 +9728,299 @@
     </a:ext>
   </a:extLst>
 </a:theme>
+</file>
+
+<file path=ppt/theme/theme2.xml><?xml version="1.0" encoding="utf-8"?>
+<a:theme xmlns:a="http://schemas.openxmlformats.org/drawingml/2006/main" name="Office Theme">
+  <a:themeElements>
+    <a:clrScheme name="Office">
+      <a:dk1>
+        <a:sysClr val="windowText" lastClr="000000"/>
+      </a:dk1>
+      <a:lt1>
+        <a:sysClr val="window" lastClr="FFFFFF"/>
+      </a:lt1>
+      <a:dk2>
+        <a:srgbClr val="44546A"/>
+      </a:dk2>
+      <a:lt2>
+        <a:srgbClr val="E7E6E6"/>
+      </a:lt2>
+      <a:accent1>
+        <a:srgbClr val="4472C4"/>
+      </a:accent1>
+      <a:accent2>
+        <a:srgbClr val="ED7D31"/>
+      </a:accent2>
+      <a:accent3>
+        <a:srgbClr val="A5A5A5"/>
+      </a:accent3>
+      <a:accent4>
+        <a:srgbClr val="FFC000"/>
+      </a:accent4>
+      <a:accent5>
+        <a:srgbClr val="5B9BD5"/>
+      </a:accent5>
+      <a:accent6>
+        <a:srgbClr val="70AD47"/>
+      </a:accent6>
+      <a:hlink>
+        <a:srgbClr val="0563C1"/>
+      </a:hlink>
+      <a:folHlink>
+        <a:srgbClr val="954F72"/>
+      </a:folHlink>
+    </a:clrScheme>
+    <a:fontScheme name="Office">
+      <a:majorFont>
+        <a:latin typeface="Calibri Light" panose="020F0302020204030204"/>
+        <a:ea typeface=""/>
+        <a:cs typeface=""/>
+        <a:font script="Jpan" typeface="游ゴシック Light"/>
+        <a:font script="Hang" typeface="맑은 고딕"/>
+        <a:font script="Hans" typeface="等线 Light"/>
+        <a:font script="Hant" typeface="新細明體"/>
+        <a:font script="Arab" typeface="Times New Roman"/>
+        <a:font script="Hebr" typeface="Times New Roman"/>
+        <a:font script="Thai" typeface="Angsana New"/>
+        <a:font script="Ethi" typeface="Nyala"/>
+        <a:font script="Beng" typeface="Vrinda"/>
+        <a:font script="Gujr" typeface="Shruti"/>
+        <a:font script="Khmr" typeface="MoolBoran"/>
+        <a:font script="Knda" typeface="Tunga"/>
+        <a:font script="Guru" typeface="Raavi"/>
+        <a:font script="Cans" typeface="Euphemia"/>
+        <a:font script="Cher" typeface="Plantagenet Cherokee"/>
+        <a:font script="Yiii" typeface="Microsoft Yi Baiti"/>
+        <a:font script="Tibt" typeface="Microsoft Himalaya"/>
+        <a:font script="Thaa" typeface="MV Boli"/>
+        <a:font script="Deva" typeface="Mangal"/>
+        <a:font script="Telu" typeface="Gautami"/>
+        <a:font script="Taml" typeface="Latha"/>
+        <a:font script="Syrc" typeface="Estrangelo Edessa"/>
+        <a:font script="Orya" typeface="Kalinga"/>
+        <a:font script="Mlym" typeface="Kartika"/>
+        <a:font script="Laoo" typeface="DokChampa"/>
+        <a:font script="Sinh" typeface="Iskoola Pota"/>
+        <a:font script="Mong" typeface="Mongolian Baiti"/>
+        <a:font script="Viet" typeface="Times New Roman"/>
+        <a:font script="Uigh" typeface="Microsoft Uighur"/>
+        <a:font script="Geor" typeface="Sylfaen"/>
+        <a:font script="Armn" typeface="Arial"/>
+        <a:font script="Bugi" typeface="Leelawadee UI"/>
+        <a:font script="Bopo" typeface="Microsoft JhengHei"/>
+        <a:font script="Java" typeface="Javanese Text"/>
+        <a:font script="Lisu" typeface="Segoe UI"/>
+        <a:font script="Mymr" typeface="Myanmar Text"/>
+        <a:font script="Nkoo" typeface="Ebrima"/>
+        <a:font script="Olck" typeface="Nirmala UI"/>
+        <a:font script="Osma" typeface="Ebrima"/>
+        <a:font script="Phag" typeface="Phagspa"/>
+        <a:font script="Syrn" typeface="Estrangelo Edessa"/>
+        <a:font script="Syrj" typeface="Estrangelo Edessa"/>
+        <a:font script="Syre" typeface="Estrangelo Edessa"/>
+        <a:font script="Sora" typeface="Nirmala UI"/>
+        <a:font script="Tale" typeface="Microsoft Tai Le"/>
+        <a:font script="Talu" typeface="Microsoft New Tai Lue"/>
+        <a:font script="Tfng" typeface="Ebrima"/>
+      </a:majorFont>
+      <a:minorFont>
+        <a:latin typeface="Calibri" panose="020F0502020204030204"/>
+        <a:ea typeface=""/>
+        <a:cs typeface=""/>
+        <a:font script="Jpan" typeface="游ゴシック"/>
+        <a:font script="Hang" typeface="맑은 고딕"/>
+        <a:font script="Hans" typeface="等线"/>
+        <a:font script="Hant" typeface="新細明體"/>
+        <a:font script="Arab" typeface="Arial"/>
+        <a:font script="Hebr" typeface="Arial"/>
+        <a:font script="Thai" typeface="Cordia New"/>
+        <a:font script="Ethi" typeface="Nyala"/>
+        <a:font script="Beng" typeface="Vrinda"/>
+        <a:font script="Gujr" typeface="Shruti"/>
+        <a:font script="Khmr" typeface="DaunPenh"/>
+        <a:font script="Knda" typeface="Tunga"/>
+        <a:font script="Guru" typeface="Raavi"/>
+        <a:font script="Cans" typeface="Euphemia"/>
+        <a:font script="Cher" typeface="Plantagenet Cherokee"/>
+        <a:font script="Yiii" typeface="Microsoft Yi Baiti"/>
+        <a:font script="Tibt" typeface="Microsoft Himalaya"/>
+        <a:font script="Thaa" typeface="MV Boli"/>
+        <a:font script="Deva" typeface="Mangal"/>
+        <a:font script="Telu" typeface="Gautami"/>
+        <a:font script="Taml" typeface="Latha"/>
+        <a:font script="Syrc" typeface="Estrangelo Edessa"/>
+        <a:font script="Orya" typeface="Kalinga"/>
+        <a:font script="Mlym" typeface="Kartika"/>
+        <a:font script="Laoo" typeface="DokChampa"/>
+        <a:font script="Sinh" typeface="Iskoola Pota"/>
+        <a:font script="Mong" typeface="Mongolian Baiti"/>
+        <a:font script="Viet" typeface="Arial"/>
+        <a:font script="Uigh" typeface="Microsoft Uighur"/>
+        <a:font script="Geor" typeface="Sylfaen"/>
+        <a:font script="Armn" typeface="Arial"/>
+        <a:font script="Bugi" typeface="Leelawadee UI"/>
+        <a:font script="Bopo" typeface="Microsoft JhengHei"/>
+        <a:font script="Java" typeface="Javanese Text"/>
+        <a:font script="Lisu" typeface="Segoe UI"/>
+        <a:font script="Mymr" typeface="Myanmar Text"/>
+        <a:font script="Nkoo" typeface="Ebrima"/>
+        <a:font script="Olck" typeface="Nirmala UI"/>
+        <a:font script="Osma" typeface="Ebrima"/>
+        <a:font script="Phag" typeface="Phagspa"/>
+        <a:font script="Syrn" typeface="Estrangelo Edessa"/>
+        <a:font script="Syrj" typeface="Estrangelo Edessa"/>
+        <a:font script="Syre" typeface="Estrangelo Edessa"/>
+        <a:font script="Sora" typeface="Nirmala UI"/>
+        <a:font script="Tale" typeface="Microsoft Tai Le"/>
+        <a:font script="Talu" typeface="Microsoft New Tai Lue"/>
+        <a:font script="Tfng" typeface="Ebrima"/>
+      </a:minorFont>
+    </a:fontScheme>
+    <a:fmtScheme name="Office">
+      <a:fillStyleLst>
+        <a:solidFill>
+          <a:schemeClr val="phClr"/>
+        </a:solidFill>
+        <a:gradFill rotWithShape="1">
+          <a:gsLst>
+            <a:gs pos="0">
+              <a:schemeClr val="phClr">
+                <a:lumMod val="110000"/>
+                <a:satMod val="105000"/>
+                <a:tint val="67000"/>
+              </a:schemeClr>
+            </a:gs>
+            <a:gs pos="50000">
+              <a:schemeClr val="phClr">
+                <a:lumMod val="105000"/>
+                <a:satMod val="103000"/>
+                <a:tint val="73000"/>
+              </a:schemeClr>
+            </a:gs>
+            <a:gs pos="100000">
+              <a:schemeClr val="phClr">
+                <a:lumMod val="105000"/>
+                <a:satMod val="109000"/>
+                <a:tint val="81000"/>
+              </a:schemeClr>
+            </a:gs>
+          </a:gsLst>
+          <a:lin ang="5400000" scaled="0"/>
+        </a:gradFill>
+        <a:gradFill rotWithShape="1">
+          <a:gsLst>
+            <a:gs pos="0">
+              <a:schemeClr val="phClr">
+                <a:satMod val="103000"/>
+                <a:lumMod val="102000"/>
+                <a:tint val="94000"/>
+              </a:schemeClr>
+            </a:gs>
+            <a:gs pos="50000">
+              <a:schemeClr val="phClr">
+                <a:satMod val="110000"/>
+                <a:lumMod val="100000"/>
+                <a:shade val="100000"/>
+              </a:schemeClr>
+            </a:gs>
+            <a:gs pos="100000">
+              <a:schemeClr val="phClr">
+                <a:lumMod val="99000"/>
+                <a:satMod val="120000"/>
+                <a:shade val="78000"/>
+              </a:schemeClr>
+            </a:gs>
+          </a:gsLst>
+          <a:lin ang="5400000" scaled="0"/>
+        </a:gradFill>
+      </a:fillStyleLst>
+      <a:lnStyleLst>
+        <a:ln w="6350" cap="flat" cmpd="sng" algn="ctr">
+          <a:solidFill>
+            <a:schemeClr val="phClr"/>
+          </a:solidFill>
+          <a:prstDash val="solid"/>
+          <a:miter lim="800000"/>
+        </a:ln>
+        <a:ln w="12700" cap="flat" cmpd="sng" algn="ctr">
+          <a:solidFill>
+            <a:schemeClr val="phClr"/>
+          </a:solidFill>
+          <a:prstDash val="solid"/>
+          <a:miter lim="800000"/>
+        </a:ln>
+        <a:ln w="19050" cap="flat" cmpd="sng" algn="ctr">
+          <a:solidFill>
+            <a:schemeClr val="phClr"/>
+          </a:solidFill>
+          <a:prstDash val="solid"/>
+          <a:miter lim="800000"/>
+        </a:ln>
+      </a:lnStyleLst>
+      <a:effectStyleLst>
+        <a:effectStyle>
+          <a:effectLst/>
+        </a:effectStyle>
+        <a:effectStyle>
+          <a:effectLst/>
+        </a:effectStyle>
+        <a:effectStyle>
+          <a:effectLst>
+            <a:outerShdw blurRad="57150" dist="19050" dir="5400000" algn="ctr" rotWithShape="0">
+              <a:srgbClr val="000000">
+                <a:alpha val="63000"/>
+              </a:srgbClr>
+            </a:outerShdw>
+          </a:effectLst>
+        </a:effectStyle>
+      </a:effectStyleLst>
+      <a:bgFillStyleLst>
+        <a:solidFill>
+          <a:schemeClr val="phClr"/>
+        </a:solidFill>
+        <a:solidFill>
+          <a:schemeClr val="phClr">
+            <a:tint val="95000"/>
+            <a:satMod val="170000"/>
+          </a:schemeClr>
+        </a:solidFill>
+        <a:gradFill rotWithShape="1">
+          <a:gsLst>
+            <a:gs pos="0">
+              <a:schemeClr val="phClr">
+                <a:tint val="93000"/>
+                <a:satMod val="150000"/>
+                <a:shade val="98000"/>
+                <a:lumMod val="102000"/>
+              </a:schemeClr>
+            </a:gs>
+            <a:gs pos="50000">
+              <a:schemeClr val="phClr">
+                <a:tint val="98000"/>
+                <a:satMod val="130000"/>
+                <a:shade val="90000"/>
+                <a:lumMod val="103000"/>
+              </a:schemeClr>
+            </a:gs>
+            <a:gs pos="100000">
+              <a:schemeClr val="phClr">
+                <a:shade val="63000"/>
+                <a:satMod val="120000"/>
+              </a:schemeClr>
+            </a:gs>
+          </a:gsLst>
+          <a:lin ang="5400000" scaled="0"/>
+        </a:gradFill>
+      </a:bgFillStyleLst>
+    </a:fmtScheme>
+  </a:themeElements>
+  <a:objectDefaults/>
+  <a:extraClrSchemeLst/>
+  <a:extLst>
+    <a:ext uri="{05A4C25C-085E-4340-85A3-A5531E510DB2}">
+      <thm15:themeFamily xmlns:thm15="http://schemas.microsoft.com/office/thememl/2012/main" name="Office Theme" id="{62F939B6-93AF-4DB8-9C6B-D6C7DFDC589F}" vid="{4A3C46E8-61CC-4603-A589-7422A47A8E4A}"/>
+    </a:ext>
+  </a:extLst>
+</a:theme>
 </file>